--- a/week_10/PsychoPy_Lecture_2.pptx
+++ b/week_10/PsychoPy_Lecture_2.pptx
@@ -151,6 +151,934 @@
 
 <file path=ppt/changesInfos/changesInfo1.xml><?xml version="1.0" encoding="utf-8"?>
 <pc:chgInfo xmlns:a="http://schemas.openxmlformats.org/drawingml/2006/main" xmlns:r="http://schemas.openxmlformats.org/officeDocument/2006/relationships" xmlns:ac="http://schemas.microsoft.com/office/drawing/2013/main/command" xmlns:pc="http://schemas.microsoft.com/office/powerpoint/2013/main/command">
+  <pc:docChgLst>
+    <pc:chgData name="Andrea Castegnaro" userId="e719bb20-b48f-4237-97c2-e35c3e0dc9cd" providerId="ADAL" clId="{92A0AF53-51DD-43E0-8059-022AF9526B82}"/>
+    <pc:docChg chg="modSld">
+      <pc:chgData name="Andrea Castegnaro" userId="e719bb20-b48f-4237-97c2-e35c3e0dc9cd" providerId="ADAL" clId="{92A0AF53-51DD-43E0-8059-022AF9526B82}" dt="2023-01-26T10:17:35.774" v="37" actId="20577"/>
+      <pc:docMkLst>
+        <pc:docMk/>
+      </pc:docMkLst>
+      <pc:sldChg chg="modSp mod">
+        <pc:chgData name="Andrea Castegnaro" userId="e719bb20-b48f-4237-97c2-e35c3e0dc9cd" providerId="ADAL" clId="{92A0AF53-51DD-43E0-8059-022AF9526B82}" dt="2023-01-26T10:15:23.706" v="13" actId="20577"/>
+        <pc:sldMkLst>
+          <pc:docMk/>
+          <pc:sldMk cId="2445713399" sldId="312"/>
+        </pc:sldMkLst>
+      </pc:sldChg>
+      <pc:sldChg chg="modSp mod">
+        <pc:chgData name="Andrea Castegnaro" userId="e719bb20-b48f-4237-97c2-e35c3e0dc9cd" providerId="ADAL" clId="{92A0AF53-51DD-43E0-8059-022AF9526B82}" dt="2023-01-26T10:17:35.774" v="37" actId="20577"/>
+        <pc:sldMkLst>
+          <pc:docMk/>
+          <pc:sldMk cId="3366187170" sldId="322"/>
+        </pc:sldMkLst>
+      </pc:sldChg>
+      <pc:sldChg chg="modSp mod">
+        <pc:chgData name="Andrea Castegnaro" userId="e719bb20-b48f-4237-97c2-e35c3e0dc9cd" providerId="ADAL" clId="{92A0AF53-51DD-43E0-8059-022AF9526B82}" dt="2023-01-26T10:16:46.391" v="20" actId="6549"/>
+        <pc:sldMkLst>
+          <pc:docMk/>
+          <pc:sldMk cId="4066632436" sldId="360"/>
+        </pc:sldMkLst>
+      </pc:sldChg>
+    </pc:docChg>
+  </pc:docChgLst>
+  <pc:docChgLst>
+    <pc:chgData name="Castegnaro, Andrea" userId="e719bb20-b48f-4237-97c2-e35c3e0dc9cd" providerId="ADAL" clId="{78304693-7C79-4023-BC7A-18AAB28EFB2B}"/>
+    <pc:docChg chg="undo redo custSel addSld delSld modSld">
+      <pc:chgData name="Castegnaro, Andrea" userId="e719bb20-b48f-4237-97c2-e35c3e0dc9cd" providerId="ADAL" clId="{78304693-7C79-4023-BC7A-18AAB28EFB2B}" dt="2022-01-24T15:20:50.212" v="5744" actId="1036"/>
+      <pc:docMkLst>
+        <pc:docMk/>
+      </pc:docMkLst>
+      <pc:sldChg chg="modSp mod">
+        <pc:chgData name="Castegnaro, Andrea" userId="e719bb20-b48f-4237-97c2-e35c3e0dc9cd" providerId="ADAL" clId="{78304693-7C79-4023-BC7A-18AAB28EFB2B}" dt="2022-01-24T14:04:22.236" v="1398" actId="1076"/>
+        <pc:sldMkLst>
+          <pc:docMk/>
+          <pc:sldMk cId="2445713399" sldId="312"/>
+        </pc:sldMkLst>
+      </pc:sldChg>
+      <pc:sldChg chg="modSp mod">
+        <pc:chgData name="Castegnaro, Andrea" userId="e719bb20-b48f-4237-97c2-e35c3e0dc9cd" providerId="ADAL" clId="{78304693-7C79-4023-BC7A-18AAB28EFB2B}" dt="2022-01-24T14:09:45.412" v="1702" actId="27636"/>
+        <pc:sldMkLst>
+          <pc:docMk/>
+          <pc:sldMk cId="3098246948" sldId="320"/>
+        </pc:sldMkLst>
+      </pc:sldChg>
+      <pc:sldChg chg="addSp modSp mod">
+        <pc:chgData name="Castegnaro, Andrea" userId="e719bb20-b48f-4237-97c2-e35c3e0dc9cd" providerId="ADAL" clId="{78304693-7C79-4023-BC7A-18AAB28EFB2B}" dt="2022-01-24T14:21:32.240" v="2586" actId="1037"/>
+        <pc:sldMkLst>
+          <pc:docMk/>
+          <pc:sldMk cId="2695853462" sldId="321"/>
+        </pc:sldMkLst>
+      </pc:sldChg>
+      <pc:sldChg chg="addSp modSp mod">
+        <pc:chgData name="Castegnaro, Andrea" userId="e719bb20-b48f-4237-97c2-e35c3e0dc9cd" providerId="ADAL" clId="{78304693-7C79-4023-BC7A-18AAB28EFB2B}" dt="2022-01-24T14:10:40.205" v="1733" actId="1076"/>
+        <pc:sldMkLst>
+          <pc:docMk/>
+          <pc:sldMk cId="3366187170" sldId="322"/>
+        </pc:sldMkLst>
+      </pc:sldChg>
+      <pc:sldChg chg="del">
+        <pc:chgData name="Castegnaro, Andrea" userId="e719bb20-b48f-4237-97c2-e35c3e0dc9cd" providerId="ADAL" clId="{78304693-7C79-4023-BC7A-18AAB28EFB2B}" dt="2022-01-24T12:16:12.123" v="0" actId="47"/>
+        <pc:sldMkLst>
+          <pc:docMk/>
+          <pc:sldMk cId="4124654771" sldId="323"/>
+        </pc:sldMkLst>
+      </pc:sldChg>
+      <pc:sldChg chg="addSp modSp mod">
+        <pc:chgData name="Castegnaro, Andrea" userId="e719bb20-b48f-4237-97c2-e35c3e0dc9cd" providerId="ADAL" clId="{78304693-7C79-4023-BC7A-18AAB28EFB2B}" dt="2022-01-24T14:27:02.850" v="2853" actId="14100"/>
+        <pc:sldMkLst>
+          <pc:docMk/>
+          <pc:sldMk cId="399080098" sldId="324"/>
+        </pc:sldMkLst>
+      </pc:sldChg>
+      <pc:sldChg chg="addSp modSp mod">
+        <pc:chgData name="Castegnaro, Andrea" userId="e719bb20-b48f-4237-97c2-e35c3e0dc9cd" providerId="ADAL" clId="{78304693-7C79-4023-BC7A-18AAB28EFB2B}" dt="2022-01-24T14:29:27.809" v="3123" actId="20577"/>
+        <pc:sldMkLst>
+          <pc:docMk/>
+          <pc:sldMk cId="2336413018" sldId="325"/>
+        </pc:sldMkLst>
+      </pc:sldChg>
+      <pc:sldChg chg="modSp mod">
+        <pc:chgData name="Castegnaro, Andrea" userId="e719bb20-b48f-4237-97c2-e35c3e0dc9cd" providerId="ADAL" clId="{78304693-7C79-4023-BC7A-18AAB28EFB2B}" dt="2022-01-24T14:41:45.695" v="3572" actId="1035"/>
+        <pc:sldMkLst>
+          <pc:docMk/>
+          <pc:sldMk cId="2722255684" sldId="327"/>
+        </pc:sldMkLst>
+      </pc:sldChg>
+      <pc:sldChg chg="modSp add del mod">
+        <pc:chgData name="Castegnaro, Andrea" userId="e719bb20-b48f-4237-97c2-e35c3e0dc9cd" providerId="ADAL" clId="{78304693-7C79-4023-BC7A-18AAB28EFB2B}" dt="2022-01-24T12:50:01.537" v="269" actId="2696"/>
+        <pc:sldMkLst>
+          <pc:docMk/>
+          <pc:sldMk cId="271442219" sldId="328"/>
+        </pc:sldMkLst>
+      </pc:sldChg>
+      <pc:sldChg chg="addSp modSp mod">
+        <pc:chgData name="Castegnaro, Andrea" userId="e719bb20-b48f-4237-97c2-e35c3e0dc9cd" providerId="ADAL" clId="{78304693-7C79-4023-BC7A-18AAB28EFB2B}" dt="2022-01-24T14:13:11.092" v="1746" actId="1076"/>
+        <pc:sldMkLst>
+          <pc:docMk/>
+          <pc:sldMk cId="1057538686" sldId="329"/>
+        </pc:sldMkLst>
+      </pc:sldChg>
+      <pc:sldChg chg="addSp delSp modSp mod">
+        <pc:chgData name="Castegnaro, Andrea" userId="e719bb20-b48f-4237-97c2-e35c3e0dc9cd" providerId="ADAL" clId="{78304693-7C79-4023-BC7A-18AAB28EFB2B}" dt="2022-01-24T14:14:02.882" v="1749"/>
+        <pc:sldMkLst>
+          <pc:docMk/>
+          <pc:sldMk cId="2645979126" sldId="331"/>
+        </pc:sldMkLst>
+      </pc:sldChg>
+      <pc:sldChg chg="addSp delSp modSp mod">
+        <pc:chgData name="Castegnaro, Andrea" userId="e719bb20-b48f-4237-97c2-e35c3e0dc9cd" providerId="ADAL" clId="{78304693-7C79-4023-BC7A-18AAB28EFB2B}" dt="2022-01-24T14:58:22.710" v="4330" actId="20577"/>
+        <pc:sldMkLst>
+          <pc:docMk/>
+          <pc:sldMk cId="3686595670" sldId="332"/>
+        </pc:sldMkLst>
+      </pc:sldChg>
+      <pc:sldChg chg="addSp modSp mod">
+        <pc:chgData name="Castegnaro, Andrea" userId="e719bb20-b48f-4237-97c2-e35c3e0dc9cd" providerId="ADAL" clId="{78304693-7C79-4023-BC7A-18AAB28EFB2B}" dt="2022-01-24T15:00:00.999" v="4529" actId="20577"/>
+        <pc:sldMkLst>
+          <pc:docMk/>
+          <pc:sldMk cId="4054631168" sldId="333"/>
+        </pc:sldMkLst>
+      </pc:sldChg>
+      <pc:sldChg chg="modSp mod">
+        <pc:chgData name="Castegnaro, Andrea" userId="e719bb20-b48f-4237-97c2-e35c3e0dc9cd" providerId="ADAL" clId="{78304693-7C79-4023-BC7A-18AAB28EFB2B}" dt="2022-01-24T14:36:48.525" v="3385" actId="20577"/>
+        <pc:sldMkLst>
+          <pc:docMk/>
+          <pc:sldMk cId="3423161011" sldId="334"/>
+        </pc:sldMkLst>
+      </pc:sldChg>
+      <pc:sldChg chg="addSp modSp mod">
+        <pc:chgData name="Castegnaro, Andrea" userId="e719bb20-b48f-4237-97c2-e35c3e0dc9cd" providerId="ADAL" clId="{78304693-7C79-4023-BC7A-18AAB28EFB2B}" dt="2022-01-24T14:51:06.607" v="4251" actId="20577"/>
+        <pc:sldMkLst>
+          <pc:docMk/>
+          <pc:sldMk cId="718657368" sldId="335"/>
+        </pc:sldMkLst>
+      </pc:sldChg>
+      <pc:sldChg chg="addSp delSp modSp mod">
+        <pc:chgData name="Castegnaro, Andrea" userId="e719bb20-b48f-4237-97c2-e35c3e0dc9cd" providerId="ADAL" clId="{78304693-7C79-4023-BC7A-18AAB28EFB2B}" dt="2022-01-24T15:12:49.499" v="5017" actId="20577"/>
+        <pc:sldMkLst>
+          <pc:docMk/>
+          <pc:sldMk cId="3468065226" sldId="336"/>
+        </pc:sldMkLst>
+      </pc:sldChg>
+      <pc:sldChg chg="addSp modSp mod">
+        <pc:chgData name="Castegnaro, Andrea" userId="e719bb20-b48f-4237-97c2-e35c3e0dc9cd" providerId="ADAL" clId="{78304693-7C79-4023-BC7A-18AAB28EFB2B}" dt="2022-01-24T14:43:49.691" v="3641" actId="20577"/>
+        <pc:sldMkLst>
+          <pc:docMk/>
+          <pc:sldMk cId="3329810214" sldId="337"/>
+        </pc:sldMkLst>
+      </pc:sldChg>
+      <pc:sldChg chg="addSp delSp modSp add mod">
+        <pc:chgData name="Castegnaro, Andrea" userId="e719bb20-b48f-4237-97c2-e35c3e0dc9cd" providerId="ADAL" clId="{78304693-7C79-4023-BC7A-18AAB28EFB2B}" dt="2022-01-24T14:45:18.944" v="3743" actId="1036"/>
+        <pc:sldMkLst>
+          <pc:docMk/>
+          <pc:sldMk cId="2097315419" sldId="338"/>
+        </pc:sldMkLst>
+      </pc:sldChg>
+      <pc:sldChg chg="addSp delSp modSp add mod setBg">
+        <pc:chgData name="Castegnaro, Andrea" userId="e719bb20-b48f-4237-97c2-e35c3e0dc9cd" providerId="ADAL" clId="{78304693-7C79-4023-BC7A-18AAB28EFB2B}" dt="2022-01-24T14:24:50.463" v="2781" actId="20577"/>
+        <pc:sldMkLst>
+          <pc:docMk/>
+          <pc:sldMk cId="2075616132" sldId="339"/>
+        </pc:sldMkLst>
+      </pc:sldChg>
+      <pc:sldChg chg="add del">
+        <pc:chgData name="Castegnaro, Andrea" userId="e719bb20-b48f-4237-97c2-e35c3e0dc9cd" providerId="ADAL" clId="{78304693-7C79-4023-BC7A-18AAB28EFB2B}" dt="2022-01-24T14:15:11.811" v="1757" actId="47"/>
+        <pc:sldMkLst>
+          <pc:docMk/>
+          <pc:sldMk cId="2477883259" sldId="339"/>
+        </pc:sldMkLst>
+      </pc:sldChg>
+      <pc:sldChg chg="addSp delSp modSp add mod">
+        <pc:chgData name="Castegnaro, Andrea" userId="e719bb20-b48f-4237-97c2-e35c3e0dc9cd" providerId="ADAL" clId="{78304693-7C79-4023-BC7A-18AAB28EFB2B}" dt="2022-01-24T15:20:50.212" v="5744" actId="1036"/>
+        <pc:sldMkLst>
+          <pc:docMk/>
+          <pc:sldMk cId="3243017373" sldId="340"/>
+        </pc:sldMkLst>
+      </pc:sldChg>
+    </pc:docChg>
+  </pc:docChgLst>
+  <pc:docChgLst>
+    <pc:chgData name="Castegnaro, Andrea" userId="e719bb20-b48f-4237-97c2-e35c3e0dc9cd" providerId="ADAL" clId="{037A3883-25D0-4F73-9F98-EE8D87CB790F}"/>
+    <pc:docChg chg="undo custSel modSld">
+      <pc:chgData name="Castegnaro, Andrea" userId="e719bb20-b48f-4237-97c2-e35c3e0dc9cd" providerId="ADAL" clId="{037A3883-25D0-4F73-9F98-EE8D87CB790F}" dt="2025-02-13T20:30:17.638" v="732" actId="1036"/>
+      <pc:docMkLst>
+        <pc:docMk/>
+      </pc:docMkLst>
+      <pc:sldChg chg="addSp delSp modSp mod">
+        <pc:chgData name="Castegnaro, Andrea" userId="e719bb20-b48f-4237-97c2-e35c3e0dc9cd" providerId="ADAL" clId="{037A3883-25D0-4F73-9F98-EE8D87CB790F}" dt="2025-02-13T20:30:17.638" v="732" actId="1036"/>
+        <pc:sldMkLst>
+          <pc:docMk/>
+          <pc:sldMk cId="721496837" sldId="359"/>
+        </pc:sldMkLst>
+        <pc:spChg chg="mod">
+          <ac:chgData name="Castegnaro, Andrea" userId="e719bb20-b48f-4237-97c2-e35c3e0dc9cd" providerId="ADAL" clId="{037A3883-25D0-4F73-9F98-EE8D87CB790F}" dt="2025-02-13T20:27:06.281" v="301" actId="20577"/>
+          <ac:spMkLst>
+            <pc:docMk/>
+            <pc:sldMk cId="721496837" sldId="359"/>
+            <ac:spMk id="2" creationId="{32DCA100-7D85-4A3C-9993-92EC37D3F8E2}"/>
+          </ac:spMkLst>
+        </pc:spChg>
+        <pc:spChg chg="mod">
+          <ac:chgData name="Castegnaro, Andrea" userId="e719bb20-b48f-4237-97c2-e35c3e0dc9cd" providerId="ADAL" clId="{037A3883-25D0-4F73-9F98-EE8D87CB790F}" dt="2025-02-13T20:24:25.373" v="84" actId="20577"/>
+          <ac:spMkLst>
+            <pc:docMk/>
+            <pc:sldMk cId="721496837" sldId="359"/>
+            <ac:spMk id="3" creationId="{780435C9-5DBC-4F47-AF8A-976FB0A75DE2}"/>
+          </ac:spMkLst>
+        </pc:spChg>
+        <pc:spChg chg="add del">
+          <ac:chgData name="Castegnaro, Andrea" userId="e719bb20-b48f-4237-97c2-e35c3e0dc9cd" providerId="ADAL" clId="{037A3883-25D0-4F73-9F98-EE8D87CB790F}" dt="2025-02-13T20:23:48.363" v="71" actId="22"/>
+          <ac:spMkLst>
+            <pc:docMk/>
+            <pc:sldMk cId="721496837" sldId="359"/>
+            <ac:spMk id="5" creationId="{51E49A9B-AE64-3756-B55E-4DB93F80DF02}"/>
+          </ac:spMkLst>
+        </pc:spChg>
+        <pc:spChg chg="add mod">
+          <ac:chgData name="Castegnaro, Andrea" userId="e719bb20-b48f-4237-97c2-e35c3e0dc9cd" providerId="ADAL" clId="{037A3883-25D0-4F73-9F98-EE8D87CB790F}" dt="2025-02-13T20:30:17.638" v="732" actId="1036"/>
+          <ac:spMkLst>
+            <pc:docMk/>
+            <pc:sldMk cId="721496837" sldId="359"/>
+            <ac:spMk id="6" creationId="{EE97DC39-1324-63C1-1EC5-DF920FA69083}"/>
+          </ac:spMkLst>
+        </pc:spChg>
+        <pc:spChg chg="add mod">
+          <ac:chgData name="Castegnaro, Andrea" userId="e719bb20-b48f-4237-97c2-e35c3e0dc9cd" providerId="ADAL" clId="{037A3883-25D0-4F73-9F98-EE8D87CB790F}" dt="2025-02-13T20:30:08.096" v="717" actId="20577"/>
+          <ac:spMkLst>
+            <pc:docMk/>
+            <pc:sldMk cId="721496837" sldId="359"/>
+            <ac:spMk id="7" creationId="{2C2624CF-DB8D-C8E2-7F4C-17B332C6D3EF}"/>
+          </ac:spMkLst>
+        </pc:spChg>
+        <pc:spChg chg="del">
+          <ac:chgData name="Castegnaro, Andrea" userId="e719bb20-b48f-4237-97c2-e35c3e0dc9cd" providerId="ADAL" clId="{037A3883-25D0-4F73-9F98-EE8D87CB790F}" dt="2025-02-13T20:23:43.002" v="68" actId="478"/>
+          <ac:spMkLst>
+            <pc:docMk/>
+            <pc:sldMk cId="721496837" sldId="359"/>
+            <ac:spMk id="28" creationId="{178A5322-6472-4351-86AE-1D5F1289C9BB}"/>
+          </ac:spMkLst>
+        </pc:spChg>
+        <pc:spChg chg="del">
+          <ac:chgData name="Castegnaro, Andrea" userId="e719bb20-b48f-4237-97c2-e35c3e0dc9cd" providerId="ADAL" clId="{037A3883-25D0-4F73-9F98-EE8D87CB790F}" dt="2025-02-13T20:23:43.002" v="68" actId="478"/>
+          <ac:spMkLst>
+            <pc:docMk/>
+            <pc:sldMk cId="721496837" sldId="359"/>
+            <ac:spMk id="29" creationId="{7EB9AEBC-EF72-442A-8518-8ACCBAF56B07}"/>
+          </ac:spMkLst>
+        </pc:spChg>
+        <pc:spChg chg="del">
+          <ac:chgData name="Castegnaro, Andrea" userId="e719bb20-b48f-4237-97c2-e35c3e0dc9cd" providerId="ADAL" clId="{037A3883-25D0-4F73-9F98-EE8D87CB790F}" dt="2025-02-13T20:23:43.002" v="68" actId="478"/>
+          <ac:spMkLst>
+            <pc:docMk/>
+            <pc:sldMk cId="721496837" sldId="359"/>
+            <ac:spMk id="31" creationId="{75C935CC-BC46-43A5-ACD7-3BCD6084597C}"/>
+          </ac:spMkLst>
+        </pc:spChg>
+        <pc:spChg chg="del">
+          <ac:chgData name="Castegnaro, Andrea" userId="e719bb20-b48f-4237-97c2-e35c3e0dc9cd" providerId="ADAL" clId="{037A3883-25D0-4F73-9F98-EE8D87CB790F}" dt="2025-02-13T20:23:43.002" v="68" actId="478"/>
+          <ac:spMkLst>
+            <pc:docMk/>
+            <pc:sldMk cId="721496837" sldId="359"/>
+            <ac:spMk id="35" creationId="{CC0A4CA9-2D18-49E4-A17D-9432CF3661C6}"/>
+          </ac:spMkLst>
+        </pc:spChg>
+        <pc:spChg chg="del">
+          <ac:chgData name="Castegnaro, Andrea" userId="e719bb20-b48f-4237-97c2-e35c3e0dc9cd" providerId="ADAL" clId="{037A3883-25D0-4F73-9F98-EE8D87CB790F}" dt="2025-02-13T20:23:37.645" v="67" actId="478"/>
+          <ac:spMkLst>
+            <pc:docMk/>
+            <pc:sldMk cId="721496837" sldId="359"/>
+            <ac:spMk id="38" creationId="{7F0C18EC-CEDC-44FC-8C6A-C3E54D26B1B8}"/>
+          </ac:spMkLst>
+        </pc:spChg>
+        <pc:grpChg chg="del">
+          <ac:chgData name="Castegnaro, Andrea" userId="e719bb20-b48f-4237-97c2-e35c3e0dc9cd" providerId="ADAL" clId="{037A3883-25D0-4F73-9F98-EE8D87CB790F}" dt="2025-02-13T20:23:43.002" v="68" actId="478"/>
+          <ac:grpSpMkLst>
+            <pc:docMk/>
+            <pc:sldMk cId="721496837" sldId="359"/>
+            <ac:grpSpMk id="9" creationId="{3597F9B4-38E6-43F6-A84A-FE0ADE6E0FA8}"/>
+          </ac:grpSpMkLst>
+        </pc:grpChg>
+        <pc:picChg chg="del">
+          <ac:chgData name="Castegnaro, Andrea" userId="e719bb20-b48f-4237-97c2-e35c3e0dc9cd" providerId="ADAL" clId="{037A3883-25D0-4F73-9F98-EE8D87CB790F}" dt="2025-02-13T20:23:44.505" v="69" actId="478"/>
+          <ac:picMkLst>
+            <pc:docMk/>
+            <pc:sldMk cId="721496837" sldId="359"/>
+            <ac:picMk id="47" creationId="{F71EC9DD-86C7-467E-A297-35AEF77779B4}"/>
+          </ac:picMkLst>
+        </pc:picChg>
+        <pc:cxnChg chg="del">
+          <ac:chgData name="Castegnaro, Andrea" userId="e719bb20-b48f-4237-97c2-e35c3e0dc9cd" providerId="ADAL" clId="{037A3883-25D0-4F73-9F98-EE8D87CB790F}" dt="2025-02-13T20:23:43.002" v="68" actId="478"/>
+          <ac:cxnSpMkLst>
+            <pc:docMk/>
+            <pc:sldMk cId="721496837" sldId="359"/>
+            <ac:cxnSpMk id="12" creationId="{69454F0E-F02B-4156-9D2F-8A6358BB90D5}"/>
+          </ac:cxnSpMkLst>
+        </pc:cxnChg>
+        <pc:cxnChg chg="del">
+          <ac:chgData name="Castegnaro, Andrea" userId="e719bb20-b48f-4237-97c2-e35c3e0dc9cd" providerId="ADAL" clId="{037A3883-25D0-4F73-9F98-EE8D87CB790F}" dt="2025-02-13T20:23:43.002" v="68" actId="478"/>
+          <ac:cxnSpMkLst>
+            <pc:docMk/>
+            <pc:sldMk cId="721496837" sldId="359"/>
+            <ac:cxnSpMk id="14" creationId="{BBE1E19F-437C-4678-92F6-34C0ACA5189C}"/>
+          </ac:cxnSpMkLst>
+        </pc:cxnChg>
+        <pc:cxnChg chg="del">
+          <ac:chgData name="Castegnaro, Andrea" userId="e719bb20-b48f-4237-97c2-e35c3e0dc9cd" providerId="ADAL" clId="{037A3883-25D0-4F73-9F98-EE8D87CB790F}" dt="2025-02-13T20:23:43.002" v="68" actId="478"/>
+          <ac:cxnSpMkLst>
+            <pc:docMk/>
+            <pc:sldMk cId="721496837" sldId="359"/>
+            <ac:cxnSpMk id="16" creationId="{52DE95F4-D325-4C77-883C-FF59B561E876}"/>
+          </ac:cxnSpMkLst>
+        </pc:cxnChg>
+        <pc:cxnChg chg="del">
+          <ac:chgData name="Castegnaro, Andrea" userId="e719bb20-b48f-4237-97c2-e35c3e0dc9cd" providerId="ADAL" clId="{037A3883-25D0-4F73-9F98-EE8D87CB790F}" dt="2025-02-13T20:23:43.002" v="68" actId="478"/>
+          <ac:cxnSpMkLst>
+            <pc:docMk/>
+            <pc:sldMk cId="721496837" sldId="359"/>
+            <ac:cxnSpMk id="19" creationId="{762325B7-B925-4428-8377-59DAD7738D11}"/>
+          </ac:cxnSpMkLst>
+        </pc:cxnChg>
+        <pc:cxnChg chg="del">
+          <ac:chgData name="Castegnaro, Andrea" userId="e719bb20-b48f-4237-97c2-e35c3e0dc9cd" providerId="ADAL" clId="{037A3883-25D0-4F73-9F98-EE8D87CB790F}" dt="2025-02-13T20:23:43.002" v="68" actId="478"/>
+          <ac:cxnSpMkLst>
+            <pc:docMk/>
+            <pc:sldMk cId="721496837" sldId="359"/>
+            <ac:cxnSpMk id="27" creationId="{84370CA1-9905-47C0-A1FE-D14EC0512EBD}"/>
+          </ac:cxnSpMkLst>
+        </pc:cxnChg>
+      </pc:sldChg>
+    </pc:docChg>
+  </pc:docChgLst>
+  <pc:docChgLst>
+    <pc:chgData name="Castegnaro, Andrea" userId="e719bb20-b48f-4237-97c2-e35c3e0dc9cd" providerId="ADAL" clId="{4BB90297-663E-4BA4-8520-0798A049819B}"/>
+    <pc:docChg chg="custSel modSld">
+      <pc:chgData name="Castegnaro, Andrea" userId="e719bb20-b48f-4237-97c2-e35c3e0dc9cd" providerId="ADAL" clId="{4BB90297-663E-4BA4-8520-0798A049819B}" dt="2024-01-19T12:16:04.437" v="27" actId="20577"/>
+      <pc:docMkLst>
+        <pc:docMk/>
+      </pc:docMkLst>
+      <pc:sldChg chg="modNotesTx">
+        <pc:chgData name="Castegnaro, Andrea" userId="e719bb20-b48f-4237-97c2-e35c3e0dc9cd" providerId="ADAL" clId="{4BB90297-663E-4BA4-8520-0798A049819B}" dt="2024-01-19T10:56:17.495" v="0" actId="6549"/>
+        <pc:sldMkLst>
+          <pc:docMk/>
+          <pc:sldMk cId="3617399448" sldId="342"/>
+        </pc:sldMkLst>
+      </pc:sldChg>
+      <pc:sldChg chg="modNotesTx">
+        <pc:chgData name="Castegnaro, Andrea" userId="e719bb20-b48f-4237-97c2-e35c3e0dc9cd" providerId="ADAL" clId="{4BB90297-663E-4BA4-8520-0798A049819B}" dt="2024-01-19T10:56:33.141" v="5" actId="6549"/>
+        <pc:sldMkLst>
+          <pc:docMk/>
+          <pc:sldMk cId="2895304120" sldId="343"/>
+        </pc:sldMkLst>
+      </pc:sldChg>
+      <pc:sldChg chg="modNotesTx">
+        <pc:chgData name="Castegnaro, Andrea" userId="e719bb20-b48f-4237-97c2-e35c3e0dc9cd" providerId="ADAL" clId="{4BB90297-663E-4BA4-8520-0798A049819B}" dt="2024-01-19T10:56:26.138" v="3" actId="6549"/>
+        <pc:sldMkLst>
+          <pc:docMk/>
+          <pc:sldMk cId="1415608395" sldId="345"/>
+        </pc:sldMkLst>
+      </pc:sldChg>
+      <pc:sldChg chg="modNotesTx">
+        <pc:chgData name="Castegnaro, Andrea" userId="e719bb20-b48f-4237-97c2-e35c3e0dc9cd" providerId="ADAL" clId="{4BB90297-663E-4BA4-8520-0798A049819B}" dt="2024-01-19T10:56:29.656" v="4" actId="6549"/>
+        <pc:sldMkLst>
+          <pc:docMk/>
+          <pc:sldMk cId="930155706" sldId="346"/>
+        </pc:sldMkLst>
+      </pc:sldChg>
+      <pc:sldChg chg="modNotesTx">
+        <pc:chgData name="Castegnaro, Andrea" userId="e719bb20-b48f-4237-97c2-e35c3e0dc9cd" providerId="ADAL" clId="{4BB90297-663E-4BA4-8520-0798A049819B}" dt="2024-01-19T10:56:20.635" v="1" actId="6549"/>
+        <pc:sldMkLst>
+          <pc:docMk/>
+          <pc:sldMk cId="377400704" sldId="352"/>
+        </pc:sldMkLst>
+      </pc:sldChg>
+      <pc:sldChg chg="modSp mod modNotesTx">
+        <pc:chgData name="Castegnaro, Andrea" userId="e719bb20-b48f-4237-97c2-e35c3e0dc9cd" providerId="ADAL" clId="{4BB90297-663E-4BA4-8520-0798A049819B}" dt="2024-01-19T12:16:04.437" v="27" actId="20577"/>
+        <pc:sldMkLst>
+          <pc:docMk/>
+          <pc:sldMk cId="1945739754" sldId="353"/>
+        </pc:sldMkLst>
+      </pc:sldChg>
+    </pc:docChg>
+  </pc:docChgLst>
+  <pc:docChgLst>
+    <pc:chgData name="Castegnaro, Andrea" userId="e719bb20-b48f-4237-97c2-e35c3e0dc9cd" providerId="ADAL" clId="{EA726ED7-21E9-4571-946F-912AA8ECBF62}"/>
+    <pc:docChg chg="undo custSel delSld modSld">
+      <pc:chgData name="Castegnaro, Andrea" userId="e719bb20-b48f-4237-97c2-e35c3e0dc9cd" providerId="ADAL" clId="{EA726ED7-21E9-4571-946F-912AA8ECBF62}" dt="2025-01-08T17:50:43.334" v="4309" actId="20577"/>
+      <pc:docMkLst>
+        <pc:docMk/>
+      </pc:docMkLst>
+      <pc:sldChg chg="addSp delSp modSp mod">
+        <pc:chgData name="Castegnaro, Andrea" userId="e719bb20-b48f-4237-97c2-e35c3e0dc9cd" providerId="ADAL" clId="{EA726ED7-21E9-4571-946F-912AA8ECBF62}" dt="2025-01-07T18:23:07.459" v="1076" actId="114"/>
+        <pc:sldMkLst>
+          <pc:docMk/>
+          <pc:sldMk cId="3617399448" sldId="342"/>
+        </pc:sldMkLst>
+        <pc:spChg chg="mod">
+          <ac:chgData name="Castegnaro, Andrea" userId="e719bb20-b48f-4237-97c2-e35c3e0dc9cd" providerId="ADAL" clId="{EA726ED7-21E9-4571-946F-912AA8ECBF62}" dt="2025-01-07T17:50:43.150" v="26" actId="20577"/>
+          <ac:spMkLst>
+            <pc:docMk/>
+            <pc:sldMk cId="3617399448" sldId="342"/>
+            <ac:spMk id="2" creationId="{32DCA100-7D85-4A3C-9993-92EC37D3F8E2}"/>
+          </ac:spMkLst>
+        </pc:spChg>
+        <pc:spChg chg="add mod">
+          <ac:chgData name="Castegnaro, Andrea" userId="e719bb20-b48f-4237-97c2-e35c3e0dc9cd" providerId="ADAL" clId="{EA726ED7-21E9-4571-946F-912AA8ECBF62}" dt="2025-01-07T18:14:02.127" v="835" actId="1076"/>
+          <ac:spMkLst>
+            <pc:docMk/>
+            <pc:sldMk cId="3617399448" sldId="342"/>
+            <ac:spMk id="7" creationId="{449E736E-A1C6-14D9-ECC8-E578B4F64711}"/>
+          </ac:spMkLst>
+        </pc:spChg>
+        <pc:spChg chg="add mod">
+          <ac:chgData name="Castegnaro, Andrea" userId="e719bb20-b48f-4237-97c2-e35c3e0dc9cd" providerId="ADAL" clId="{EA726ED7-21E9-4571-946F-912AA8ECBF62}" dt="2025-01-07T18:23:07.459" v="1076" actId="114"/>
+          <ac:spMkLst>
+            <pc:docMk/>
+            <pc:sldMk cId="3617399448" sldId="342"/>
+            <ac:spMk id="8" creationId="{5B7F6B82-AFF9-4316-E404-1ED9301C86E2}"/>
+          </ac:spMkLst>
+        </pc:spChg>
+        <pc:spChg chg="mod">
+          <ac:chgData name="Castegnaro, Andrea" userId="e719bb20-b48f-4237-97c2-e35c3e0dc9cd" providerId="ADAL" clId="{EA726ED7-21E9-4571-946F-912AA8ECBF62}" dt="2025-01-07T17:55:09.441" v="508"/>
+          <ac:spMkLst>
+            <pc:docMk/>
+            <pc:sldMk cId="3617399448" sldId="342"/>
+            <ac:spMk id="15" creationId="{04758149-2206-417F-B0F1-728B50DEAB27}"/>
+          </ac:spMkLst>
+        </pc:spChg>
+        <pc:picChg chg="mod">
+          <ac:chgData name="Castegnaro, Andrea" userId="e719bb20-b48f-4237-97c2-e35c3e0dc9cd" providerId="ADAL" clId="{EA726ED7-21E9-4571-946F-912AA8ECBF62}" dt="2025-01-07T17:50:55.180" v="42" actId="1038"/>
+          <ac:picMkLst>
+            <pc:docMk/>
+            <pc:sldMk cId="3617399448" sldId="342"/>
+            <ac:picMk id="31" creationId="{EDA2B51B-FB7A-4D48-8083-C2D06111FD47}"/>
+          </ac:picMkLst>
+        </pc:picChg>
+      </pc:sldChg>
+      <pc:sldChg chg="addSp delSp modSp mod">
+        <pc:chgData name="Castegnaro, Andrea" userId="e719bb20-b48f-4237-97c2-e35c3e0dc9cd" providerId="ADAL" clId="{EA726ED7-21E9-4571-946F-912AA8ECBF62}" dt="2025-01-08T17:01:28.548" v="3573" actId="2710"/>
+        <pc:sldMkLst>
+          <pc:docMk/>
+          <pc:sldMk cId="2895304120" sldId="343"/>
+        </pc:sldMkLst>
+        <pc:spChg chg="add mod">
+          <ac:chgData name="Castegnaro, Andrea" userId="e719bb20-b48f-4237-97c2-e35c3e0dc9cd" providerId="ADAL" clId="{EA726ED7-21E9-4571-946F-912AA8ECBF62}" dt="2025-01-08T16:40:37.036" v="3409" actId="14100"/>
+          <ac:spMkLst>
+            <pc:docMk/>
+            <pc:sldMk cId="2895304120" sldId="343"/>
+            <ac:spMk id="22" creationId="{8F112269-64B7-5939-B717-7C768E08A72A}"/>
+          </ac:spMkLst>
+        </pc:spChg>
+        <pc:spChg chg="add mod">
+          <ac:chgData name="Castegnaro, Andrea" userId="e719bb20-b48f-4237-97c2-e35c3e0dc9cd" providerId="ADAL" clId="{EA726ED7-21E9-4571-946F-912AA8ECBF62}" dt="2025-01-08T16:40:32.595" v="3408" actId="1076"/>
+          <ac:spMkLst>
+            <pc:docMk/>
+            <pc:sldMk cId="2895304120" sldId="343"/>
+            <ac:spMk id="23" creationId="{1A1C57A1-CD9E-756A-E39B-8A33B990E231}"/>
+          </ac:spMkLst>
+        </pc:spChg>
+        <pc:spChg chg="add mod">
+          <ac:chgData name="Castegnaro, Andrea" userId="e719bb20-b48f-4237-97c2-e35c3e0dc9cd" providerId="ADAL" clId="{EA726ED7-21E9-4571-946F-912AA8ECBF62}" dt="2025-01-08T16:41:06.595" v="3542" actId="20577"/>
+          <ac:spMkLst>
+            <pc:docMk/>
+            <pc:sldMk cId="2895304120" sldId="343"/>
+            <ac:spMk id="24" creationId="{DEBC09EB-23FF-26FB-8248-D6AB7F2CF116}"/>
+          </ac:spMkLst>
+        </pc:spChg>
+        <pc:spChg chg="add mod">
+          <ac:chgData name="Castegnaro, Andrea" userId="e719bb20-b48f-4237-97c2-e35c3e0dc9cd" providerId="ADAL" clId="{EA726ED7-21E9-4571-946F-912AA8ECBF62}" dt="2025-01-08T16:58:00.292" v="3564" actId="14100"/>
+          <ac:spMkLst>
+            <pc:docMk/>
+            <pc:sldMk cId="2895304120" sldId="343"/>
+            <ac:spMk id="25" creationId="{DD54D43F-27FF-5F59-23FF-820F94BFBEAE}"/>
+          </ac:spMkLst>
+        </pc:spChg>
+        <pc:spChg chg="add mod">
+          <ac:chgData name="Castegnaro, Andrea" userId="e719bb20-b48f-4237-97c2-e35c3e0dc9cd" providerId="ADAL" clId="{EA726ED7-21E9-4571-946F-912AA8ECBF62}" dt="2025-01-08T17:01:28.548" v="3573" actId="2710"/>
+          <ac:spMkLst>
+            <pc:docMk/>
+            <pc:sldMk cId="2895304120" sldId="343"/>
+            <ac:spMk id="26" creationId="{D767065F-045E-7683-C956-1A4D80EE96F8}"/>
+          </ac:spMkLst>
+        </pc:spChg>
+      </pc:sldChg>
+      <pc:sldChg chg="del">
+        <pc:chgData name="Castegnaro, Andrea" userId="e719bb20-b48f-4237-97c2-e35c3e0dc9cd" providerId="ADAL" clId="{EA726ED7-21E9-4571-946F-912AA8ECBF62}" dt="2025-01-08T17:01:35.903" v="3574" actId="47"/>
+        <pc:sldMkLst>
+          <pc:docMk/>
+          <pc:sldMk cId="2660001074" sldId="344"/>
+        </pc:sldMkLst>
+      </pc:sldChg>
+      <pc:sldChg chg="addSp delSp modSp mod">
+        <pc:chgData name="Castegnaro, Andrea" userId="e719bb20-b48f-4237-97c2-e35c3e0dc9cd" providerId="ADAL" clId="{EA726ED7-21E9-4571-946F-912AA8ECBF62}" dt="2025-01-08T16:13:46.234" v="3021" actId="20577"/>
+        <pc:sldMkLst>
+          <pc:docMk/>
+          <pc:sldMk cId="1415608395" sldId="345"/>
+        </pc:sldMkLst>
+        <pc:spChg chg="mod">
+          <ac:chgData name="Castegnaro, Andrea" userId="e719bb20-b48f-4237-97c2-e35c3e0dc9cd" providerId="ADAL" clId="{EA726ED7-21E9-4571-946F-912AA8ECBF62}" dt="2025-01-08T15:27:20.773" v="2687" actId="20577"/>
+          <ac:spMkLst>
+            <pc:docMk/>
+            <pc:sldMk cId="1415608395" sldId="345"/>
+            <ac:spMk id="2" creationId="{32DCA100-7D85-4A3C-9993-92EC37D3F8E2}"/>
+          </ac:spMkLst>
+        </pc:spChg>
+        <pc:spChg chg="mod">
+          <ac:chgData name="Castegnaro, Andrea" userId="e719bb20-b48f-4237-97c2-e35c3e0dc9cd" providerId="ADAL" clId="{EA726ED7-21E9-4571-946F-912AA8ECBF62}" dt="2025-01-08T16:12:16.292" v="3018" actId="27636"/>
+          <ac:spMkLst>
+            <pc:docMk/>
+            <pc:sldMk cId="1415608395" sldId="345"/>
+            <ac:spMk id="4" creationId="{779A645D-0D52-480F-8B3C-90C322F44898}"/>
+          </ac:spMkLst>
+        </pc:spChg>
+        <pc:spChg chg="add mod">
+          <ac:chgData name="Castegnaro, Andrea" userId="e719bb20-b48f-4237-97c2-e35c3e0dc9cd" providerId="ADAL" clId="{EA726ED7-21E9-4571-946F-912AA8ECBF62}" dt="2025-01-08T16:12:28.812" v="3019" actId="465"/>
+          <ac:spMkLst>
+            <pc:docMk/>
+            <pc:sldMk cId="1415608395" sldId="345"/>
+            <ac:spMk id="17" creationId="{D5400ADE-44D1-A165-7A47-03C53549FA1A}"/>
+          </ac:spMkLst>
+        </pc:spChg>
+        <pc:spChg chg="add mod">
+          <ac:chgData name="Castegnaro, Andrea" userId="e719bb20-b48f-4237-97c2-e35c3e0dc9cd" providerId="ADAL" clId="{EA726ED7-21E9-4571-946F-912AA8ECBF62}" dt="2025-01-08T16:12:28.812" v="3019" actId="465"/>
+          <ac:spMkLst>
+            <pc:docMk/>
+            <pc:sldMk cId="1415608395" sldId="345"/>
+            <ac:spMk id="18" creationId="{8A4D7FC4-9E39-BCEB-5F56-35714D1F3172}"/>
+          </ac:spMkLst>
+        </pc:spChg>
+        <pc:spChg chg="add mod">
+          <ac:chgData name="Castegnaro, Andrea" userId="e719bb20-b48f-4237-97c2-e35c3e0dc9cd" providerId="ADAL" clId="{EA726ED7-21E9-4571-946F-912AA8ECBF62}" dt="2025-01-08T16:12:28.812" v="3019" actId="465"/>
+          <ac:spMkLst>
+            <pc:docMk/>
+            <pc:sldMk cId="1415608395" sldId="345"/>
+            <ac:spMk id="19" creationId="{9AC4BEFC-6B17-2787-82D0-D683CC10E71C}"/>
+          </ac:spMkLst>
+        </pc:spChg>
+        <pc:spChg chg="add mod">
+          <ac:chgData name="Castegnaro, Andrea" userId="e719bb20-b48f-4237-97c2-e35c3e0dc9cd" providerId="ADAL" clId="{EA726ED7-21E9-4571-946F-912AA8ECBF62}" dt="2025-01-08T16:12:28.812" v="3019" actId="465"/>
+          <ac:spMkLst>
+            <pc:docMk/>
+            <pc:sldMk cId="1415608395" sldId="345"/>
+            <ac:spMk id="20" creationId="{89355DF8-636A-29A4-26CC-D80D2BB602B4}"/>
+          </ac:spMkLst>
+        </pc:spChg>
+        <pc:spChg chg="add mod">
+          <ac:chgData name="Castegnaro, Andrea" userId="e719bb20-b48f-4237-97c2-e35c3e0dc9cd" providerId="ADAL" clId="{EA726ED7-21E9-4571-946F-912AA8ECBF62}" dt="2025-01-08T16:12:28.812" v="3019" actId="465"/>
+          <ac:spMkLst>
+            <pc:docMk/>
+            <pc:sldMk cId="1415608395" sldId="345"/>
+            <ac:spMk id="21" creationId="{76FF48DD-D981-FB1F-2976-0B5E77A475E7}"/>
+          </ac:spMkLst>
+        </pc:spChg>
+        <pc:spChg chg="add mod">
+          <ac:chgData name="Castegnaro, Andrea" userId="e719bb20-b48f-4237-97c2-e35c3e0dc9cd" providerId="ADAL" clId="{EA726ED7-21E9-4571-946F-912AA8ECBF62}" dt="2025-01-08T16:12:28.812" v="3019" actId="465"/>
+          <ac:spMkLst>
+            <pc:docMk/>
+            <pc:sldMk cId="1415608395" sldId="345"/>
+            <ac:spMk id="32" creationId="{3158614D-DDB3-BD63-6B92-7B9BAAD937AF}"/>
+          </ac:spMkLst>
+        </pc:spChg>
+        <pc:spChg chg="add mod">
+          <ac:chgData name="Castegnaro, Andrea" userId="e719bb20-b48f-4237-97c2-e35c3e0dc9cd" providerId="ADAL" clId="{EA726ED7-21E9-4571-946F-912AA8ECBF62}" dt="2025-01-08T16:13:46.234" v="3021" actId="20577"/>
+          <ac:spMkLst>
+            <pc:docMk/>
+            <pc:sldMk cId="1415608395" sldId="345"/>
+            <ac:spMk id="37" creationId="{B19F18A0-95E4-2F3E-E8A9-9A187212184C}"/>
+          </ac:spMkLst>
+        </pc:spChg>
+        <pc:picChg chg="mod">
+          <ac:chgData name="Castegnaro, Andrea" userId="e719bb20-b48f-4237-97c2-e35c3e0dc9cd" providerId="ADAL" clId="{EA726ED7-21E9-4571-946F-912AA8ECBF62}" dt="2025-01-08T15:27:25.207" v="2710" actId="1037"/>
+          <ac:picMkLst>
+            <pc:docMk/>
+            <pc:sldMk cId="1415608395" sldId="345"/>
+            <ac:picMk id="27" creationId="{4282516D-F60F-4A8B-A0AE-A2414C54C181}"/>
+          </ac:picMkLst>
+        </pc:picChg>
+      </pc:sldChg>
+      <pc:sldChg chg="del">
+        <pc:chgData name="Castegnaro, Andrea" userId="e719bb20-b48f-4237-97c2-e35c3e0dc9cd" providerId="ADAL" clId="{EA726ED7-21E9-4571-946F-912AA8ECBF62}" dt="2025-01-08T16:13:39.455" v="3020" actId="47"/>
+        <pc:sldMkLst>
+          <pc:docMk/>
+          <pc:sldMk cId="930155706" sldId="346"/>
+        </pc:sldMkLst>
+      </pc:sldChg>
+      <pc:sldChg chg="modSp mod">
+        <pc:chgData name="Castegnaro, Andrea" userId="e719bb20-b48f-4237-97c2-e35c3e0dc9cd" providerId="ADAL" clId="{EA726ED7-21E9-4571-946F-912AA8ECBF62}" dt="2025-01-08T17:32:35.950" v="3755" actId="20577"/>
+        <pc:sldMkLst>
+          <pc:docMk/>
+          <pc:sldMk cId="1455733789" sldId="350"/>
+        </pc:sldMkLst>
+        <pc:spChg chg="mod">
+          <ac:chgData name="Castegnaro, Andrea" userId="e719bb20-b48f-4237-97c2-e35c3e0dc9cd" providerId="ADAL" clId="{EA726ED7-21E9-4571-946F-912AA8ECBF62}" dt="2025-01-08T17:32:35.950" v="3755" actId="20577"/>
+          <ac:spMkLst>
+            <pc:docMk/>
+            <pc:sldMk cId="1455733789" sldId="350"/>
+            <ac:spMk id="23" creationId="{1CBC336D-3C28-422F-A810-D586D1EB8ACC}"/>
+          </ac:spMkLst>
+        </pc:spChg>
+      </pc:sldChg>
+      <pc:sldChg chg="addSp delSp modSp mod">
+        <pc:chgData name="Castegnaro, Andrea" userId="e719bb20-b48f-4237-97c2-e35c3e0dc9cd" providerId="ADAL" clId="{EA726ED7-21E9-4571-946F-912AA8ECBF62}" dt="2025-01-08T14:59:34.126" v="2530" actId="1076"/>
+        <pc:sldMkLst>
+          <pc:docMk/>
+          <pc:sldMk cId="377400704" sldId="352"/>
+        </pc:sldMkLst>
+        <pc:spChg chg="mod">
+          <ac:chgData name="Castegnaro, Andrea" userId="e719bb20-b48f-4237-97c2-e35c3e0dc9cd" providerId="ADAL" clId="{EA726ED7-21E9-4571-946F-912AA8ECBF62}" dt="2025-01-07T18:10:09.497" v="563" actId="20577"/>
+          <ac:spMkLst>
+            <pc:docMk/>
+            <pc:sldMk cId="377400704" sldId="352"/>
+            <ac:spMk id="2" creationId="{32DCA100-7D85-4A3C-9993-92EC37D3F8E2}"/>
+          </ac:spMkLst>
+        </pc:spChg>
+        <pc:spChg chg="add mod">
+          <ac:chgData name="Castegnaro, Andrea" userId="e719bb20-b48f-4237-97c2-e35c3e0dc9cd" providerId="ADAL" clId="{EA726ED7-21E9-4571-946F-912AA8ECBF62}" dt="2025-01-08T14:59:34.126" v="2530" actId="1076"/>
+          <ac:spMkLst>
+            <pc:docMk/>
+            <pc:sldMk cId="377400704" sldId="352"/>
+            <ac:spMk id="7" creationId="{42E2F518-6C96-F2D3-278F-5D12022B56E8}"/>
+          </ac:spMkLst>
+        </pc:spChg>
+        <pc:spChg chg="add mod">
+          <ac:chgData name="Castegnaro, Andrea" userId="e719bb20-b48f-4237-97c2-e35c3e0dc9cd" providerId="ADAL" clId="{EA726ED7-21E9-4571-946F-912AA8ECBF62}" dt="2025-01-08T08:46:10.047" v="1813" actId="20577"/>
+          <ac:spMkLst>
+            <pc:docMk/>
+            <pc:sldMk cId="377400704" sldId="352"/>
+            <ac:spMk id="11" creationId="{AEF708B2-11B2-217B-484B-D40689DABE46}"/>
+          </ac:spMkLst>
+        </pc:spChg>
+        <pc:picChg chg="mod">
+          <ac:chgData name="Castegnaro, Andrea" userId="e719bb20-b48f-4237-97c2-e35c3e0dc9cd" providerId="ADAL" clId="{EA726ED7-21E9-4571-946F-912AA8ECBF62}" dt="2025-01-07T18:10:14.926" v="564" actId="1076"/>
+          <ac:picMkLst>
+            <pc:docMk/>
+            <pc:sldMk cId="377400704" sldId="352"/>
+            <ac:picMk id="22" creationId="{176A24DE-C79E-4977-9605-C81932F7EF78}"/>
+          </ac:picMkLst>
+        </pc:picChg>
+      </pc:sldChg>
+      <pc:sldChg chg="addSp delSp modSp mod">
+        <pc:chgData name="Castegnaro, Andrea" userId="e719bb20-b48f-4237-97c2-e35c3e0dc9cd" providerId="ADAL" clId="{EA726ED7-21E9-4571-946F-912AA8ECBF62}" dt="2025-01-08T11:13:11.719" v="2529" actId="1076"/>
+        <pc:sldMkLst>
+          <pc:docMk/>
+          <pc:sldMk cId="1945739754" sldId="353"/>
+        </pc:sldMkLst>
+        <pc:spChg chg="add mod">
+          <ac:chgData name="Castegnaro, Andrea" userId="e719bb20-b48f-4237-97c2-e35c3e0dc9cd" providerId="ADAL" clId="{EA726ED7-21E9-4571-946F-912AA8ECBF62}" dt="2025-01-08T11:13:11.719" v="2529" actId="1076"/>
+          <ac:spMkLst>
+            <pc:docMk/>
+            <pc:sldMk cId="1945739754" sldId="353"/>
+            <ac:spMk id="4" creationId="{2DF54CD4-DD7B-3025-A902-D87E7E644173}"/>
+          </ac:spMkLst>
+        </pc:spChg>
+        <pc:spChg chg="mod">
+          <ac:chgData name="Castegnaro, Andrea" userId="e719bb20-b48f-4237-97c2-e35c3e0dc9cd" providerId="ADAL" clId="{EA726ED7-21E9-4571-946F-912AA8ECBF62}" dt="2025-01-08T11:11:28.295" v="2495" actId="20577"/>
+          <ac:spMkLst>
+            <pc:docMk/>
+            <pc:sldMk cId="1945739754" sldId="353"/>
+            <ac:spMk id="15" creationId="{04758149-2206-417F-B0F1-728B50DEAB27}"/>
+          </ac:spMkLst>
+        </pc:spChg>
+      </pc:sldChg>
+      <pc:sldChg chg="modSp mod">
+        <pc:chgData name="Castegnaro, Andrea" userId="e719bb20-b48f-4237-97c2-e35c3e0dc9cd" providerId="ADAL" clId="{EA726ED7-21E9-4571-946F-912AA8ECBF62}" dt="2025-01-08T17:38:45.582" v="4013" actId="207"/>
+        <pc:sldMkLst>
+          <pc:docMk/>
+          <pc:sldMk cId="3405773115" sldId="354"/>
+        </pc:sldMkLst>
+        <pc:spChg chg="mod">
+          <ac:chgData name="Castegnaro, Andrea" userId="e719bb20-b48f-4237-97c2-e35c3e0dc9cd" providerId="ADAL" clId="{EA726ED7-21E9-4571-946F-912AA8ECBF62}" dt="2025-01-08T17:38:45.582" v="4013" actId="207"/>
+          <ac:spMkLst>
+            <pc:docMk/>
+            <pc:sldMk cId="3405773115" sldId="354"/>
+            <ac:spMk id="14" creationId="{87F5AB40-035D-483B-BDD4-85D7600BF6C7}"/>
+          </ac:spMkLst>
+        </pc:spChg>
+      </pc:sldChg>
+      <pc:sldChg chg="modSp mod">
+        <pc:chgData name="Castegnaro, Andrea" userId="e719bb20-b48f-4237-97c2-e35c3e0dc9cd" providerId="ADAL" clId="{EA726ED7-21E9-4571-946F-912AA8ECBF62}" dt="2025-01-08T17:39:33.243" v="4037"/>
+        <pc:sldMkLst>
+          <pc:docMk/>
+          <pc:sldMk cId="895912254" sldId="355"/>
+        </pc:sldMkLst>
+        <pc:spChg chg="mod">
+          <ac:chgData name="Castegnaro, Andrea" userId="e719bb20-b48f-4237-97c2-e35c3e0dc9cd" providerId="ADAL" clId="{EA726ED7-21E9-4571-946F-912AA8ECBF62}" dt="2025-01-08T17:39:33.243" v="4037"/>
+          <ac:spMkLst>
+            <pc:docMk/>
+            <pc:sldMk cId="895912254" sldId="355"/>
+            <ac:spMk id="21" creationId="{F66C6189-452B-47D4-9DE5-A9B8AAAFA65B}"/>
+          </ac:spMkLst>
+        </pc:spChg>
+      </pc:sldChg>
+      <pc:sldChg chg="modSp mod">
+        <pc:chgData name="Castegnaro, Andrea" userId="e719bb20-b48f-4237-97c2-e35c3e0dc9cd" providerId="ADAL" clId="{EA726ED7-21E9-4571-946F-912AA8ECBF62}" dt="2025-01-08T17:43:59.956" v="4128" actId="20577"/>
+        <pc:sldMkLst>
+          <pc:docMk/>
+          <pc:sldMk cId="2300573594" sldId="356"/>
+        </pc:sldMkLst>
+        <pc:spChg chg="mod">
+          <ac:chgData name="Castegnaro, Andrea" userId="e719bb20-b48f-4237-97c2-e35c3e0dc9cd" providerId="ADAL" clId="{EA726ED7-21E9-4571-946F-912AA8ECBF62}" dt="2025-01-08T17:43:59.956" v="4128" actId="20577"/>
+          <ac:spMkLst>
+            <pc:docMk/>
+            <pc:sldMk cId="2300573594" sldId="356"/>
+            <ac:spMk id="2" creationId="{32DCA100-7D85-4A3C-9993-92EC37D3F8E2}"/>
+          </ac:spMkLst>
+        </pc:spChg>
+        <pc:spChg chg="mod">
+          <ac:chgData name="Castegnaro, Andrea" userId="e719bb20-b48f-4237-97c2-e35c3e0dc9cd" providerId="ADAL" clId="{EA726ED7-21E9-4571-946F-912AA8ECBF62}" dt="2025-01-08T17:40:30.902" v="4124" actId="20577"/>
+          <ac:spMkLst>
+            <pc:docMk/>
+            <pc:sldMk cId="2300573594" sldId="356"/>
+            <ac:spMk id="14" creationId="{87F5AB40-035D-483B-BDD4-85D7600BF6C7}"/>
+          </ac:spMkLst>
+        </pc:spChg>
+      </pc:sldChg>
+      <pc:sldChg chg="modSp mod">
+        <pc:chgData name="Castegnaro, Andrea" userId="e719bb20-b48f-4237-97c2-e35c3e0dc9cd" providerId="ADAL" clId="{EA726ED7-21E9-4571-946F-912AA8ECBF62}" dt="2025-01-08T17:43:54.872" v="4127" actId="20577"/>
+        <pc:sldMkLst>
+          <pc:docMk/>
+          <pc:sldMk cId="3447784915" sldId="357"/>
+        </pc:sldMkLst>
+        <pc:spChg chg="mod">
+          <ac:chgData name="Castegnaro, Andrea" userId="e719bb20-b48f-4237-97c2-e35c3e0dc9cd" providerId="ADAL" clId="{EA726ED7-21E9-4571-946F-912AA8ECBF62}" dt="2025-01-08T17:43:54.872" v="4127" actId="20577"/>
+          <ac:spMkLst>
+            <pc:docMk/>
+            <pc:sldMk cId="3447784915" sldId="357"/>
+            <ac:spMk id="2" creationId="{32DCA100-7D85-4A3C-9993-92EC37D3F8E2}"/>
+          </ac:spMkLst>
+        </pc:spChg>
+        <pc:spChg chg="mod">
+          <ac:chgData name="Castegnaro, Andrea" userId="e719bb20-b48f-4237-97c2-e35c3e0dc9cd" providerId="ADAL" clId="{EA726ED7-21E9-4571-946F-912AA8ECBF62}" dt="2025-01-08T17:40:48.442" v="4125" actId="6549"/>
+          <ac:spMkLst>
+            <pc:docMk/>
+            <pc:sldMk cId="3447784915" sldId="357"/>
+            <ac:spMk id="14" creationId="{87F5AB40-035D-483B-BDD4-85D7600BF6C7}"/>
+          </ac:spMkLst>
+        </pc:spChg>
+      </pc:sldChg>
+      <pc:sldChg chg="modSp mod">
+        <pc:chgData name="Castegnaro, Andrea" userId="e719bb20-b48f-4237-97c2-e35c3e0dc9cd" providerId="ADAL" clId="{EA726ED7-21E9-4571-946F-912AA8ECBF62}" dt="2025-01-08T17:47:24.283" v="4173"/>
+        <pc:sldMkLst>
+          <pc:docMk/>
+          <pc:sldMk cId="2445088666" sldId="358"/>
+        </pc:sldMkLst>
+        <pc:spChg chg="mod">
+          <ac:chgData name="Castegnaro, Andrea" userId="e719bb20-b48f-4237-97c2-e35c3e0dc9cd" providerId="ADAL" clId="{EA726ED7-21E9-4571-946F-912AA8ECBF62}" dt="2025-01-08T17:47:24.283" v="4173"/>
+          <ac:spMkLst>
+            <pc:docMk/>
+            <pc:sldMk cId="2445088666" sldId="358"/>
+            <ac:spMk id="14" creationId="{B5A5C79F-5A72-4A7E-B1C7-5B18A5F68B8D}"/>
+          </ac:spMkLst>
+        </pc:spChg>
+      </pc:sldChg>
+      <pc:sldChg chg="modSp mod">
+        <pc:chgData name="Castegnaro, Andrea" userId="e719bb20-b48f-4237-97c2-e35c3e0dc9cd" providerId="ADAL" clId="{EA726ED7-21E9-4571-946F-912AA8ECBF62}" dt="2025-01-08T17:50:43.334" v="4309" actId="20577"/>
+        <pc:sldMkLst>
+          <pc:docMk/>
+          <pc:sldMk cId="721496837" sldId="359"/>
+        </pc:sldMkLst>
+        <pc:spChg chg="mod">
+          <ac:chgData name="Castegnaro, Andrea" userId="e719bb20-b48f-4237-97c2-e35c3e0dc9cd" providerId="ADAL" clId="{EA726ED7-21E9-4571-946F-912AA8ECBF62}" dt="2025-01-08T17:50:43.334" v="4309" actId="20577"/>
+          <ac:spMkLst>
+            <pc:docMk/>
+            <pc:sldMk cId="721496837" sldId="359"/>
+            <ac:spMk id="3" creationId="{780435C9-5DBC-4F47-AF8A-976FB0A75DE2}"/>
+          </ac:spMkLst>
+        </pc:spChg>
+      </pc:sldChg>
+    </pc:docChg>
+  </pc:docChgLst>
+  <pc:docChgLst>
+    <pc:chgData name="Castegnaro, Andrea" userId="e719bb20-b48f-4237-97c2-e35c3e0dc9cd" providerId="ADAL" clId="{6B0B3B43-C1DE-4F71-93A9-FB02E1545C0E}"/>
+    <pc:docChg chg="custSel addSld delSld modSld delMainMaster delSection modSection">
+      <pc:chgData name="Castegnaro, Andrea" userId="e719bb20-b48f-4237-97c2-e35c3e0dc9cd" providerId="ADAL" clId="{6B0B3B43-C1DE-4F71-93A9-FB02E1545C0E}" dt="2022-01-17T15:04:59.362" v="281" actId="700"/>
+      <pc:docMkLst>
+        <pc:docMk/>
+      </pc:docMkLst>
+      <pc:sldChg chg="new del">
+        <pc:chgData name="Castegnaro, Andrea" userId="e719bb20-b48f-4237-97c2-e35c3e0dc9cd" providerId="ADAL" clId="{6B0B3B43-C1DE-4F71-93A9-FB02E1545C0E}" dt="2022-01-13T16:14:43.903" v="1" actId="47"/>
+        <pc:sldMkLst>
+          <pc:docMk/>
+          <pc:sldMk cId="1085287797" sldId="256"/>
+        </pc:sldMkLst>
+      </pc:sldChg>
+      <pc:sldChg chg="modSp mod modTransition">
+        <pc:chgData name="Castegnaro, Andrea" userId="e719bb20-b48f-4237-97c2-e35c3e0dc9cd" providerId="ADAL" clId="{6B0B3B43-C1DE-4F71-93A9-FB02E1545C0E}" dt="2022-01-17T14:56:18.083" v="276" actId="20577"/>
+        <pc:sldMkLst>
+          <pc:docMk/>
+          <pc:sldMk cId="2445713399" sldId="312"/>
+        </pc:sldMkLst>
+      </pc:sldChg>
+      <pc:sldChg chg="modTransition">
+        <pc:chgData name="Castegnaro, Andrea" userId="e719bb20-b48f-4237-97c2-e35c3e0dc9cd" providerId="ADAL" clId="{6B0B3B43-C1DE-4F71-93A9-FB02E1545C0E}" dt="2022-01-13T16:16:32.731" v="64"/>
+        <pc:sldMkLst>
+          <pc:docMk/>
+          <pc:sldMk cId="2471698210" sldId="313"/>
+        </pc:sldMkLst>
+      </pc:sldChg>
+      <pc:sldChg chg="modTransition">
+        <pc:chgData name="Castegnaro, Andrea" userId="e719bb20-b48f-4237-97c2-e35c3e0dc9cd" providerId="ADAL" clId="{6B0B3B43-C1DE-4F71-93A9-FB02E1545C0E}" dt="2022-01-13T16:16:32.731" v="64"/>
+        <pc:sldMkLst>
+          <pc:docMk/>
+          <pc:sldMk cId="839390016" sldId="314"/>
+        </pc:sldMkLst>
+      </pc:sldChg>
+      <pc:sldChg chg="modTransition">
+        <pc:chgData name="Castegnaro, Andrea" userId="e719bb20-b48f-4237-97c2-e35c3e0dc9cd" providerId="ADAL" clId="{6B0B3B43-C1DE-4F71-93A9-FB02E1545C0E}" dt="2022-01-13T16:16:32.731" v="64"/>
+        <pc:sldMkLst>
+          <pc:docMk/>
+          <pc:sldMk cId="2442215223" sldId="315"/>
+        </pc:sldMkLst>
+      </pc:sldChg>
+      <pc:sldChg chg="modTransition">
+        <pc:chgData name="Castegnaro, Andrea" userId="e719bb20-b48f-4237-97c2-e35c3e0dc9cd" providerId="ADAL" clId="{6B0B3B43-C1DE-4F71-93A9-FB02E1545C0E}" dt="2022-01-13T16:16:32.731" v="64"/>
+        <pc:sldMkLst>
+          <pc:docMk/>
+          <pc:sldMk cId="2590270098" sldId="316"/>
+        </pc:sldMkLst>
+      </pc:sldChg>
+      <pc:sldChg chg="modTransition">
+        <pc:chgData name="Castegnaro, Andrea" userId="e719bb20-b48f-4237-97c2-e35c3e0dc9cd" providerId="ADAL" clId="{6B0B3B43-C1DE-4F71-93A9-FB02E1545C0E}" dt="2022-01-13T16:16:32.731" v="64"/>
+        <pc:sldMkLst>
+          <pc:docMk/>
+          <pc:sldMk cId="3996795517" sldId="317"/>
+        </pc:sldMkLst>
+      </pc:sldChg>
+      <pc:sldChg chg="modTransition">
+        <pc:chgData name="Castegnaro, Andrea" userId="e719bb20-b48f-4237-97c2-e35c3e0dc9cd" providerId="ADAL" clId="{6B0B3B43-C1DE-4F71-93A9-FB02E1545C0E}" dt="2022-01-13T16:16:32.731" v="64"/>
+        <pc:sldMkLst>
+          <pc:docMk/>
+          <pc:sldMk cId="2282461073" sldId="319"/>
+        </pc:sldMkLst>
+      </pc:sldChg>
+      <pc:sldChg chg="addSp delSp modSp add mod chgLayout">
+        <pc:chgData name="Castegnaro, Andrea" userId="e719bb20-b48f-4237-97c2-e35c3e0dc9cd" providerId="ADAL" clId="{6B0B3B43-C1DE-4F71-93A9-FB02E1545C0E}" dt="2022-01-17T15:04:59.362" v="281" actId="700"/>
+        <pc:sldMkLst>
+          <pc:docMk/>
+          <pc:sldMk cId="3098246948" sldId="320"/>
+        </pc:sldMkLst>
+      </pc:sldChg>
+      <pc:sldMasterChg chg="del addSldLayout delSldLayout">
+        <pc:chgData name="Castegnaro, Andrea" userId="e719bb20-b48f-4237-97c2-e35c3e0dc9cd" providerId="ADAL" clId="{6B0B3B43-C1DE-4F71-93A9-FB02E1545C0E}" dt="2022-01-13T16:14:43.903" v="1" actId="47"/>
+        <pc:sldMasterMkLst>
+          <pc:docMk/>
+          <pc:sldMasterMk cId="648575456" sldId="2147483648"/>
+        </pc:sldMasterMkLst>
+        <pc:sldLayoutChg chg="add del">
+          <pc:chgData name="Castegnaro, Andrea" userId="e719bb20-b48f-4237-97c2-e35c3e0dc9cd" providerId="ADAL" clId="{6B0B3B43-C1DE-4F71-93A9-FB02E1545C0E}" dt="2022-01-13T16:14:43.903" v="1" actId="47"/>
+          <pc:sldLayoutMkLst>
+            <pc:docMk/>
+            <pc:sldMasterMk cId="648575456" sldId="2147483648"/>
+            <pc:sldLayoutMk cId="1339338325" sldId="2147483649"/>
+          </pc:sldLayoutMkLst>
+        </pc:sldLayoutChg>
+      </pc:sldMasterChg>
+    </pc:docChg>
+  </pc:docChgLst>
+  <pc:docChgLst>
+    <pc:chgData name="Castegnaro, Andrea" userId="e719bb20-b48f-4237-97c2-e35c3e0dc9cd" providerId="ADAL" clId="{D0DDA42C-5D7A-4C2D-9DAF-C527848DC506}"/>
+    <pc:docChg chg="undo custSel modSld">
+      <pc:chgData name="Castegnaro, Andrea" userId="e719bb20-b48f-4237-97c2-e35c3e0dc9cd" providerId="ADAL" clId="{D0DDA42C-5D7A-4C2D-9DAF-C527848DC506}" dt="2024-01-19T10:49:54.422" v="210"/>
+      <pc:docMkLst>
+        <pc:docMk/>
+      </pc:docMkLst>
+      <pc:sldChg chg="modSp mod">
+        <pc:chgData name="Castegnaro, Andrea" userId="e719bb20-b48f-4237-97c2-e35c3e0dc9cd" providerId="ADAL" clId="{D0DDA42C-5D7A-4C2D-9DAF-C527848DC506}" dt="2024-01-19T09:25:33.200" v="0"/>
+        <pc:sldMkLst>
+          <pc:docMk/>
+          <pc:sldMk cId="2445713399" sldId="312"/>
+        </pc:sldMkLst>
+      </pc:sldChg>
+      <pc:sldChg chg="modNotesTx">
+        <pc:chgData name="Castegnaro, Andrea" userId="e719bb20-b48f-4237-97c2-e35c3e0dc9cd" providerId="ADAL" clId="{D0DDA42C-5D7A-4C2D-9DAF-C527848DC506}" dt="2024-01-19T09:36:44.309" v="30" actId="20577"/>
+        <pc:sldMkLst>
+          <pc:docMk/>
+          <pc:sldMk cId="3617399448" sldId="342"/>
+        </pc:sldMkLst>
+      </pc:sldChg>
+      <pc:sldChg chg="modNotesTx">
+        <pc:chgData name="Castegnaro, Andrea" userId="e719bb20-b48f-4237-97c2-e35c3e0dc9cd" providerId="ADAL" clId="{D0DDA42C-5D7A-4C2D-9DAF-C527848DC506}" dt="2024-01-19T10:49:54.422" v="210"/>
+        <pc:sldMkLst>
+          <pc:docMk/>
+          <pc:sldMk cId="2895304120" sldId="343"/>
+        </pc:sldMkLst>
+      </pc:sldChg>
+      <pc:sldChg chg="modNotesTx">
+        <pc:chgData name="Castegnaro, Andrea" userId="e719bb20-b48f-4237-97c2-e35c3e0dc9cd" providerId="ADAL" clId="{D0DDA42C-5D7A-4C2D-9DAF-C527848DC506}" dt="2024-01-19T10:43:51.391" v="189" actId="20577"/>
+        <pc:sldMkLst>
+          <pc:docMk/>
+          <pc:sldMk cId="1415608395" sldId="345"/>
+        </pc:sldMkLst>
+      </pc:sldChg>
+      <pc:sldChg chg="modNotesTx">
+        <pc:chgData name="Castegnaro, Andrea" userId="e719bb20-b48f-4237-97c2-e35c3e0dc9cd" providerId="ADAL" clId="{D0DDA42C-5D7A-4C2D-9DAF-C527848DC506}" dt="2024-01-19T10:46:43.630" v="198" actId="20577"/>
+        <pc:sldMkLst>
+          <pc:docMk/>
+          <pc:sldMk cId="930155706" sldId="346"/>
+        </pc:sldMkLst>
+      </pc:sldChg>
+      <pc:sldChg chg="modNotesTx">
+        <pc:chgData name="Castegnaro, Andrea" userId="e719bb20-b48f-4237-97c2-e35c3e0dc9cd" providerId="ADAL" clId="{D0DDA42C-5D7A-4C2D-9DAF-C527848DC506}" dt="2024-01-19T09:45:22.193" v="52"/>
+        <pc:sldMkLst>
+          <pc:docMk/>
+          <pc:sldMk cId="377400704" sldId="352"/>
+        </pc:sldMkLst>
+      </pc:sldChg>
+      <pc:sldChg chg="modSp mod modNotesTx">
+        <pc:chgData name="Castegnaro, Andrea" userId="e719bb20-b48f-4237-97c2-e35c3e0dc9cd" providerId="ADAL" clId="{D0DDA42C-5D7A-4C2D-9DAF-C527848DC506}" dt="2024-01-19T10:41:05.190" v="184"/>
+        <pc:sldMkLst>
+          <pc:docMk/>
+          <pc:sldMk cId="1945739754" sldId="353"/>
+        </pc:sldMkLst>
+      </pc:sldChg>
+      <pc:sldChg chg="modSp mod">
+        <pc:chgData name="Castegnaro, Andrea" userId="e719bb20-b48f-4237-97c2-e35c3e0dc9cd" providerId="ADAL" clId="{D0DDA42C-5D7A-4C2D-9DAF-C527848DC506}" dt="2024-01-19T09:28:49.418" v="3"/>
+        <pc:sldMkLst>
+          <pc:docMk/>
+          <pc:sldMk cId="4066632436" sldId="360"/>
+        </pc:sldMkLst>
+      </pc:sldChg>
+    </pc:docChg>
+  </pc:docChgLst>
   <pc:docChgLst>
     <pc:chgData name="Castegnaro, Andrea" userId="e719bb20-b48f-4237-97c2-e35c3e0dc9cd" providerId="ADAL" clId="{3BF89D6C-3FC0-4DA5-A9E7-D6052BDBCFB4}"/>
     <pc:docChg chg="undo redo custSel addSld delSld modSld sldOrd">
@@ -554,934 +1482,6 @@
       </pc:sldChg>
     </pc:docChg>
   </pc:docChgLst>
-  <pc:docChgLst>
-    <pc:chgData name="Andrea Castegnaro" userId="e719bb20-b48f-4237-97c2-e35c3e0dc9cd" providerId="ADAL" clId="{92A0AF53-51DD-43E0-8059-022AF9526B82}"/>
-    <pc:docChg chg="modSld">
-      <pc:chgData name="Andrea Castegnaro" userId="e719bb20-b48f-4237-97c2-e35c3e0dc9cd" providerId="ADAL" clId="{92A0AF53-51DD-43E0-8059-022AF9526B82}" dt="2023-01-26T10:17:35.774" v="37" actId="20577"/>
-      <pc:docMkLst>
-        <pc:docMk/>
-      </pc:docMkLst>
-      <pc:sldChg chg="modSp mod">
-        <pc:chgData name="Andrea Castegnaro" userId="e719bb20-b48f-4237-97c2-e35c3e0dc9cd" providerId="ADAL" clId="{92A0AF53-51DD-43E0-8059-022AF9526B82}" dt="2023-01-26T10:15:23.706" v="13" actId="20577"/>
-        <pc:sldMkLst>
-          <pc:docMk/>
-          <pc:sldMk cId="2445713399" sldId="312"/>
-        </pc:sldMkLst>
-      </pc:sldChg>
-      <pc:sldChg chg="modSp mod">
-        <pc:chgData name="Andrea Castegnaro" userId="e719bb20-b48f-4237-97c2-e35c3e0dc9cd" providerId="ADAL" clId="{92A0AF53-51DD-43E0-8059-022AF9526B82}" dt="2023-01-26T10:17:35.774" v="37" actId="20577"/>
-        <pc:sldMkLst>
-          <pc:docMk/>
-          <pc:sldMk cId="3366187170" sldId="322"/>
-        </pc:sldMkLst>
-      </pc:sldChg>
-      <pc:sldChg chg="modSp mod">
-        <pc:chgData name="Andrea Castegnaro" userId="e719bb20-b48f-4237-97c2-e35c3e0dc9cd" providerId="ADAL" clId="{92A0AF53-51DD-43E0-8059-022AF9526B82}" dt="2023-01-26T10:16:46.391" v="20" actId="6549"/>
-        <pc:sldMkLst>
-          <pc:docMk/>
-          <pc:sldMk cId="4066632436" sldId="360"/>
-        </pc:sldMkLst>
-      </pc:sldChg>
-    </pc:docChg>
-  </pc:docChgLst>
-  <pc:docChgLst>
-    <pc:chgData name="Castegnaro, Andrea" userId="e719bb20-b48f-4237-97c2-e35c3e0dc9cd" providerId="ADAL" clId="{4BB90297-663E-4BA4-8520-0798A049819B}"/>
-    <pc:docChg chg="custSel modSld">
-      <pc:chgData name="Castegnaro, Andrea" userId="e719bb20-b48f-4237-97c2-e35c3e0dc9cd" providerId="ADAL" clId="{4BB90297-663E-4BA4-8520-0798A049819B}" dt="2024-01-19T12:16:04.437" v="27" actId="20577"/>
-      <pc:docMkLst>
-        <pc:docMk/>
-      </pc:docMkLst>
-      <pc:sldChg chg="modNotesTx">
-        <pc:chgData name="Castegnaro, Andrea" userId="e719bb20-b48f-4237-97c2-e35c3e0dc9cd" providerId="ADAL" clId="{4BB90297-663E-4BA4-8520-0798A049819B}" dt="2024-01-19T10:56:17.495" v="0" actId="6549"/>
-        <pc:sldMkLst>
-          <pc:docMk/>
-          <pc:sldMk cId="3617399448" sldId="342"/>
-        </pc:sldMkLst>
-      </pc:sldChg>
-      <pc:sldChg chg="modNotesTx">
-        <pc:chgData name="Castegnaro, Andrea" userId="e719bb20-b48f-4237-97c2-e35c3e0dc9cd" providerId="ADAL" clId="{4BB90297-663E-4BA4-8520-0798A049819B}" dt="2024-01-19T10:56:33.141" v="5" actId="6549"/>
-        <pc:sldMkLst>
-          <pc:docMk/>
-          <pc:sldMk cId="2895304120" sldId="343"/>
-        </pc:sldMkLst>
-      </pc:sldChg>
-      <pc:sldChg chg="modNotesTx">
-        <pc:chgData name="Castegnaro, Andrea" userId="e719bb20-b48f-4237-97c2-e35c3e0dc9cd" providerId="ADAL" clId="{4BB90297-663E-4BA4-8520-0798A049819B}" dt="2024-01-19T10:56:26.138" v="3" actId="6549"/>
-        <pc:sldMkLst>
-          <pc:docMk/>
-          <pc:sldMk cId="1415608395" sldId="345"/>
-        </pc:sldMkLst>
-      </pc:sldChg>
-      <pc:sldChg chg="modNotesTx">
-        <pc:chgData name="Castegnaro, Andrea" userId="e719bb20-b48f-4237-97c2-e35c3e0dc9cd" providerId="ADAL" clId="{4BB90297-663E-4BA4-8520-0798A049819B}" dt="2024-01-19T10:56:29.656" v="4" actId="6549"/>
-        <pc:sldMkLst>
-          <pc:docMk/>
-          <pc:sldMk cId="930155706" sldId="346"/>
-        </pc:sldMkLst>
-      </pc:sldChg>
-      <pc:sldChg chg="modNotesTx">
-        <pc:chgData name="Castegnaro, Andrea" userId="e719bb20-b48f-4237-97c2-e35c3e0dc9cd" providerId="ADAL" clId="{4BB90297-663E-4BA4-8520-0798A049819B}" dt="2024-01-19T10:56:20.635" v="1" actId="6549"/>
-        <pc:sldMkLst>
-          <pc:docMk/>
-          <pc:sldMk cId="377400704" sldId="352"/>
-        </pc:sldMkLst>
-      </pc:sldChg>
-      <pc:sldChg chg="modSp mod modNotesTx">
-        <pc:chgData name="Castegnaro, Andrea" userId="e719bb20-b48f-4237-97c2-e35c3e0dc9cd" providerId="ADAL" clId="{4BB90297-663E-4BA4-8520-0798A049819B}" dt="2024-01-19T12:16:04.437" v="27" actId="20577"/>
-        <pc:sldMkLst>
-          <pc:docMk/>
-          <pc:sldMk cId="1945739754" sldId="353"/>
-        </pc:sldMkLst>
-      </pc:sldChg>
-    </pc:docChg>
-  </pc:docChgLst>
-  <pc:docChgLst>
-    <pc:chgData name="Castegnaro, Andrea" userId="e719bb20-b48f-4237-97c2-e35c3e0dc9cd" providerId="ADAL" clId="{78304693-7C79-4023-BC7A-18AAB28EFB2B}"/>
-    <pc:docChg chg="undo redo custSel addSld delSld modSld">
-      <pc:chgData name="Castegnaro, Andrea" userId="e719bb20-b48f-4237-97c2-e35c3e0dc9cd" providerId="ADAL" clId="{78304693-7C79-4023-BC7A-18AAB28EFB2B}" dt="2022-01-24T15:20:50.212" v="5744" actId="1036"/>
-      <pc:docMkLst>
-        <pc:docMk/>
-      </pc:docMkLst>
-      <pc:sldChg chg="modSp mod">
-        <pc:chgData name="Castegnaro, Andrea" userId="e719bb20-b48f-4237-97c2-e35c3e0dc9cd" providerId="ADAL" clId="{78304693-7C79-4023-BC7A-18AAB28EFB2B}" dt="2022-01-24T14:04:22.236" v="1398" actId="1076"/>
-        <pc:sldMkLst>
-          <pc:docMk/>
-          <pc:sldMk cId="2445713399" sldId="312"/>
-        </pc:sldMkLst>
-      </pc:sldChg>
-      <pc:sldChg chg="modSp mod">
-        <pc:chgData name="Castegnaro, Andrea" userId="e719bb20-b48f-4237-97c2-e35c3e0dc9cd" providerId="ADAL" clId="{78304693-7C79-4023-BC7A-18AAB28EFB2B}" dt="2022-01-24T14:09:45.412" v="1702" actId="27636"/>
-        <pc:sldMkLst>
-          <pc:docMk/>
-          <pc:sldMk cId="3098246948" sldId="320"/>
-        </pc:sldMkLst>
-      </pc:sldChg>
-      <pc:sldChg chg="addSp modSp mod">
-        <pc:chgData name="Castegnaro, Andrea" userId="e719bb20-b48f-4237-97c2-e35c3e0dc9cd" providerId="ADAL" clId="{78304693-7C79-4023-BC7A-18AAB28EFB2B}" dt="2022-01-24T14:21:32.240" v="2586" actId="1037"/>
-        <pc:sldMkLst>
-          <pc:docMk/>
-          <pc:sldMk cId="2695853462" sldId="321"/>
-        </pc:sldMkLst>
-      </pc:sldChg>
-      <pc:sldChg chg="addSp modSp mod">
-        <pc:chgData name="Castegnaro, Andrea" userId="e719bb20-b48f-4237-97c2-e35c3e0dc9cd" providerId="ADAL" clId="{78304693-7C79-4023-BC7A-18AAB28EFB2B}" dt="2022-01-24T14:10:40.205" v="1733" actId="1076"/>
-        <pc:sldMkLst>
-          <pc:docMk/>
-          <pc:sldMk cId="3366187170" sldId="322"/>
-        </pc:sldMkLst>
-      </pc:sldChg>
-      <pc:sldChg chg="del">
-        <pc:chgData name="Castegnaro, Andrea" userId="e719bb20-b48f-4237-97c2-e35c3e0dc9cd" providerId="ADAL" clId="{78304693-7C79-4023-BC7A-18AAB28EFB2B}" dt="2022-01-24T12:16:12.123" v="0" actId="47"/>
-        <pc:sldMkLst>
-          <pc:docMk/>
-          <pc:sldMk cId="4124654771" sldId="323"/>
-        </pc:sldMkLst>
-      </pc:sldChg>
-      <pc:sldChg chg="addSp modSp mod">
-        <pc:chgData name="Castegnaro, Andrea" userId="e719bb20-b48f-4237-97c2-e35c3e0dc9cd" providerId="ADAL" clId="{78304693-7C79-4023-BC7A-18AAB28EFB2B}" dt="2022-01-24T14:27:02.850" v="2853" actId="14100"/>
-        <pc:sldMkLst>
-          <pc:docMk/>
-          <pc:sldMk cId="399080098" sldId="324"/>
-        </pc:sldMkLst>
-      </pc:sldChg>
-      <pc:sldChg chg="addSp modSp mod">
-        <pc:chgData name="Castegnaro, Andrea" userId="e719bb20-b48f-4237-97c2-e35c3e0dc9cd" providerId="ADAL" clId="{78304693-7C79-4023-BC7A-18AAB28EFB2B}" dt="2022-01-24T14:29:27.809" v="3123" actId="20577"/>
-        <pc:sldMkLst>
-          <pc:docMk/>
-          <pc:sldMk cId="2336413018" sldId="325"/>
-        </pc:sldMkLst>
-      </pc:sldChg>
-      <pc:sldChg chg="modSp mod">
-        <pc:chgData name="Castegnaro, Andrea" userId="e719bb20-b48f-4237-97c2-e35c3e0dc9cd" providerId="ADAL" clId="{78304693-7C79-4023-BC7A-18AAB28EFB2B}" dt="2022-01-24T14:41:45.695" v="3572" actId="1035"/>
-        <pc:sldMkLst>
-          <pc:docMk/>
-          <pc:sldMk cId="2722255684" sldId="327"/>
-        </pc:sldMkLst>
-      </pc:sldChg>
-      <pc:sldChg chg="modSp add del mod">
-        <pc:chgData name="Castegnaro, Andrea" userId="e719bb20-b48f-4237-97c2-e35c3e0dc9cd" providerId="ADAL" clId="{78304693-7C79-4023-BC7A-18AAB28EFB2B}" dt="2022-01-24T12:50:01.537" v="269" actId="2696"/>
-        <pc:sldMkLst>
-          <pc:docMk/>
-          <pc:sldMk cId="271442219" sldId="328"/>
-        </pc:sldMkLst>
-      </pc:sldChg>
-      <pc:sldChg chg="addSp modSp mod">
-        <pc:chgData name="Castegnaro, Andrea" userId="e719bb20-b48f-4237-97c2-e35c3e0dc9cd" providerId="ADAL" clId="{78304693-7C79-4023-BC7A-18AAB28EFB2B}" dt="2022-01-24T14:13:11.092" v="1746" actId="1076"/>
-        <pc:sldMkLst>
-          <pc:docMk/>
-          <pc:sldMk cId="1057538686" sldId="329"/>
-        </pc:sldMkLst>
-      </pc:sldChg>
-      <pc:sldChg chg="addSp delSp modSp mod">
-        <pc:chgData name="Castegnaro, Andrea" userId="e719bb20-b48f-4237-97c2-e35c3e0dc9cd" providerId="ADAL" clId="{78304693-7C79-4023-BC7A-18AAB28EFB2B}" dt="2022-01-24T14:14:02.882" v="1749"/>
-        <pc:sldMkLst>
-          <pc:docMk/>
-          <pc:sldMk cId="2645979126" sldId="331"/>
-        </pc:sldMkLst>
-      </pc:sldChg>
-      <pc:sldChg chg="addSp delSp modSp mod">
-        <pc:chgData name="Castegnaro, Andrea" userId="e719bb20-b48f-4237-97c2-e35c3e0dc9cd" providerId="ADAL" clId="{78304693-7C79-4023-BC7A-18AAB28EFB2B}" dt="2022-01-24T14:58:22.710" v="4330" actId="20577"/>
-        <pc:sldMkLst>
-          <pc:docMk/>
-          <pc:sldMk cId="3686595670" sldId="332"/>
-        </pc:sldMkLst>
-      </pc:sldChg>
-      <pc:sldChg chg="addSp modSp mod">
-        <pc:chgData name="Castegnaro, Andrea" userId="e719bb20-b48f-4237-97c2-e35c3e0dc9cd" providerId="ADAL" clId="{78304693-7C79-4023-BC7A-18AAB28EFB2B}" dt="2022-01-24T15:00:00.999" v="4529" actId="20577"/>
-        <pc:sldMkLst>
-          <pc:docMk/>
-          <pc:sldMk cId="4054631168" sldId="333"/>
-        </pc:sldMkLst>
-      </pc:sldChg>
-      <pc:sldChg chg="modSp mod">
-        <pc:chgData name="Castegnaro, Andrea" userId="e719bb20-b48f-4237-97c2-e35c3e0dc9cd" providerId="ADAL" clId="{78304693-7C79-4023-BC7A-18AAB28EFB2B}" dt="2022-01-24T14:36:48.525" v="3385" actId="20577"/>
-        <pc:sldMkLst>
-          <pc:docMk/>
-          <pc:sldMk cId="3423161011" sldId="334"/>
-        </pc:sldMkLst>
-      </pc:sldChg>
-      <pc:sldChg chg="addSp modSp mod">
-        <pc:chgData name="Castegnaro, Andrea" userId="e719bb20-b48f-4237-97c2-e35c3e0dc9cd" providerId="ADAL" clId="{78304693-7C79-4023-BC7A-18AAB28EFB2B}" dt="2022-01-24T14:51:06.607" v="4251" actId="20577"/>
-        <pc:sldMkLst>
-          <pc:docMk/>
-          <pc:sldMk cId="718657368" sldId="335"/>
-        </pc:sldMkLst>
-      </pc:sldChg>
-      <pc:sldChg chg="addSp delSp modSp mod">
-        <pc:chgData name="Castegnaro, Andrea" userId="e719bb20-b48f-4237-97c2-e35c3e0dc9cd" providerId="ADAL" clId="{78304693-7C79-4023-BC7A-18AAB28EFB2B}" dt="2022-01-24T15:12:49.499" v="5017" actId="20577"/>
-        <pc:sldMkLst>
-          <pc:docMk/>
-          <pc:sldMk cId="3468065226" sldId="336"/>
-        </pc:sldMkLst>
-      </pc:sldChg>
-      <pc:sldChg chg="addSp modSp mod">
-        <pc:chgData name="Castegnaro, Andrea" userId="e719bb20-b48f-4237-97c2-e35c3e0dc9cd" providerId="ADAL" clId="{78304693-7C79-4023-BC7A-18AAB28EFB2B}" dt="2022-01-24T14:43:49.691" v="3641" actId="20577"/>
-        <pc:sldMkLst>
-          <pc:docMk/>
-          <pc:sldMk cId="3329810214" sldId="337"/>
-        </pc:sldMkLst>
-      </pc:sldChg>
-      <pc:sldChg chg="addSp delSp modSp add mod">
-        <pc:chgData name="Castegnaro, Andrea" userId="e719bb20-b48f-4237-97c2-e35c3e0dc9cd" providerId="ADAL" clId="{78304693-7C79-4023-BC7A-18AAB28EFB2B}" dt="2022-01-24T14:45:18.944" v="3743" actId="1036"/>
-        <pc:sldMkLst>
-          <pc:docMk/>
-          <pc:sldMk cId="2097315419" sldId="338"/>
-        </pc:sldMkLst>
-      </pc:sldChg>
-      <pc:sldChg chg="addSp delSp modSp add mod setBg">
-        <pc:chgData name="Castegnaro, Andrea" userId="e719bb20-b48f-4237-97c2-e35c3e0dc9cd" providerId="ADAL" clId="{78304693-7C79-4023-BC7A-18AAB28EFB2B}" dt="2022-01-24T14:24:50.463" v="2781" actId="20577"/>
-        <pc:sldMkLst>
-          <pc:docMk/>
-          <pc:sldMk cId="2075616132" sldId="339"/>
-        </pc:sldMkLst>
-      </pc:sldChg>
-      <pc:sldChg chg="add del">
-        <pc:chgData name="Castegnaro, Andrea" userId="e719bb20-b48f-4237-97c2-e35c3e0dc9cd" providerId="ADAL" clId="{78304693-7C79-4023-BC7A-18AAB28EFB2B}" dt="2022-01-24T14:15:11.811" v="1757" actId="47"/>
-        <pc:sldMkLst>
-          <pc:docMk/>
-          <pc:sldMk cId="2477883259" sldId="339"/>
-        </pc:sldMkLst>
-      </pc:sldChg>
-      <pc:sldChg chg="addSp delSp modSp add mod">
-        <pc:chgData name="Castegnaro, Andrea" userId="e719bb20-b48f-4237-97c2-e35c3e0dc9cd" providerId="ADAL" clId="{78304693-7C79-4023-BC7A-18AAB28EFB2B}" dt="2022-01-24T15:20:50.212" v="5744" actId="1036"/>
-        <pc:sldMkLst>
-          <pc:docMk/>
-          <pc:sldMk cId="3243017373" sldId="340"/>
-        </pc:sldMkLst>
-      </pc:sldChg>
-    </pc:docChg>
-  </pc:docChgLst>
-  <pc:docChgLst>
-    <pc:chgData name="Castegnaro, Andrea" userId="e719bb20-b48f-4237-97c2-e35c3e0dc9cd" providerId="ADAL" clId="{D0DDA42C-5D7A-4C2D-9DAF-C527848DC506}"/>
-    <pc:docChg chg="undo custSel modSld">
-      <pc:chgData name="Castegnaro, Andrea" userId="e719bb20-b48f-4237-97c2-e35c3e0dc9cd" providerId="ADAL" clId="{D0DDA42C-5D7A-4C2D-9DAF-C527848DC506}" dt="2024-01-19T10:49:54.422" v="210"/>
-      <pc:docMkLst>
-        <pc:docMk/>
-      </pc:docMkLst>
-      <pc:sldChg chg="modSp mod">
-        <pc:chgData name="Castegnaro, Andrea" userId="e719bb20-b48f-4237-97c2-e35c3e0dc9cd" providerId="ADAL" clId="{D0DDA42C-5D7A-4C2D-9DAF-C527848DC506}" dt="2024-01-19T09:25:33.200" v="0"/>
-        <pc:sldMkLst>
-          <pc:docMk/>
-          <pc:sldMk cId="2445713399" sldId="312"/>
-        </pc:sldMkLst>
-      </pc:sldChg>
-      <pc:sldChg chg="modNotesTx">
-        <pc:chgData name="Castegnaro, Andrea" userId="e719bb20-b48f-4237-97c2-e35c3e0dc9cd" providerId="ADAL" clId="{D0DDA42C-5D7A-4C2D-9DAF-C527848DC506}" dt="2024-01-19T09:36:44.309" v="30" actId="20577"/>
-        <pc:sldMkLst>
-          <pc:docMk/>
-          <pc:sldMk cId="3617399448" sldId="342"/>
-        </pc:sldMkLst>
-      </pc:sldChg>
-      <pc:sldChg chg="modNotesTx">
-        <pc:chgData name="Castegnaro, Andrea" userId="e719bb20-b48f-4237-97c2-e35c3e0dc9cd" providerId="ADAL" clId="{D0DDA42C-5D7A-4C2D-9DAF-C527848DC506}" dt="2024-01-19T10:49:54.422" v="210"/>
-        <pc:sldMkLst>
-          <pc:docMk/>
-          <pc:sldMk cId="2895304120" sldId="343"/>
-        </pc:sldMkLst>
-      </pc:sldChg>
-      <pc:sldChg chg="modNotesTx">
-        <pc:chgData name="Castegnaro, Andrea" userId="e719bb20-b48f-4237-97c2-e35c3e0dc9cd" providerId="ADAL" clId="{D0DDA42C-5D7A-4C2D-9DAF-C527848DC506}" dt="2024-01-19T10:43:51.391" v="189" actId="20577"/>
-        <pc:sldMkLst>
-          <pc:docMk/>
-          <pc:sldMk cId="1415608395" sldId="345"/>
-        </pc:sldMkLst>
-      </pc:sldChg>
-      <pc:sldChg chg="modNotesTx">
-        <pc:chgData name="Castegnaro, Andrea" userId="e719bb20-b48f-4237-97c2-e35c3e0dc9cd" providerId="ADAL" clId="{D0DDA42C-5D7A-4C2D-9DAF-C527848DC506}" dt="2024-01-19T10:46:43.630" v="198" actId="20577"/>
-        <pc:sldMkLst>
-          <pc:docMk/>
-          <pc:sldMk cId="930155706" sldId="346"/>
-        </pc:sldMkLst>
-      </pc:sldChg>
-      <pc:sldChg chg="modNotesTx">
-        <pc:chgData name="Castegnaro, Andrea" userId="e719bb20-b48f-4237-97c2-e35c3e0dc9cd" providerId="ADAL" clId="{D0DDA42C-5D7A-4C2D-9DAF-C527848DC506}" dt="2024-01-19T09:45:22.193" v="52"/>
-        <pc:sldMkLst>
-          <pc:docMk/>
-          <pc:sldMk cId="377400704" sldId="352"/>
-        </pc:sldMkLst>
-      </pc:sldChg>
-      <pc:sldChg chg="modSp mod modNotesTx">
-        <pc:chgData name="Castegnaro, Andrea" userId="e719bb20-b48f-4237-97c2-e35c3e0dc9cd" providerId="ADAL" clId="{D0DDA42C-5D7A-4C2D-9DAF-C527848DC506}" dt="2024-01-19T10:41:05.190" v="184"/>
-        <pc:sldMkLst>
-          <pc:docMk/>
-          <pc:sldMk cId="1945739754" sldId="353"/>
-        </pc:sldMkLst>
-      </pc:sldChg>
-      <pc:sldChg chg="modSp mod">
-        <pc:chgData name="Castegnaro, Andrea" userId="e719bb20-b48f-4237-97c2-e35c3e0dc9cd" providerId="ADAL" clId="{D0DDA42C-5D7A-4C2D-9DAF-C527848DC506}" dt="2024-01-19T09:28:49.418" v="3"/>
-        <pc:sldMkLst>
-          <pc:docMk/>
-          <pc:sldMk cId="4066632436" sldId="360"/>
-        </pc:sldMkLst>
-      </pc:sldChg>
-    </pc:docChg>
-  </pc:docChgLst>
-  <pc:docChgLst>
-    <pc:chgData name="Castegnaro, Andrea" userId="e719bb20-b48f-4237-97c2-e35c3e0dc9cd" providerId="ADAL" clId="{6B0B3B43-C1DE-4F71-93A9-FB02E1545C0E}"/>
-    <pc:docChg chg="custSel addSld delSld modSld delMainMaster delSection modSection">
-      <pc:chgData name="Castegnaro, Andrea" userId="e719bb20-b48f-4237-97c2-e35c3e0dc9cd" providerId="ADAL" clId="{6B0B3B43-C1DE-4F71-93A9-FB02E1545C0E}" dt="2022-01-17T15:04:59.362" v="281" actId="700"/>
-      <pc:docMkLst>
-        <pc:docMk/>
-      </pc:docMkLst>
-      <pc:sldChg chg="new del">
-        <pc:chgData name="Castegnaro, Andrea" userId="e719bb20-b48f-4237-97c2-e35c3e0dc9cd" providerId="ADAL" clId="{6B0B3B43-C1DE-4F71-93A9-FB02E1545C0E}" dt="2022-01-13T16:14:43.903" v="1" actId="47"/>
-        <pc:sldMkLst>
-          <pc:docMk/>
-          <pc:sldMk cId="1085287797" sldId="256"/>
-        </pc:sldMkLst>
-      </pc:sldChg>
-      <pc:sldChg chg="modSp mod modTransition">
-        <pc:chgData name="Castegnaro, Andrea" userId="e719bb20-b48f-4237-97c2-e35c3e0dc9cd" providerId="ADAL" clId="{6B0B3B43-C1DE-4F71-93A9-FB02E1545C0E}" dt="2022-01-17T14:56:18.083" v="276" actId="20577"/>
-        <pc:sldMkLst>
-          <pc:docMk/>
-          <pc:sldMk cId="2445713399" sldId="312"/>
-        </pc:sldMkLst>
-      </pc:sldChg>
-      <pc:sldChg chg="modTransition">
-        <pc:chgData name="Castegnaro, Andrea" userId="e719bb20-b48f-4237-97c2-e35c3e0dc9cd" providerId="ADAL" clId="{6B0B3B43-C1DE-4F71-93A9-FB02E1545C0E}" dt="2022-01-13T16:16:32.731" v="64"/>
-        <pc:sldMkLst>
-          <pc:docMk/>
-          <pc:sldMk cId="2471698210" sldId="313"/>
-        </pc:sldMkLst>
-      </pc:sldChg>
-      <pc:sldChg chg="modTransition">
-        <pc:chgData name="Castegnaro, Andrea" userId="e719bb20-b48f-4237-97c2-e35c3e0dc9cd" providerId="ADAL" clId="{6B0B3B43-C1DE-4F71-93A9-FB02E1545C0E}" dt="2022-01-13T16:16:32.731" v="64"/>
-        <pc:sldMkLst>
-          <pc:docMk/>
-          <pc:sldMk cId="839390016" sldId="314"/>
-        </pc:sldMkLst>
-      </pc:sldChg>
-      <pc:sldChg chg="modTransition">
-        <pc:chgData name="Castegnaro, Andrea" userId="e719bb20-b48f-4237-97c2-e35c3e0dc9cd" providerId="ADAL" clId="{6B0B3B43-C1DE-4F71-93A9-FB02E1545C0E}" dt="2022-01-13T16:16:32.731" v="64"/>
-        <pc:sldMkLst>
-          <pc:docMk/>
-          <pc:sldMk cId="2442215223" sldId="315"/>
-        </pc:sldMkLst>
-      </pc:sldChg>
-      <pc:sldChg chg="modTransition">
-        <pc:chgData name="Castegnaro, Andrea" userId="e719bb20-b48f-4237-97c2-e35c3e0dc9cd" providerId="ADAL" clId="{6B0B3B43-C1DE-4F71-93A9-FB02E1545C0E}" dt="2022-01-13T16:16:32.731" v="64"/>
-        <pc:sldMkLst>
-          <pc:docMk/>
-          <pc:sldMk cId="2590270098" sldId="316"/>
-        </pc:sldMkLst>
-      </pc:sldChg>
-      <pc:sldChg chg="modTransition">
-        <pc:chgData name="Castegnaro, Andrea" userId="e719bb20-b48f-4237-97c2-e35c3e0dc9cd" providerId="ADAL" clId="{6B0B3B43-C1DE-4F71-93A9-FB02E1545C0E}" dt="2022-01-13T16:16:32.731" v="64"/>
-        <pc:sldMkLst>
-          <pc:docMk/>
-          <pc:sldMk cId="3996795517" sldId="317"/>
-        </pc:sldMkLst>
-      </pc:sldChg>
-      <pc:sldChg chg="modTransition">
-        <pc:chgData name="Castegnaro, Andrea" userId="e719bb20-b48f-4237-97c2-e35c3e0dc9cd" providerId="ADAL" clId="{6B0B3B43-C1DE-4F71-93A9-FB02E1545C0E}" dt="2022-01-13T16:16:32.731" v="64"/>
-        <pc:sldMkLst>
-          <pc:docMk/>
-          <pc:sldMk cId="2282461073" sldId="319"/>
-        </pc:sldMkLst>
-      </pc:sldChg>
-      <pc:sldChg chg="addSp delSp modSp add mod chgLayout">
-        <pc:chgData name="Castegnaro, Andrea" userId="e719bb20-b48f-4237-97c2-e35c3e0dc9cd" providerId="ADAL" clId="{6B0B3B43-C1DE-4F71-93A9-FB02E1545C0E}" dt="2022-01-17T15:04:59.362" v="281" actId="700"/>
-        <pc:sldMkLst>
-          <pc:docMk/>
-          <pc:sldMk cId="3098246948" sldId="320"/>
-        </pc:sldMkLst>
-      </pc:sldChg>
-      <pc:sldMasterChg chg="del addSldLayout delSldLayout">
-        <pc:chgData name="Castegnaro, Andrea" userId="e719bb20-b48f-4237-97c2-e35c3e0dc9cd" providerId="ADAL" clId="{6B0B3B43-C1DE-4F71-93A9-FB02E1545C0E}" dt="2022-01-13T16:14:43.903" v="1" actId="47"/>
-        <pc:sldMasterMkLst>
-          <pc:docMk/>
-          <pc:sldMasterMk cId="648575456" sldId="2147483648"/>
-        </pc:sldMasterMkLst>
-        <pc:sldLayoutChg chg="add del">
-          <pc:chgData name="Castegnaro, Andrea" userId="e719bb20-b48f-4237-97c2-e35c3e0dc9cd" providerId="ADAL" clId="{6B0B3B43-C1DE-4F71-93A9-FB02E1545C0E}" dt="2022-01-13T16:14:43.903" v="1" actId="47"/>
-          <pc:sldLayoutMkLst>
-            <pc:docMk/>
-            <pc:sldMasterMk cId="648575456" sldId="2147483648"/>
-            <pc:sldLayoutMk cId="1339338325" sldId="2147483649"/>
-          </pc:sldLayoutMkLst>
-        </pc:sldLayoutChg>
-      </pc:sldMasterChg>
-    </pc:docChg>
-  </pc:docChgLst>
-  <pc:docChgLst>
-    <pc:chgData name="Castegnaro, Andrea" userId="e719bb20-b48f-4237-97c2-e35c3e0dc9cd" providerId="ADAL" clId="{EA726ED7-21E9-4571-946F-912AA8ECBF62}"/>
-    <pc:docChg chg="undo custSel delSld modSld">
-      <pc:chgData name="Castegnaro, Andrea" userId="e719bb20-b48f-4237-97c2-e35c3e0dc9cd" providerId="ADAL" clId="{EA726ED7-21E9-4571-946F-912AA8ECBF62}" dt="2025-01-08T17:50:43.334" v="4309" actId="20577"/>
-      <pc:docMkLst>
-        <pc:docMk/>
-      </pc:docMkLst>
-      <pc:sldChg chg="addSp delSp modSp mod">
-        <pc:chgData name="Castegnaro, Andrea" userId="e719bb20-b48f-4237-97c2-e35c3e0dc9cd" providerId="ADAL" clId="{EA726ED7-21E9-4571-946F-912AA8ECBF62}" dt="2025-01-07T18:23:07.459" v="1076" actId="114"/>
-        <pc:sldMkLst>
-          <pc:docMk/>
-          <pc:sldMk cId="3617399448" sldId="342"/>
-        </pc:sldMkLst>
-        <pc:spChg chg="mod">
-          <ac:chgData name="Castegnaro, Andrea" userId="e719bb20-b48f-4237-97c2-e35c3e0dc9cd" providerId="ADAL" clId="{EA726ED7-21E9-4571-946F-912AA8ECBF62}" dt="2025-01-07T17:50:43.150" v="26" actId="20577"/>
-          <ac:spMkLst>
-            <pc:docMk/>
-            <pc:sldMk cId="3617399448" sldId="342"/>
-            <ac:spMk id="2" creationId="{32DCA100-7D85-4A3C-9993-92EC37D3F8E2}"/>
-          </ac:spMkLst>
-        </pc:spChg>
-        <pc:spChg chg="add mod">
-          <ac:chgData name="Castegnaro, Andrea" userId="e719bb20-b48f-4237-97c2-e35c3e0dc9cd" providerId="ADAL" clId="{EA726ED7-21E9-4571-946F-912AA8ECBF62}" dt="2025-01-07T18:14:02.127" v="835" actId="1076"/>
-          <ac:spMkLst>
-            <pc:docMk/>
-            <pc:sldMk cId="3617399448" sldId="342"/>
-            <ac:spMk id="7" creationId="{449E736E-A1C6-14D9-ECC8-E578B4F64711}"/>
-          </ac:spMkLst>
-        </pc:spChg>
-        <pc:spChg chg="add mod">
-          <ac:chgData name="Castegnaro, Andrea" userId="e719bb20-b48f-4237-97c2-e35c3e0dc9cd" providerId="ADAL" clId="{EA726ED7-21E9-4571-946F-912AA8ECBF62}" dt="2025-01-07T18:23:07.459" v="1076" actId="114"/>
-          <ac:spMkLst>
-            <pc:docMk/>
-            <pc:sldMk cId="3617399448" sldId="342"/>
-            <ac:spMk id="8" creationId="{5B7F6B82-AFF9-4316-E404-1ED9301C86E2}"/>
-          </ac:spMkLst>
-        </pc:spChg>
-        <pc:spChg chg="mod">
-          <ac:chgData name="Castegnaro, Andrea" userId="e719bb20-b48f-4237-97c2-e35c3e0dc9cd" providerId="ADAL" clId="{EA726ED7-21E9-4571-946F-912AA8ECBF62}" dt="2025-01-07T17:55:09.441" v="508"/>
-          <ac:spMkLst>
-            <pc:docMk/>
-            <pc:sldMk cId="3617399448" sldId="342"/>
-            <ac:spMk id="15" creationId="{04758149-2206-417F-B0F1-728B50DEAB27}"/>
-          </ac:spMkLst>
-        </pc:spChg>
-        <pc:picChg chg="mod">
-          <ac:chgData name="Castegnaro, Andrea" userId="e719bb20-b48f-4237-97c2-e35c3e0dc9cd" providerId="ADAL" clId="{EA726ED7-21E9-4571-946F-912AA8ECBF62}" dt="2025-01-07T17:50:55.180" v="42" actId="1038"/>
-          <ac:picMkLst>
-            <pc:docMk/>
-            <pc:sldMk cId="3617399448" sldId="342"/>
-            <ac:picMk id="31" creationId="{EDA2B51B-FB7A-4D48-8083-C2D06111FD47}"/>
-          </ac:picMkLst>
-        </pc:picChg>
-      </pc:sldChg>
-      <pc:sldChg chg="addSp delSp modSp mod">
-        <pc:chgData name="Castegnaro, Andrea" userId="e719bb20-b48f-4237-97c2-e35c3e0dc9cd" providerId="ADAL" clId="{EA726ED7-21E9-4571-946F-912AA8ECBF62}" dt="2025-01-08T17:01:28.548" v="3573" actId="2710"/>
-        <pc:sldMkLst>
-          <pc:docMk/>
-          <pc:sldMk cId="2895304120" sldId="343"/>
-        </pc:sldMkLst>
-        <pc:spChg chg="add mod">
-          <ac:chgData name="Castegnaro, Andrea" userId="e719bb20-b48f-4237-97c2-e35c3e0dc9cd" providerId="ADAL" clId="{EA726ED7-21E9-4571-946F-912AA8ECBF62}" dt="2025-01-08T16:40:37.036" v="3409" actId="14100"/>
-          <ac:spMkLst>
-            <pc:docMk/>
-            <pc:sldMk cId="2895304120" sldId="343"/>
-            <ac:spMk id="22" creationId="{8F112269-64B7-5939-B717-7C768E08A72A}"/>
-          </ac:spMkLst>
-        </pc:spChg>
-        <pc:spChg chg="add mod">
-          <ac:chgData name="Castegnaro, Andrea" userId="e719bb20-b48f-4237-97c2-e35c3e0dc9cd" providerId="ADAL" clId="{EA726ED7-21E9-4571-946F-912AA8ECBF62}" dt="2025-01-08T16:40:32.595" v="3408" actId="1076"/>
-          <ac:spMkLst>
-            <pc:docMk/>
-            <pc:sldMk cId="2895304120" sldId="343"/>
-            <ac:spMk id="23" creationId="{1A1C57A1-CD9E-756A-E39B-8A33B990E231}"/>
-          </ac:spMkLst>
-        </pc:spChg>
-        <pc:spChg chg="add mod">
-          <ac:chgData name="Castegnaro, Andrea" userId="e719bb20-b48f-4237-97c2-e35c3e0dc9cd" providerId="ADAL" clId="{EA726ED7-21E9-4571-946F-912AA8ECBF62}" dt="2025-01-08T16:41:06.595" v="3542" actId="20577"/>
-          <ac:spMkLst>
-            <pc:docMk/>
-            <pc:sldMk cId="2895304120" sldId="343"/>
-            <ac:spMk id="24" creationId="{DEBC09EB-23FF-26FB-8248-D6AB7F2CF116}"/>
-          </ac:spMkLst>
-        </pc:spChg>
-        <pc:spChg chg="add mod">
-          <ac:chgData name="Castegnaro, Andrea" userId="e719bb20-b48f-4237-97c2-e35c3e0dc9cd" providerId="ADAL" clId="{EA726ED7-21E9-4571-946F-912AA8ECBF62}" dt="2025-01-08T16:58:00.292" v="3564" actId="14100"/>
-          <ac:spMkLst>
-            <pc:docMk/>
-            <pc:sldMk cId="2895304120" sldId="343"/>
-            <ac:spMk id="25" creationId="{DD54D43F-27FF-5F59-23FF-820F94BFBEAE}"/>
-          </ac:spMkLst>
-        </pc:spChg>
-        <pc:spChg chg="add mod">
-          <ac:chgData name="Castegnaro, Andrea" userId="e719bb20-b48f-4237-97c2-e35c3e0dc9cd" providerId="ADAL" clId="{EA726ED7-21E9-4571-946F-912AA8ECBF62}" dt="2025-01-08T17:01:28.548" v="3573" actId="2710"/>
-          <ac:spMkLst>
-            <pc:docMk/>
-            <pc:sldMk cId="2895304120" sldId="343"/>
-            <ac:spMk id="26" creationId="{D767065F-045E-7683-C956-1A4D80EE96F8}"/>
-          </ac:spMkLst>
-        </pc:spChg>
-      </pc:sldChg>
-      <pc:sldChg chg="del">
-        <pc:chgData name="Castegnaro, Andrea" userId="e719bb20-b48f-4237-97c2-e35c3e0dc9cd" providerId="ADAL" clId="{EA726ED7-21E9-4571-946F-912AA8ECBF62}" dt="2025-01-08T17:01:35.903" v="3574" actId="47"/>
-        <pc:sldMkLst>
-          <pc:docMk/>
-          <pc:sldMk cId="2660001074" sldId="344"/>
-        </pc:sldMkLst>
-      </pc:sldChg>
-      <pc:sldChg chg="addSp delSp modSp mod">
-        <pc:chgData name="Castegnaro, Andrea" userId="e719bb20-b48f-4237-97c2-e35c3e0dc9cd" providerId="ADAL" clId="{EA726ED7-21E9-4571-946F-912AA8ECBF62}" dt="2025-01-08T16:13:46.234" v="3021" actId="20577"/>
-        <pc:sldMkLst>
-          <pc:docMk/>
-          <pc:sldMk cId="1415608395" sldId="345"/>
-        </pc:sldMkLst>
-        <pc:spChg chg="mod">
-          <ac:chgData name="Castegnaro, Andrea" userId="e719bb20-b48f-4237-97c2-e35c3e0dc9cd" providerId="ADAL" clId="{EA726ED7-21E9-4571-946F-912AA8ECBF62}" dt="2025-01-08T15:27:20.773" v="2687" actId="20577"/>
-          <ac:spMkLst>
-            <pc:docMk/>
-            <pc:sldMk cId="1415608395" sldId="345"/>
-            <ac:spMk id="2" creationId="{32DCA100-7D85-4A3C-9993-92EC37D3F8E2}"/>
-          </ac:spMkLst>
-        </pc:spChg>
-        <pc:spChg chg="mod">
-          <ac:chgData name="Castegnaro, Andrea" userId="e719bb20-b48f-4237-97c2-e35c3e0dc9cd" providerId="ADAL" clId="{EA726ED7-21E9-4571-946F-912AA8ECBF62}" dt="2025-01-08T16:12:16.292" v="3018" actId="27636"/>
-          <ac:spMkLst>
-            <pc:docMk/>
-            <pc:sldMk cId="1415608395" sldId="345"/>
-            <ac:spMk id="4" creationId="{779A645D-0D52-480F-8B3C-90C322F44898}"/>
-          </ac:spMkLst>
-        </pc:spChg>
-        <pc:spChg chg="add mod">
-          <ac:chgData name="Castegnaro, Andrea" userId="e719bb20-b48f-4237-97c2-e35c3e0dc9cd" providerId="ADAL" clId="{EA726ED7-21E9-4571-946F-912AA8ECBF62}" dt="2025-01-08T16:12:28.812" v="3019" actId="465"/>
-          <ac:spMkLst>
-            <pc:docMk/>
-            <pc:sldMk cId="1415608395" sldId="345"/>
-            <ac:spMk id="17" creationId="{D5400ADE-44D1-A165-7A47-03C53549FA1A}"/>
-          </ac:spMkLst>
-        </pc:spChg>
-        <pc:spChg chg="add mod">
-          <ac:chgData name="Castegnaro, Andrea" userId="e719bb20-b48f-4237-97c2-e35c3e0dc9cd" providerId="ADAL" clId="{EA726ED7-21E9-4571-946F-912AA8ECBF62}" dt="2025-01-08T16:12:28.812" v="3019" actId="465"/>
-          <ac:spMkLst>
-            <pc:docMk/>
-            <pc:sldMk cId="1415608395" sldId="345"/>
-            <ac:spMk id="18" creationId="{8A4D7FC4-9E39-BCEB-5F56-35714D1F3172}"/>
-          </ac:spMkLst>
-        </pc:spChg>
-        <pc:spChg chg="add mod">
-          <ac:chgData name="Castegnaro, Andrea" userId="e719bb20-b48f-4237-97c2-e35c3e0dc9cd" providerId="ADAL" clId="{EA726ED7-21E9-4571-946F-912AA8ECBF62}" dt="2025-01-08T16:12:28.812" v="3019" actId="465"/>
-          <ac:spMkLst>
-            <pc:docMk/>
-            <pc:sldMk cId="1415608395" sldId="345"/>
-            <ac:spMk id="19" creationId="{9AC4BEFC-6B17-2787-82D0-D683CC10E71C}"/>
-          </ac:spMkLst>
-        </pc:spChg>
-        <pc:spChg chg="add mod">
-          <ac:chgData name="Castegnaro, Andrea" userId="e719bb20-b48f-4237-97c2-e35c3e0dc9cd" providerId="ADAL" clId="{EA726ED7-21E9-4571-946F-912AA8ECBF62}" dt="2025-01-08T16:12:28.812" v="3019" actId="465"/>
-          <ac:spMkLst>
-            <pc:docMk/>
-            <pc:sldMk cId="1415608395" sldId="345"/>
-            <ac:spMk id="20" creationId="{89355DF8-636A-29A4-26CC-D80D2BB602B4}"/>
-          </ac:spMkLst>
-        </pc:spChg>
-        <pc:spChg chg="add mod">
-          <ac:chgData name="Castegnaro, Andrea" userId="e719bb20-b48f-4237-97c2-e35c3e0dc9cd" providerId="ADAL" clId="{EA726ED7-21E9-4571-946F-912AA8ECBF62}" dt="2025-01-08T16:12:28.812" v="3019" actId="465"/>
-          <ac:spMkLst>
-            <pc:docMk/>
-            <pc:sldMk cId="1415608395" sldId="345"/>
-            <ac:spMk id="21" creationId="{76FF48DD-D981-FB1F-2976-0B5E77A475E7}"/>
-          </ac:spMkLst>
-        </pc:spChg>
-        <pc:spChg chg="add mod">
-          <ac:chgData name="Castegnaro, Andrea" userId="e719bb20-b48f-4237-97c2-e35c3e0dc9cd" providerId="ADAL" clId="{EA726ED7-21E9-4571-946F-912AA8ECBF62}" dt="2025-01-08T16:12:28.812" v="3019" actId="465"/>
-          <ac:spMkLst>
-            <pc:docMk/>
-            <pc:sldMk cId="1415608395" sldId="345"/>
-            <ac:spMk id="32" creationId="{3158614D-DDB3-BD63-6B92-7B9BAAD937AF}"/>
-          </ac:spMkLst>
-        </pc:spChg>
-        <pc:spChg chg="add mod">
-          <ac:chgData name="Castegnaro, Andrea" userId="e719bb20-b48f-4237-97c2-e35c3e0dc9cd" providerId="ADAL" clId="{EA726ED7-21E9-4571-946F-912AA8ECBF62}" dt="2025-01-08T16:13:46.234" v="3021" actId="20577"/>
-          <ac:spMkLst>
-            <pc:docMk/>
-            <pc:sldMk cId="1415608395" sldId="345"/>
-            <ac:spMk id="37" creationId="{B19F18A0-95E4-2F3E-E8A9-9A187212184C}"/>
-          </ac:spMkLst>
-        </pc:spChg>
-        <pc:picChg chg="mod">
-          <ac:chgData name="Castegnaro, Andrea" userId="e719bb20-b48f-4237-97c2-e35c3e0dc9cd" providerId="ADAL" clId="{EA726ED7-21E9-4571-946F-912AA8ECBF62}" dt="2025-01-08T15:27:25.207" v="2710" actId="1037"/>
-          <ac:picMkLst>
-            <pc:docMk/>
-            <pc:sldMk cId="1415608395" sldId="345"/>
-            <ac:picMk id="27" creationId="{4282516D-F60F-4A8B-A0AE-A2414C54C181}"/>
-          </ac:picMkLst>
-        </pc:picChg>
-      </pc:sldChg>
-      <pc:sldChg chg="del">
-        <pc:chgData name="Castegnaro, Andrea" userId="e719bb20-b48f-4237-97c2-e35c3e0dc9cd" providerId="ADAL" clId="{EA726ED7-21E9-4571-946F-912AA8ECBF62}" dt="2025-01-08T16:13:39.455" v="3020" actId="47"/>
-        <pc:sldMkLst>
-          <pc:docMk/>
-          <pc:sldMk cId="930155706" sldId="346"/>
-        </pc:sldMkLst>
-      </pc:sldChg>
-      <pc:sldChg chg="modSp mod">
-        <pc:chgData name="Castegnaro, Andrea" userId="e719bb20-b48f-4237-97c2-e35c3e0dc9cd" providerId="ADAL" clId="{EA726ED7-21E9-4571-946F-912AA8ECBF62}" dt="2025-01-08T17:32:35.950" v="3755" actId="20577"/>
-        <pc:sldMkLst>
-          <pc:docMk/>
-          <pc:sldMk cId="1455733789" sldId="350"/>
-        </pc:sldMkLst>
-        <pc:spChg chg="mod">
-          <ac:chgData name="Castegnaro, Andrea" userId="e719bb20-b48f-4237-97c2-e35c3e0dc9cd" providerId="ADAL" clId="{EA726ED7-21E9-4571-946F-912AA8ECBF62}" dt="2025-01-08T17:32:35.950" v="3755" actId="20577"/>
-          <ac:spMkLst>
-            <pc:docMk/>
-            <pc:sldMk cId="1455733789" sldId="350"/>
-            <ac:spMk id="23" creationId="{1CBC336D-3C28-422F-A810-D586D1EB8ACC}"/>
-          </ac:spMkLst>
-        </pc:spChg>
-      </pc:sldChg>
-      <pc:sldChg chg="addSp delSp modSp mod">
-        <pc:chgData name="Castegnaro, Andrea" userId="e719bb20-b48f-4237-97c2-e35c3e0dc9cd" providerId="ADAL" clId="{EA726ED7-21E9-4571-946F-912AA8ECBF62}" dt="2025-01-08T14:59:34.126" v="2530" actId="1076"/>
-        <pc:sldMkLst>
-          <pc:docMk/>
-          <pc:sldMk cId="377400704" sldId="352"/>
-        </pc:sldMkLst>
-        <pc:spChg chg="mod">
-          <ac:chgData name="Castegnaro, Andrea" userId="e719bb20-b48f-4237-97c2-e35c3e0dc9cd" providerId="ADAL" clId="{EA726ED7-21E9-4571-946F-912AA8ECBF62}" dt="2025-01-07T18:10:09.497" v="563" actId="20577"/>
-          <ac:spMkLst>
-            <pc:docMk/>
-            <pc:sldMk cId="377400704" sldId="352"/>
-            <ac:spMk id="2" creationId="{32DCA100-7D85-4A3C-9993-92EC37D3F8E2}"/>
-          </ac:spMkLst>
-        </pc:spChg>
-        <pc:spChg chg="add mod">
-          <ac:chgData name="Castegnaro, Andrea" userId="e719bb20-b48f-4237-97c2-e35c3e0dc9cd" providerId="ADAL" clId="{EA726ED7-21E9-4571-946F-912AA8ECBF62}" dt="2025-01-08T14:59:34.126" v="2530" actId="1076"/>
-          <ac:spMkLst>
-            <pc:docMk/>
-            <pc:sldMk cId="377400704" sldId="352"/>
-            <ac:spMk id="7" creationId="{42E2F518-6C96-F2D3-278F-5D12022B56E8}"/>
-          </ac:spMkLst>
-        </pc:spChg>
-        <pc:spChg chg="add mod">
-          <ac:chgData name="Castegnaro, Andrea" userId="e719bb20-b48f-4237-97c2-e35c3e0dc9cd" providerId="ADAL" clId="{EA726ED7-21E9-4571-946F-912AA8ECBF62}" dt="2025-01-08T08:46:10.047" v="1813" actId="20577"/>
-          <ac:spMkLst>
-            <pc:docMk/>
-            <pc:sldMk cId="377400704" sldId="352"/>
-            <ac:spMk id="11" creationId="{AEF708B2-11B2-217B-484B-D40689DABE46}"/>
-          </ac:spMkLst>
-        </pc:spChg>
-        <pc:picChg chg="mod">
-          <ac:chgData name="Castegnaro, Andrea" userId="e719bb20-b48f-4237-97c2-e35c3e0dc9cd" providerId="ADAL" clId="{EA726ED7-21E9-4571-946F-912AA8ECBF62}" dt="2025-01-07T18:10:14.926" v="564" actId="1076"/>
-          <ac:picMkLst>
-            <pc:docMk/>
-            <pc:sldMk cId="377400704" sldId="352"/>
-            <ac:picMk id="22" creationId="{176A24DE-C79E-4977-9605-C81932F7EF78}"/>
-          </ac:picMkLst>
-        </pc:picChg>
-      </pc:sldChg>
-      <pc:sldChg chg="addSp delSp modSp mod">
-        <pc:chgData name="Castegnaro, Andrea" userId="e719bb20-b48f-4237-97c2-e35c3e0dc9cd" providerId="ADAL" clId="{EA726ED7-21E9-4571-946F-912AA8ECBF62}" dt="2025-01-08T11:13:11.719" v="2529" actId="1076"/>
-        <pc:sldMkLst>
-          <pc:docMk/>
-          <pc:sldMk cId="1945739754" sldId="353"/>
-        </pc:sldMkLst>
-        <pc:spChg chg="add mod">
-          <ac:chgData name="Castegnaro, Andrea" userId="e719bb20-b48f-4237-97c2-e35c3e0dc9cd" providerId="ADAL" clId="{EA726ED7-21E9-4571-946F-912AA8ECBF62}" dt="2025-01-08T11:13:11.719" v="2529" actId="1076"/>
-          <ac:spMkLst>
-            <pc:docMk/>
-            <pc:sldMk cId="1945739754" sldId="353"/>
-            <ac:spMk id="4" creationId="{2DF54CD4-DD7B-3025-A902-D87E7E644173}"/>
-          </ac:spMkLst>
-        </pc:spChg>
-        <pc:spChg chg="mod">
-          <ac:chgData name="Castegnaro, Andrea" userId="e719bb20-b48f-4237-97c2-e35c3e0dc9cd" providerId="ADAL" clId="{EA726ED7-21E9-4571-946F-912AA8ECBF62}" dt="2025-01-08T11:11:28.295" v="2495" actId="20577"/>
-          <ac:spMkLst>
-            <pc:docMk/>
-            <pc:sldMk cId="1945739754" sldId="353"/>
-            <ac:spMk id="15" creationId="{04758149-2206-417F-B0F1-728B50DEAB27}"/>
-          </ac:spMkLst>
-        </pc:spChg>
-      </pc:sldChg>
-      <pc:sldChg chg="modSp mod">
-        <pc:chgData name="Castegnaro, Andrea" userId="e719bb20-b48f-4237-97c2-e35c3e0dc9cd" providerId="ADAL" clId="{EA726ED7-21E9-4571-946F-912AA8ECBF62}" dt="2025-01-08T17:38:45.582" v="4013" actId="207"/>
-        <pc:sldMkLst>
-          <pc:docMk/>
-          <pc:sldMk cId="3405773115" sldId="354"/>
-        </pc:sldMkLst>
-        <pc:spChg chg="mod">
-          <ac:chgData name="Castegnaro, Andrea" userId="e719bb20-b48f-4237-97c2-e35c3e0dc9cd" providerId="ADAL" clId="{EA726ED7-21E9-4571-946F-912AA8ECBF62}" dt="2025-01-08T17:38:45.582" v="4013" actId="207"/>
-          <ac:spMkLst>
-            <pc:docMk/>
-            <pc:sldMk cId="3405773115" sldId="354"/>
-            <ac:spMk id="14" creationId="{87F5AB40-035D-483B-BDD4-85D7600BF6C7}"/>
-          </ac:spMkLst>
-        </pc:spChg>
-      </pc:sldChg>
-      <pc:sldChg chg="modSp mod">
-        <pc:chgData name="Castegnaro, Andrea" userId="e719bb20-b48f-4237-97c2-e35c3e0dc9cd" providerId="ADAL" clId="{EA726ED7-21E9-4571-946F-912AA8ECBF62}" dt="2025-01-08T17:39:33.243" v="4037"/>
-        <pc:sldMkLst>
-          <pc:docMk/>
-          <pc:sldMk cId="895912254" sldId="355"/>
-        </pc:sldMkLst>
-        <pc:spChg chg="mod">
-          <ac:chgData name="Castegnaro, Andrea" userId="e719bb20-b48f-4237-97c2-e35c3e0dc9cd" providerId="ADAL" clId="{EA726ED7-21E9-4571-946F-912AA8ECBF62}" dt="2025-01-08T17:39:33.243" v="4037"/>
-          <ac:spMkLst>
-            <pc:docMk/>
-            <pc:sldMk cId="895912254" sldId="355"/>
-            <ac:spMk id="21" creationId="{F66C6189-452B-47D4-9DE5-A9B8AAAFA65B}"/>
-          </ac:spMkLst>
-        </pc:spChg>
-      </pc:sldChg>
-      <pc:sldChg chg="modSp mod">
-        <pc:chgData name="Castegnaro, Andrea" userId="e719bb20-b48f-4237-97c2-e35c3e0dc9cd" providerId="ADAL" clId="{EA726ED7-21E9-4571-946F-912AA8ECBF62}" dt="2025-01-08T17:43:59.956" v="4128" actId="20577"/>
-        <pc:sldMkLst>
-          <pc:docMk/>
-          <pc:sldMk cId="2300573594" sldId="356"/>
-        </pc:sldMkLst>
-        <pc:spChg chg="mod">
-          <ac:chgData name="Castegnaro, Andrea" userId="e719bb20-b48f-4237-97c2-e35c3e0dc9cd" providerId="ADAL" clId="{EA726ED7-21E9-4571-946F-912AA8ECBF62}" dt="2025-01-08T17:43:59.956" v="4128" actId="20577"/>
-          <ac:spMkLst>
-            <pc:docMk/>
-            <pc:sldMk cId="2300573594" sldId="356"/>
-            <ac:spMk id="2" creationId="{32DCA100-7D85-4A3C-9993-92EC37D3F8E2}"/>
-          </ac:spMkLst>
-        </pc:spChg>
-        <pc:spChg chg="mod">
-          <ac:chgData name="Castegnaro, Andrea" userId="e719bb20-b48f-4237-97c2-e35c3e0dc9cd" providerId="ADAL" clId="{EA726ED7-21E9-4571-946F-912AA8ECBF62}" dt="2025-01-08T17:40:30.902" v="4124" actId="20577"/>
-          <ac:spMkLst>
-            <pc:docMk/>
-            <pc:sldMk cId="2300573594" sldId="356"/>
-            <ac:spMk id="14" creationId="{87F5AB40-035D-483B-BDD4-85D7600BF6C7}"/>
-          </ac:spMkLst>
-        </pc:spChg>
-      </pc:sldChg>
-      <pc:sldChg chg="modSp mod">
-        <pc:chgData name="Castegnaro, Andrea" userId="e719bb20-b48f-4237-97c2-e35c3e0dc9cd" providerId="ADAL" clId="{EA726ED7-21E9-4571-946F-912AA8ECBF62}" dt="2025-01-08T17:43:54.872" v="4127" actId="20577"/>
-        <pc:sldMkLst>
-          <pc:docMk/>
-          <pc:sldMk cId="3447784915" sldId="357"/>
-        </pc:sldMkLst>
-        <pc:spChg chg="mod">
-          <ac:chgData name="Castegnaro, Andrea" userId="e719bb20-b48f-4237-97c2-e35c3e0dc9cd" providerId="ADAL" clId="{EA726ED7-21E9-4571-946F-912AA8ECBF62}" dt="2025-01-08T17:43:54.872" v="4127" actId="20577"/>
-          <ac:spMkLst>
-            <pc:docMk/>
-            <pc:sldMk cId="3447784915" sldId="357"/>
-            <ac:spMk id="2" creationId="{32DCA100-7D85-4A3C-9993-92EC37D3F8E2}"/>
-          </ac:spMkLst>
-        </pc:spChg>
-        <pc:spChg chg="mod">
-          <ac:chgData name="Castegnaro, Andrea" userId="e719bb20-b48f-4237-97c2-e35c3e0dc9cd" providerId="ADAL" clId="{EA726ED7-21E9-4571-946F-912AA8ECBF62}" dt="2025-01-08T17:40:48.442" v="4125" actId="6549"/>
-          <ac:spMkLst>
-            <pc:docMk/>
-            <pc:sldMk cId="3447784915" sldId="357"/>
-            <ac:spMk id="14" creationId="{87F5AB40-035D-483B-BDD4-85D7600BF6C7}"/>
-          </ac:spMkLst>
-        </pc:spChg>
-      </pc:sldChg>
-      <pc:sldChg chg="modSp mod">
-        <pc:chgData name="Castegnaro, Andrea" userId="e719bb20-b48f-4237-97c2-e35c3e0dc9cd" providerId="ADAL" clId="{EA726ED7-21E9-4571-946F-912AA8ECBF62}" dt="2025-01-08T17:47:24.283" v="4173"/>
-        <pc:sldMkLst>
-          <pc:docMk/>
-          <pc:sldMk cId="2445088666" sldId="358"/>
-        </pc:sldMkLst>
-        <pc:spChg chg="mod">
-          <ac:chgData name="Castegnaro, Andrea" userId="e719bb20-b48f-4237-97c2-e35c3e0dc9cd" providerId="ADAL" clId="{EA726ED7-21E9-4571-946F-912AA8ECBF62}" dt="2025-01-08T17:47:24.283" v="4173"/>
-          <ac:spMkLst>
-            <pc:docMk/>
-            <pc:sldMk cId="2445088666" sldId="358"/>
-            <ac:spMk id="14" creationId="{B5A5C79F-5A72-4A7E-B1C7-5B18A5F68B8D}"/>
-          </ac:spMkLst>
-        </pc:spChg>
-      </pc:sldChg>
-      <pc:sldChg chg="modSp mod">
-        <pc:chgData name="Castegnaro, Andrea" userId="e719bb20-b48f-4237-97c2-e35c3e0dc9cd" providerId="ADAL" clId="{EA726ED7-21E9-4571-946F-912AA8ECBF62}" dt="2025-01-08T17:50:43.334" v="4309" actId="20577"/>
-        <pc:sldMkLst>
-          <pc:docMk/>
-          <pc:sldMk cId="721496837" sldId="359"/>
-        </pc:sldMkLst>
-        <pc:spChg chg="mod">
-          <ac:chgData name="Castegnaro, Andrea" userId="e719bb20-b48f-4237-97c2-e35c3e0dc9cd" providerId="ADAL" clId="{EA726ED7-21E9-4571-946F-912AA8ECBF62}" dt="2025-01-08T17:50:43.334" v="4309" actId="20577"/>
-          <ac:spMkLst>
-            <pc:docMk/>
-            <pc:sldMk cId="721496837" sldId="359"/>
-            <ac:spMk id="3" creationId="{780435C9-5DBC-4F47-AF8A-976FB0A75DE2}"/>
-          </ac:spMkLst>
-        </pc:spChg>
-      </pc:sldChg>
-    </pc:docChg>
-  </pc:docChgLst>
-  <pc:docChgLst>
-    <pc:chgData name="Castegnaro, Andrea" userId="e719bb20-b48f-4237-97c2-e35c3e0dc9cd" providerId="ADAL" clId="{037A3883-25D0-4F73-9F98-EE8D87CB790F}"/>
-    <pc:docChg chg="undo custSel modSld">
-      <pc:chgData name="Castegnaro, Andrea" userId="e719bb20-b48f-4237-97c2-e35c3e0dc9cd" providerId="ADAL" clId="{037A3883-25D0-4F73-9F98-EE8D87CB790F}" dt="2025-02-13T20:30:17.638" v="732" actId="1036"/>
-      <pc:docMkLst>
-        <pc:docMk/>
-      </pc:docMkLst>
-      <pc:sldChg chg="addSp delSp modSp mod">
-        <pc:chgData name="Castegnaro, Andrea" userId="e719bb20-b48f-4237-97c2-e35c3e0dc9cd" providerId="ADAL" clId="{037A3883-25D0-4F73-9F98-EE8D87CB790F}" dt="2025-02-13T20:30:17.638" v="732" actId="1036"/>
-        <pc:sldMkLst>
-          <pc:docMk/>
-          <pc:sldMk cId="721496837" sldId="359"/>
-        </pc:sldMkLst>
-        <pc:spChg chg="mod">
-          <ac:chgData name="Castegnaro, Andrea" userId="e719bb20-b48f-4237-97c2-e35c3e0dc9cd" providerId="ADAL" clId="{037A3883-25D0-4F73-9F98-EE8D87CB790F}" dt="2025-02-13T20:27:06.281" v="301" actId="20577"/>
-          <ac:spMkLst>
-            <pc:docMk/>
-            <pc:sldMk cId="721496837" sldId="359"/>
-            <ac:spMk id="2" creationId="{32DCA100-7D85-4A3C-9993-92EC37D3F8E2}"/>
-          </ac:spMkLst>
-        </pc:spChg>
-        <pc:spChg chg="mod">
-          <ac:chgData name="Castegnaro, Andrea" userId="e719bb20-b48f-4237-97c2-e35c3e0dc9cd" providerId="ADAL" clId="{037A3883-25D0-4F73-9F98-EE8D87CB790F}" dt="2025-02-13T20:24:25.373" v="84" actId="20577"/>
-          <ac:spMkLst>
-            <pc:docMk/>
-            <pc:sldMk cId="721496837" sldId="359"/>
-            <ac:spMk id="3" creationId="{780435C9-5DBC-4F47-AF8A-976FB0A75DE2}"/>
-          </ac:spMkLst>
-        </pc:spChg>
-        <pc:spChg chg="add del">
-          <ac:chgData name="Castegnaro, Andrea" userId="e719bb20-b48f-4237-97c2-e35c3e0dc9cd" providerId="ADAL" clId="{037A3883-25D0-4F73-9F98-EE8D87CB790F}" dt="2025-02-13T20:23:48.363" v="71" actId="22"/>
-          <ac:spMkLst>
-            <pc:docMk/>
-            <pc:sldMk cId="721496837" sldId="359"/>
-            <ac:spMk id="5" creationId="{51E49A9B-AE64-3756-B55E-4DB93F80DF02}"/>
-          </ac:spMkLst>
-        </pc:spChg>
-        <pc:spChg chg="add mod">
-          <ac:chgData name="Castegnaro, Andrea" userId="e719bb20-b48f-4237-97c2-e35c3e0dc9cd" providerId="ADAL" clId="{037A3883-25D0-4F73-9F98-EE8D87CB790F}" dt="2025-02-13T20:30:17.638" v="732" actId="1036"/>
-          <ac:spMkLst>
-            <pc:docMk/>
-            <pc:sldMk cId="721496837" sldId="359"/>
-            <ac:spMk id="6" creationId="{EE97DC39-1324-63C1-1EC5-DF920FA69083}"/>
-          </ac:spMkLst>
-        </pc:spChg>
-        <pc:spChg chg="add mod">
-          <ac:chgData name="Castegnaro, Andrea" userId="e719bb20-b48f-4237-97c2-e35c3e0dc9cd" providerId="ADAL" clId="{037A3883-25D0-4F73-9F98-EE8D87CB790F}" dt="2025-02-13T20:30:08.096" v="717" actId="20577"/>
-          <ac:spMkLst>
-            <pc:docMk/>
-            <pc:sldMk cId="721496837" sldId="359"/>
-            <ac:spMk id="7" creationId="{2C2624CF-DB8D-C8E2-7F4C-17B332C6D3EF}"/>
-          </ac:spMkLst>
-        </pc:spChg>
-        <pc:spChg chg="del">
-          <ac:chgData name="Castegnaro, Andrea" userId="e719bb20-b48f-4237-97c2-e35c3e0dc9cd" providerId="ADAL" clId="{037A3883-25D0-4F73-9F98-EE8D87CB790F}" dt="2025-02-13T20:23:43.002" v="68" actId="478"/>
-          <ac:spMkLst>
-            <pc:docMk/>
-            <pc:sldMk cId="721496837" sldId="359"/>
-            <ac:spMk id="28" creationId="{178A5322-6472-4351-86AE-1D5F1289C9BB}"/>
-          </ac:spMkLst>
-        </pc:spChg>
-        <pc:spChg chg="del">
-          <ac:chgData name="Castegnaro, Andrea" userId="e719bb20-b48f-4237-97c2-e35c3e0dc9cd" providerId="ADAL" clId="{037A3883-25D0-4F73-9F98-EE8D87CB790F}" dt="2025-02-13T20:23:43.002" v="68" actId="478"/>
-          <ac:spMkLst>
-            <pc:docMk/>
-            <pc:sldMk cId="721496837" sldId="359"/>
-            <ac:spMk id="29" creationId="{7EB9AEBC-EF72-442A-8518-8ACCBAF56B07}"/>
-          </ac:spMkLst>
-        </pc:spChg>
-        <pc:spChg chg="del">
-          <ac:chgData name="Castegnaro, Andrea" userId="e719bb20-b48f-4237-97c2-e35c3e0dc9cd" providerId="ADAL" clId="{037A3883-25D0-4F73-9F98-EE8D87CB790F}" dt="2025-02-13T20:23:43.002" v="68" actId="478"/>
-          <ac:spMkLst>
-            <pc:docMk/>
-            <pc:sldMk cId="721496837" sldId="359"/>
-            <ac:spMk id="31" creationId="{75C935CC-BC46-43A5-ACD7-3BCD6084597C}"/>
-          </ac:spMkLst>
-        </pc:spChg>
-        <pc:spChg chg="del">
-          <ac:chgData name="Castegnaro, Andrea" userId="e719bb20-b48f-4237-97c2-e35c3e0dc9cd" providerId="ADAL" clId="{037A3883-25D0-4F73-9F98-EE8D87CB790F}" dt="2025-02-13T20:23:43.002" v="68" actId="478"/>
-          <ac:spMkLst>
-            <pc:docMk/>
-            <pc:sldMk cId="721496837" sldId="359"/>
-            <ac:spMk id="35" creationId="{CC0A4CA9-2D18-49E4-A17D-9432CF3661C6}"/>
-          </ac:spMkLst>
-        </pc:spChg>
-        <pc:spChg chg="del">
-          <ac:chgData name="Castegnaro, Andrea" userId="e719bb20-b48f-4237-97c2-e35c3e0dc9cd" providerId="ADAL" clId="{037A3883-25D0-4F73-9F98-EE8D87CB790F}" dt="2025-02-13T20:23:37.645" v="67" actId="478"/>
-          <ac:spMkLst>
-            <pc:docMk/>
-            <pc:sldMk cId="721496837" sldId="359"/>
-            <ac:spMk id="38" creationId="{7F0C18EC-CEDC-44FC-8C6A-C3E54D26B1B8}"/>
-          </ac:spMkLst>
-        </pc:spChg>
-        <pc:grpChg chg="del">
-          <ac:chgData name="Castegnaro, Andrea" userId="e719bb20-b48f-4237-97c2-e35c3e0dc9cd" providerId="ADAL" clId="{037A3883-25D0-4F73-9F98-EE8D87CB790F}" dt="2025-02-13T20:23:43.002" v="68" actId="478"/>
-          <ac:grpSpMkLst>
-            <pc:docMk/>
-            <pc:sldMk cId="721496837" sldId="359"/>
-            <ac:grpSpMk id="9" creationId="{3597F9B4-38E6-43F6-A84A-FE0ADE6E0FA8}"/>
-          </ac:grpSpMkLst>
-        </pc:grpChg>
-        <pc:picChg chg="del">
-          <ac:chgData name="Castegnaro, Andrea" userId="e719bb20-b48f-4237-97c2-e35c3e0dc9cd" providerId="ADAL" clId="{037A3883-25D0-4F73-9F98-EE8D87CB790F}" dt="2025-02-13T20:23:44.505" v="69" actId="478"/>
-          <ac:picMkLst>
-            <pc:docMk/>
-            <pc:sldMk cId="721496837" sldId="359"/>
-            <ac:picMk id="47" creationId="{F71EC9DD-86C7-467E-A297-35AEF77779B4}"/>
-          </ac:picMkLst>
-        </pc:picChg>
-        <pc:cxnChg chg="del">
-          <ac:chgData name="Castegnaro, Andrea" userId="e719bb20-b48f-4237-97c2-e35c3e0dc9cd" providerId="ADAL" clId="{037A3883-25D0-4F73-9F98-EE8D87CB790F}" dt="2025-02-13T20:23:43.002" v="68" actId="478"/>
-          <ac:cxnSpMkLst>
-            <pc:docMk/>
-            <pc:sldMk cId="721496837" sldId="359"/>
-            <ac:cxnSpMk id="12" creationId="{69454F0E-F02B-4156-9D2F-8A6358BB90D5}"/>
-          </ac:cxnSpMkLst>
-        </pc:cxnChg>
-        <pc:cxnChg chg="del">
-          <ac:chgData name="Castegnaro, Andrea" userId="e719bb20-b48f-4237-97c2-e35c3e0dc9cd" providerId="ADAL" clId="{037A3883-25D0-4F73-9F98-EE8D87CB790F}" dt="2025-02-13T20:23:43.002" v="68" actId="478"/>
-          <ac:cxnSpMkLst>
-            <pc:docMk/>
-            <pc:sldMk cId="721496837" sldId="359"/>
-            <ac:cxnSpMk id="14" creationId="{BBE1E19F-437C-4678-92F6-34C0ACA5189C}"/>
-          </ac:cxnSpMkLst>
-        </pc:cxnChg>
-        <pc:cxnChg chg="del">
-          <ac:chgData name="Castegnaro, Andrea" userId="e719bb20-b48f-4237-97c2-e35c3e0dc9cd" providerId="ADAL" clId="{037A3883-25D0-4F73-9F98-EE8D87CB790F}" dt="2025-02-13T20:23:43.002" v="68" actId="478"/>
-          <ac:cxnSpMkLst>
-            <pc:docMk/>
-            <pc:sldMk cId="721496837" sldId="359"/>
-            <ac:cxnSpMk id="16" creationId="{52DE95F4-D325-4C77-883C-FF59B561E876}"/>
-          </ac:cxnSpMkLst>
-        </pc:cxnChg>
-        <pc:cxnChg chg="del">
-          <ac:chgData name="Castegnaro, Andrea" userId="e719bb20-b48f-4237-97c2-e35c3e0dc9cd" providerId="ADAL" clId="{037A3883-25D0-4F73-9F98-EE8D87CB790F}" dt="2025-02-13T20:23:43.002" v="68" actId="478"/>
-          <ac:cxnSpMkLst>
-            <pc:docMk/>
-            <pc:sldMk cId="721496837" sldId="359"/>
-            <ac:cxnSpMk id="19" creationId="{762325B7-B925-4428-8377-59DAD7738D11}"/>
-          </ac:cxnSpMkLst>
-        </pc:cxnChg>
-        <pc:cxnChg chg="del">
-          <ac:chgData name="Castegnaro, Andrea" userId="e719bb20-b48f-4237-97c2-e35c3e0dc9cd" providerId="ADAL" clId="{037A3883-25D0-4F73-9F98-EE8D87CB790F}" dt="2025-02-13T20:23:43.002" v="68" actId="478"/>
-          <ac:cxnSpMkLst>
-            <pc:docMk/>
-            <pc:sldMk cId="721496837" sldId="359"/>
-            <ac:cxnSpMk id="27" creationId="{84370CA1-9905-47C0-A1FE-D14EC0512EBD}"/>
-          </ac:cxnSpMkLst>
-        </pc:cxnChg>
-      </pc:sldChg>
-    </pc:docChg>
-  </pc:docChgLst>
 </pc:chgInfo>
 </file>
 
@@ -1567,7 +1567,7 @@
           <a:p>
             <a:fld id="{108F974D-30EB-482A-858D-B0239C636283}" type="datetimeFigureOut">
               <a:rPr lang="en-GB" smtClean="0"/>
-              <a:t>13/02/2025</a:t>
+              <a:t>13/02/2026</a:t>
             </a:fld>
             <a:endParaRPr lang="en-GB"/>
           </a:p>
@@ -2385,7 +2385,7 @@
           <a:p>
             <a:fld id="{67EA9CA8-AF1D-364D-8B3E-7A1E9A0F85E0}" type="datetimeFigureOut">
               <a:rPr lang="en-US" smtClean="0"/>
-              <a:t>2/13/2025</a:t>
+              <a:t>2/13/2026</a:t>
             </a:fld>
             <a:endParaRPr lang="en-US"/>
           </a:p>
@@ -2492,7 +2492,7 @@
           <a:p>
             <a:fld id="{67EA9CA8-AF1D-364D-8B3E-7A1E9A0F85E0}" type="datetimeFigureOut">
               <a:rPr lang="en-US" smtClean="0"/>
-              <a:t>2/13/2025</a:t>
+              <a:t>2/13/2026</a:t>
             </a:fld>
             <a:endParaRPr lang="en-US"/>
           </a:p>
@@ -2661,7 +2661,7 @@
           <a:p>
             <a:fld id="{67EA9CA8-AF1D-364D-8B3E-7A1E9A0F85E0}" type="datetimeFigureOut">
               <a:rPr lang="en-US" smtClean="0"/>
-              <a:t>2/13/2025</a:t>
+              <a:t>2/13/2026</a:t>
             </a:fld>
             <a:endParaRPr lang="en-US" dirty="0"/>
           </a:p>
@@ -2997,7 +2997,7 @@
             <a:fld id="{67EA9CA8-AF1D-364D-8B3E-7A1E9A0F85E0}" type="datetimeFigureOut">
               <a:rPr lang="en-US" smtClean="0"/>
               <a:pPr/>
-              <a:t>2/13/2025</a:t>
+              <a:t>2/13/2026</a:t>
             </a:fld>
             <a:endParaRPr lang="en-US" dirty="0"/>
           </a:p>
@@ -3369,7 +3369,7 @@
             <a:fld id="{67EA9CA8-AF1D-364D-8B3E-7A1E9A0F85E0}" type="datetimeFigureOut">
               <a:rPr lang="en-US" smtClean="0"/>
               <a:pPr/>
-              <a:t>2/13/2025</a:t>
+              <a:t>2/13/2026</a:t>
             </a:fld>
             <a:endParaRPr lang="en-US" dirty="0"/>
           </a:p>
@@ -3705,7 +3705,7 @@
             <a:fld id="{67EA9CA8-AF1D-364D-8B3E-7A1E9A0F85E0}" type="datetimeFigureOut">
               <a:rPr lang="en-US" smtClean="0"/>
               <a:pPr/>
-              <a:t>2/13/2025</a:t>
+              <a:t>2/13/2026</a:t>
             </a:fld>
             <a:endParaRPr lang="en-US" dirty="0"/>
           </a:p>
@@ -4041,7 +4041,7 @@
             <a:fld id="{67EA9CA8-AF1D-364D-8B3E-7A1E9A0F85E0}" type="datetimeFigureOut">
               <a:rPr lang="en-US" smtClean="0"/>
               <a:pPr/>
-              <a:t>2/13/2025</a:t>
+              <a:t>2/13/2026</a:t>
             </a:fld>
             <a:endParaRPr lang="en-US" dirty="0"/>
           </a:p>
@@ -4377,7 +4377,7 @@
             <a:fld id="{67EA9CA8-AF1D-364D-8B3E-7A1E9A0F85E0}" type="datetimeFigureOut">
               <a:rPr lang="en-US" smtClean="0"/>
               <a:pPr/>
-              <a:t>2/13/2025</a:t>
+              <a:t>2/13/2026</a:t>
             </a:fld>
             <a:endParaRPr lang="en-US" dirty="0"/>
           </a:p>
@@ -4713,7 +4713,7 @@
             <a:fld id="{67EA9CA8-AF1D-364D-8B3E-7A1E9A0F85E0}" type="datetimeFigureOut">
               <a:rPr lang="en-US" smtClean="0"/>
               <a:pPr/>
-              <a:t>2/13/2025</a:t>
+              <a:t>2/13/2026</a:t>
             </a:fld>
             <a:endParaRPr lang="en-US" dirty="0"/>
           </a:p>
@@ -5085,7 +5085,7 @@
             <a:fld id="{67EA9CA8-AF1D-364D-8B3E-7A1E9A0F85E0}" type="datetimeFigureOut">
               <a:rPr lang="en-US" smtClean="0"/>
               <a:pPr/>
-              <a:t>2/13/2025</a:t>
+              <a:t>2/13/2026</a:t>
             </a:fld>
             <a:endParaRPr lang="en-US" dirty="0"/>
           </a:p>
@@ -5482,7 +5482,7 @@
           <a:p>
             <a:fld id="{67EA9CA8-AF1D-364D-8B3E-7A1E9A0F85E0}" type="datetimeFigureOut">
               <a:rPr lang="en-US" smtClean="0"/>
-              <a:t>2/13/2025</a:t>
+              <a:t>2/13/2026</a:t>
             </a:fld>
             <a:endParaRPr lang="en-US" dirty="0"/>
           </a:p>
@@ -6431,7 +6431,15 @@
                 </a:pPr>
                 <a:r>
                   <a:rPr lang="en-GB" sz="2400" dirty="0"/>
-                  <a:t>Open PTB</a:t>
+                  <a:t>Open </a:t>
+                </a:r>
+                <a:r>
+                  <a:rPr lang="en-GB" sz="2400" dirty="0" err="1"/>
+                  <a:t>PsychoPy</a:t>
+                </a:r>
+                <a:r>
+                  <a:rPr lang="en-GB" sz="2400" dirty="0"/>
+                  <a:t> Window</a:t>
                 </a:r>
               </a:p>
             </p:txBody>
@@ -6628,7 +6636,15 @@
                 </a:pPr>
                 <a:r>
                   <a:rPr lang="en-GB" sz="2400" dirty="0"/>
-                  <a:t>Close PTB</a:t>
+                  <a:t>Close </a:t>
+                </a:r>
+                <a:r>
+                  <a:rPr lang="en-GB" sz="2400" dirty="0" err="1"/>
+                  <a:t>PsychoPy</a:t>
+                </a:r>
+                <a:r>
+                  <a:rPr lang="en-GB" sz="2400" dirty="0"/>
+                  <a:t> Window</a:t>
                 </a:r>
               </a:p>
             </p:txBody>
@@ -6696,7 +6712,15 @@
               </a:pPr>
               <a:r>
                 <a:rPr lang="en-GB" dirty="0"/>
-                <a:t>Initialize PTB + ext. devices</a:t>
+                <a:t>Initialize </a:t>
+              </a:r>
+              <a:r>
+                <a:rPr lang="en-GB" dirty="0" err="1"/>
+                <a:t>PsychoPy</a:t>
+              </a:r>
+              <a:r>
+                <a:rPr lang="en-GB" dirty="0"/>
+                <a:t> + ext. devices</a:t>
               </a:r>
               <a:endParaRPr lang="en-GB" sz="2800" dirty="0"/>
             </a:p>
@@ -8034,7 +8058,15 @@
                 </a:pPr>
                 <a:r>
                   <a:rPr lang="en-GB" sz="2400" dirty="0"/>
-                  <a:t>Open PTB</a:t>
+                  <a:t>Open </a:t>
+                </a:r>
+                <a:r>
+                  <a:rPr lang="en-GB" sz="2400" dirty="0" err="1"/>
+                  <a:t>PsychoPy</a:t>
+                </a:r>
+                <a:r>
+                  <a:rPr lang="en-GB" sz="2400" dirty="0"/>
+                  <a:t> Window</a:t>
                 </a:r>
               </a:p>
             </p:txBody>
@@ -8231,7 +8263,15 @@
                 </a:pPr>
                 <a:r>
                   <a:rPr lang="en-GB" sz="2400" dirty="0"/>
-                  <a:t>Close PTB</a:t>
+                  <a:t>Close </a:t>
+                </a:r>
+                <a:r>
+                  <a:rPr lang="en-GB" sz="2400" dirty="0" err="1"/>
+                  <a:t>PsychoPy</a:t>
+                </a:r>
+                <a:r>
+                  <a:rPr lang="en-GB" sz="2400" dirty="0"/>
+                  <a:t> Window</a:t>
                 </a:r>
               </a:p>
             </p:txBody>
@@ -8299,7 +8339,15 @@
               </a:pPr>
               <a:r>
                 <a:rPr lang="en-GB" dirty="0"/>
-                <a:t>Initialize PTB + ext. devices</a:t>
+                <a:t>Initialize </a:t>
+              </a:r>
+              <a:r>
+                <a:rPr lang="en-GB" dirty="0" err="1"/>
+                <a:t>PsychoPy</a:t>
+              </a:r>
+              <a:r>
+                <a:rPr lang="en-GB" dirty="0"/>
+                <a:t> + ext. devices</a:t>
               </a:r>
               <a:endParaRPr lang="en-GB" sz="2800" dirty="0"/>
             </a:p>
@@ -9392,7 +9440,15 @@
                 </a:pPr>
                 <a:r>
                   <a:rPr lang="en-GB" sz="2400" dirty="0"/>
-                  <a:t>Open PTB</a:t>
+                  <a:t>Open </a:t>
+                </a:r>
+                <a:r>
+                  <a:rPr lang="en-GB" sz="2400" dirty="0" err="1"/>
+                  <a:t>PsychoPy</a:t>
+                </a:r>
+                <a:r>
+                  <a:rPr lang="en-GB" sz="2400" dirty="0"/>
+                  <a:t> Window</a:t>
                 </a:r>
               </a:p>
             </p:txBody>
@@ -9605,7 +9661,15 @@
                 </a:pPr>
                 <a:r>
                   <a:rPr lang="en-GB" sz="2400" dirty="0"/>
-                  <a:t>Close PTB</a:t>
+                  <a:t>Close </a:t>
+                </a:r>
+                <a:r>
+                  <a:rPr lang="en-GB" sz="2400" dirty="0" err="1"/>
+                  <a:t>PsychoPy</a:t>
+                </a:r>
+                <a:r>
+                  <a:rPr lang="en-GB" sz="2400" dirty="0"/>
+                  <a:t> Window</a:t>
                 </a:r>
               </a:p>
             </p:txBody>
@@ -9673,7 +9737,15 @@
               </a:pPr>
               <a:r>
                 <a:rPr lang="en-GB" dirty="0"/>
-                <a:t>Initialize PTB + ext. devices</a:t>
+                <a:t>Initialize </a:t>
+              </a:r>
+              <a:r>
+                <a:rPr lang="en-GB" dirty="0" err="1"/>
+                <a:t>PsychoPy</a:t>
+              </a:r>
+              <a:r>
+                <a:rPr lang="en-GB" dirty="0"/>
+                <a:t> + ext. devices</a:t>
               </a:r>
               <a:endParaRPr lang="en-GB" sz="2800" dirty="0"/>
             </a:p>
@@ -10208,7 +10280,15 @@
                 </a:pPr>
                 <a:r>
                   <a:rPr lang="en-GB" sz="2400" dirty="0"/>
-                  <a:t>Open PTB</a:t>
+                  <a:t>Open </a:t>
+                </a:r>
+                <a:r>
+                  <a:rPr lang="en-GB" sz="2400" dirty="0" err="1"/>
+                  <a:t>PsychoPy</a:t>
+                </a:r>
+                <a:r>
+                  <a:rPr lang="en-GB" sz="2400" dirty="0"/>
+                  <a:t> Window</a:t>
                 </a:r>
               </a:p>
             </p:txBody>
@@ -10439,7 +10519,15 @@
                 </a:pPr>
                 <a:r>
                   <a:rPr lang="en-GB" sz="2400" dirty="0"/>
-                  <a:t>Close PTB</a:t>
+                  <a:t>Close </a:t>
+                </a:r>
+                <a:r>
+                  <a:rPr lang="en-GB" sz="2400" dirty="0" err="1"/>
+                  <a:t>PsychoPy</a:t>
+                </a:r>
+                <a:r>
+                  <a:rPr lang="en-GB" sz="2400" dirty="0"/>
+                  <a:t> Window</a:t>
                 </a:r>
               </a:p>
             </p:txBody>
@@ -10507,7 +10595,15 @@
               </a:pPr>
               <a:r>
                 <a:rPr lang="en-GB" dirty="0"/>
-                <a:t>Initialize PTB + ext. devices</a:t>
+                <a:t>Initialize </a:t>
+              </a:r>
+              <a:r>
+                <a:rPr lang="en-GB" dirty="0" err="1"/>
+                <a:t>PsychoPy</a:t>
+              </a:r>
+              <a:r>
+                <a:rPr lang="en-GB" dirty="0"/>
+                <a:t> + ext. devices</a:t>
               </a:r>
               <a:endParaRPr lang="en-GB" sz="2800" dirty="0"/>
             </a:p>
@@ -11433,7 +11529,15 @@
                 </a:pPr>
                 <a:r>
                   <a:rPr lang="en-GB" sz="2400" dirty="0"/>
-                  <a:t>Open PTB</a:t>
+                  <a:t>Open </a:t>
+                </a:r>
+                <a:r>
+                  <a:rPr lang="en-GB" sz="2400" dirty="0" err="1"/>
+                  <a:t>PsychoPy</a:t>
+                </a:r>
+                <a:r>
+                  <a:rPr lang="en-GB" sz="2400" dirty="0"/>
+                  <a:t> Window</a:t>
                 </a:r>
               </a:p>
             </p:txBody>
@@ -11682,7 +11786,15 @@
                 </a:pPr>
                 <a:r>
                   <a:rPr lang="en-GB" sz="2400" dirty="0"/>
-                  <a:t>Close PTB</a:t>
+                  <a:t>Close </a:t>
+                </a:r>
+                <a:r>
+                  <a:rPr lang="en-GB" sz="2400" dirty="0" err="1"/>
+                  <a:t>PsychoPy</a:t>
+                </a:r>
+                <a:r>
+                  <a:rPr lang="en-GB" sz="2400" dirty="0"/>
+                  <a:t> Window</a:t>
                 </a:r>
               </a:p>
             </p:txBody>
@@ -11750,7 +11862,15 @@
               </a:pPr>
               <a:r>
                 <a:rPr lang="en-GB" dirty="0"/>
-                <a:t>Initialize PTB + ext. devices</a:t>
+                <a:t>Initialize </a:t>
+              </a:r>
+              <a:r>
+                <a:rPr lang="en-GB" dirty="0" err="1"/>
+                <a:t>PsychoPy</a:t>
+              </a:r>
+              <a:r>
+                <a:rPr lang="en-GB" dirty="0"/>
+                <a:t> + ext. devices</a:t>
               </a:r>
               <a:endParaRPr lang="en-GB" sz="2800" dirty="0"/>
             </a:p>
@@ -18567,13 +18687,13 @@
         </p:nvSpPr>
         <p:spPr>
           <a:xfrm>
-            <a:off x="379563" y="1678445"/>
-            <a:ext cx="11432873" cy="646430"/>
+            <a:off x="379563" y="1652567"/>
+            <a:ext cx="11432873" cy="1273724"/>
           </a:xfrm>
         </p:spPr>
         <p:txBody>
           <a:bodyPr>
-            <a:normAutofit/>
+            <a:normAutofit fontScale="92500" lnSpcReduction="20000"/>
           </a:bodyPr>
           <a:lstStyle/>
           <a:p>
@@ -18581,33 +18701,104 @@
               <a:buNone/>
             </a:pPr>
             <a:r>
-              <a:rPr lang="en-GB" sz="1800" dirty="0"/>
-              <a:t>For playing audios, </a:t>
-            </a:r>
-            <a:r>
-              <a:rPr lang="en-GB" sz="1800" i="1" dirty="0" err="1"/>
-              <a:t>PsychoPy</a:t>
-            </a:r>
-            <a:r>
-              <a:rPr lang="en-GB" sz="1800" i="1" dirty="0"/>
-              <a:t> </a:t>
-            </a:r>
-            <a:r>
-              <a:rPr lang="en-GB" sz="1800" dirty="0"/>
-              <a:t>has a sound class that works using different backends. There are also various libraries external to </a:t>
-            </a:r>
-            <a:r>
-              <a:rPr lang="en-GB" sz="1800" i="1" dirty="0" err="1"/>
-              <a:t>PsychoPy</a:t>
-            </a:r>
-            <a:r>
-              <a:rPr lang="en-GB" sz="1800" i="1" dirty="0"/>
-              <a:t> </a:t>
-            </a:r>
-            <a:r>
-              <a:rPr lang="en-GB" sz="1800" dirty="0"/>
-              <a:t>that manages audio with low latency</a:t>
-            </a:r>
+              <a:rPr lang="en-US" sz="1800" dirty="0"/>
+              <a:t>The </a:t>
+            </a:r>
+            <a:r>
+              <a:rPr lang="en-US" sz="1800" i="1" dirty="0"/>
+              <a:t>sound</a:t>
+            </a:r>
+            <a:r>
+              <a:rPr lang="en-US" sz="1800" dirty="0"/>
+              <a:t> module provides a simple interface for audio playback in experiments.</a:t>
+            </a:r>
+          </a:p>
+          <a:p>
+            <a:pPr marL="0" indent="0">
+              <a:buNone/>
+            </a:pPr>
+            <a:endParaRPr lang="en-US" sz="1800" dirty="0"/>
+          </a:p>
+          <a:p>
+            <a:pPr marL="0" indent="0">
+              <a:buNone/>
+            </a:pPr>
+            <a:r>
+              <a:rPr lang="en-US" sz="1800" dirty="0"/>
+              <a:t>You can generate tones by frequency (</a:t>
+            </a:r>
+            <a:r>
+              <a:rPr lang="en-US" sz="1800" i="1" dirty="0"/>
+              <a:t>Sound(value=440)</a:t>
+            </a:r>
+            <a:r>
+              <a:rPr lang="en-US" sz="1800" dirty="0"/>
+              <a:t>), play note names (</a:t>
+            </a:r>
+            <a:r>
+              <a:rPr lang="en-US" sz="1800" i="1" dirty="0"/>
+              <a:t>'A', 'C'</a:t>
+            </a:r>
+            <a:r>
+              <a:rPr lang="en-US" sz="1800" dirty="0"/>
+              <a:t>), or load audio files (</a:t>
+            </a:r>
+            <a:r>
+              <a:rPr lang="en-US" sz="1800" i="1" dirty="0"/>
+              <a:t>Sound(value='file.wav’)</a:t>
+            </a:r>
+            <a:r>
+              <a:rPr lang="en-US" sz="1800" dirty="0"/>
+              <a:t>). </a:t>
+            </a:r>
+          </a:p>
+          <a:p>
+            <a:pPr marL="0" indent="0">
+              <a:buNone/>
+            </a:pPr>
+            <a:endParaRPr lang="en-US" sz="1800" dirty="0"/>
+          </a:p>
+          <a:p>
+            <a:pPr marL="0" indent="0">
+              <a:buNone/>
+            </a:pPr>
+            <a:r>
+              <a:rPr lang="en-US" sz="1800" dirty="0"/>
+              <a:t>Key parameters include secs (</a:t>
+            </a:r>
+            <a:r>
+              <a:rPr lang="en-US" sz="1800" i="1" dirty="0"/>
+              <a:t>duration</a:t>
+            </a:r>
+            <a:r>
+              <a:rPr lang="en-US" sz="1800" dirty="0"/>
+              <a:t>), </a:t>
+            </a:r>
+            <a:r>
+              <a:rPr lang="en-US" sz="1800" i="1" dirty="0"/>
+              <a:t>volume</a:t>
+            </a:r>
+            <a:r>
+              <a:rPr lang="en-US" sz="1800" dirty="0"/>
+              <a:t> (0–1), and playback is controlled via </a:t>
+            </a:r>
+            <a:r>
+              <a:rPr lang="en-US" sz="1800" i="1" dirty="0"/>
+              <a:t>.play() </a:t>
+            </a:r>
+            <a:r>
+              <a:rPr lang="en-US" sz="1800" dirty="0"/>
+              <a:t>and </a:t>
+            </a:r>
+            <a:r>
+              <a:rPr lang="en-US" sz="1800" i="1" dirty="0"/>
+              <a:t>.stop()</a:t>
+            </a:r>
+            <a:r>
+              <a:rPr lang="en-US" sz="1800" dirty="0"/>
+              <a:t>.</a:t>
+            </a:r>
+            <a:endParaRPr lang="en-GB" sz="1800" i="1" dirty="0"/>
           </a:p>
           <a:p>
             <a:pPr marL="0" indent="0">
@@ -18619,12 +18810,6 @@
             <a:pPr marL="0" indent="0">
               <a:buNone/>
             </a:pPr>
-            <a:endParaRPr lang="en-GB" sz="1800" i="1" dirty="0"/>
-          </a:p>
-          <a:p>
-            <a:pPr marL="0" indent="0">
-              <a:buNone/>
-            </a:pPr>
             <a:endParaRPr lang="en-GB" sz="1800" dirty="0"/>
           </a:p>
           <a:p>
@@ -18632,91 +18817,6 @@
               <a:buNone/>
             </a:pPr>
             <a:endParaRPr lang="en-GB" sz="2000" dirty="0"/>
-          </a:p>
-        </p:txBody>
-      </p:sp>
-      <p:sp>
-        <p:nvSpPr>
-          <p:cNvPr id="23" name="TextBox 22">
-            <a:extLst>
-              <a:ext uri="{FF2B5EF4-FFF2-40B4-BE49-F238E27FC236}">
-                <a16:creationId xmlns:a16="http://schemas.microsoft.com/office/drawing/2014/main" id="{1A1C57A1-CD9E-756A-E39B-8A33B990E231}"/>
-              </a:ext>
-            </a:extLst>
-          </p:cNvPr>
-          <p:cNvSpPr txBox="1"/>
-          <p:nvPr/>
-        </p:nvSpPr>
-        <p:spPr>
-          <a:xfrm>
-            <a:off x="4354756" y="2391627"/>
-            <a:ext cx="3482488" cy="286360"/>
-          </a:xfrm>
-          <a:prstGeom prst="rect">
-            <a:avLst/>
-          </a:prstGeom>
-          <a:solidFill>
-            <a:schemeClr val="tx1"/>
-          </a:solidFill>
-        </p:spPr>
-        <p:txBody>
-          <a:bodyPr wrap="square">
-            <a:spAutoFit/>
-          </a:bodyPr>
-          <a:lstStyle/>
-          <a:p>
-            <a:pPr>
-              <a:lnSpc>
-                <a:spcPts val="1425"/>
-              </a:lnSpc>
-            </a:pPr>
-            <a:r>
-              <a:rPr lang="en-US" b="0" dirty="0" err="1">
-                <a:solidFill>
-                  <a:srgbClr val="FFFF00"/>
-                </a:solidFill>
-                <a:effectLst/>
-                <a:latin typeface="Consolas" panose="020B0609020204030204" pitchFamily="49" charset="0"/>
-              </a:rPr>
-              <a:t>pipenv</a:t>
-            </a:r>
-            <a:r>
-              <a:rPr lang="en-US" b="0" dirty="0">
-                <a:solidFill>
-                  <a:srgbClr val="9CDCFE"/>
-                </a:solidFill>
-                <a:effectLst/>
-                <a:latin typeface="Consolas" panose="020B0609020204030204" pitchFamily="49" charset="0"/>
-              </a:rPr>
-              <a:t> </a:t>
-            </a:r>
-            <a:r>
-              <a:rPr lang="en-US" b="0" dirty="0">
-                <a:solidFill>
-                  <a:schemeClr val="bg1"/>
-                </a:solidFill>
-                <a:effectLst/>
-                <a:latin typeface="Consolas" panose="020B0609020204030204" pitchFamily="49" charset="0"/>
-              </a:rPr>
-              <a:t>install </a:t>
-            </a:r>
-            <a:r>
-              <a:rPr lang="en-US" b="0" dirty="0" err="1">
-                <a:solidFill>
-                  <a:schemeClr val="bg1"/>
-                </a:solidFill>
-                <a:effectLst/>
-                <a:latin typeface="Consolas" panose="020B0609020204030204" pitchFamily="49" charset="0"/>
-              </a:rPr>
-              <a:t>sounddevice</a:t>
-            </a:r>
-            <a:endParaRPr lang="en-US" b="0" dirty="0">
-              <a:solidFill>
-                <a:schemeClr val="bg1"/>
-              </a:solidFill>
-              <a:effectLst/>
-              <a:latin typeface="Consolas" panose="020B0609020204030204" pitchFamily="49" charset="0"/>
-            </a:endParaRPr>
           </a:p>
         </p:txBody>
       </p:sp>
@@ -18736,7 +18836,7 @@
         </p:nvSpPr>
         <p:spPr>
           <a:xfrm>
-            <a:off x="379563" y="2797445"/>
+            <a:off x="379563" y="2305739"/>
             <a:ext cx="11432873" cy="646430"/>
           </a:xfrm>
           <a:prstGeom prst="rect">
@@ -18916,16 +19016,6 @@
               <a:buFont typeface="Arial" panose="020B0604020202020204" pitchFamily="34" charset="0"/>
               <a:buNone/>
             </a:pPr>
-            <a:r>
-              <a:rPr lang="en-GB" sz="1800" dirty="0"/>
-              <a:t>Once you have your sound library of choice you can either play a tone, or play simple audio from a file</a:t>
-            </a:r>
-          </a:p>
-          <a:p>
-            <a:pPr marL="0" indent="0">
-              <a:buFont typeface="Arial" panose="020B0604020202020204" pitchFamily="34" charset="0"/>
-              <a:buNone/>
-            </a:pPr>
             <a:endParaRPr lang="en-GB" sz="1800" i="1" dirty="0"/>
           </a:p>
           <a:p>
@@ -18965,8 +19055,8 @@
         </p:nvSpPr>
         <p:spPr>
           <a:xfrm>
-            <a:off x="163589" y="3500438"/>
-            <a:ext cx="5718811" cy="2956322"/>
+            <a:off x="163589" y="3034608"/>
+            <a:ext cx="5718811" cy="1543115"/>
           </a:xfrm>
           <a:prstGeom prst="rect">
             <a:avLst/>
@@ -18983,625 +19073,232 @@
           <a:p>
             <a:pPr>
               <a:lnSpc>
-                <a:spcPct val="150000"/>
+                <a:spcPts val="1425"/>
               </a:lnSpc>
+              <a:buNone/>
             </a:pPr>
-            <a:r>
-              <a:rPr lang="en-GB" b="0" dirty="0">
-                <a:solidFill>
-                  <a:srgbClr val="9CDCFE"/>
-                </a:solidFill>
-                <a:effectLst/>
-                <a:latin typeface="Consolas" panose="020B0609020204030204" pitchFamily="49" charset="0"/>
-              </a:rPr>
-              <a:t>t</a:t>
-            </a:r>
-            <a:r>
-              <a:rPr lang="en-GB" b="0" dirty="0">
-                <a:solidFill>
-                  <a:srgbClr val="CCCCCC"/>
-                </a:solidFill>
-                <a:effectLst/>
-                <a:latin typeface="Consolas" panose="020B0609020204030204" pitchFamily="49" charset="0"/>
-              </a:rPr>
-              <a:t> </a:t>
-            </a:r>
-            <a:r>
-              <a:rPr lang="en-GB" b="0" dirty="0">
-                <a:solidFill>
-                  <a:srgbClr val="D4D4D4"/>
-                </a:solidFill>
-                <a:effectLst/>
-                <a:latin typeface="Consolas" panose="020B0609020204030204" pitchFamily="49" charset="0"/>
-              </a:rPr>
-              <a:t>=</a:t>
-            </a:r>
-            <a:r>
-              <a:rPr lang="en-GB" b="0" dirty="0">
-                <a:solidFill>
-                  <a:srgbClr val="CCCCCC"/>
-                </a:solidFill>
-                <a:effectLst/>
-                <a:latin typeface="Consolas" panose="020B0609020204030204" pitchFamily="49" charset="0"/>
-              </a:rPr>
-              <a:t> </a:t>
-            </a:r>
-            <a:r>
-              <a:rPr lang="en-GB" b="0" dirty="0" err="1">
-                <a:solidFill>
-                  <a:srgbClr val="4EC9B0"/>
-                </a:solidFill>
-                <a:effectLst/>
-                <a:latin typeface="Consolas" panose="020B0609020204030204" pitchFamily="49" charset="0"/>
-              </a:rPr>
-              <a:t>np</a:t>
-            </a:r>
-            <a:r>
-              <a:rPr lang="en-GB" b="0" dirty="0" err="1">
-                <a:solidFill>
-                  <a:srgbClr val="CCCCCC"/>
-                </a:solidFill>
-                <a:effectLst/>
-                <a:latin typeface="Consolas" panose="020B0609020204030204" pitchFamily="49" charset="0"/>
-              </a:rPr>
-              <a:t>.</a:t>
-            </a:r>
-            <a:r>
-              <a:rPr lang="en-GB" b="0" dirty="0" err="1">
-                <a:solidFill>
-                  <a:srgbClr val="DCDCAA"/>
-                </a:solidFill>
-                <a:effectLst/>
-                <a:latin typeface="Consolas" panose="020B0609020204030204" pitchFamily="49" charset="0"/>
-              </a:rPr>
-              <a:t>linspace</a:t>
-            </a:r>
-            <a:r>
-              <a:rPr lang="en-GB" b="0" dirty="0">
-                <a:solidFill>
-                  <a:srgbClr val="CCCCCC"/>
-                </a:solidFill>
-                <a:effectLst/>
-                <a:latin typeface="Consolas" panose="020B0609020204030204" pitchFamily="49" charset="0"/>
-              </a:rPr>
-              <a:t>(</a:t>
-            </a:r>
-            <a:r>
-              <a:rPr lang="en-GB" b="0" dirty="0">
-                <a:solidFill>
-                  <a:srgbClr val="B5CEA8"/>
-                </a:solidFill>
-                <a:effectLst/>
-                <a:latin typeface="Consolas" panose="020B0609020204030204" pitchFamily="49" charset="0"/>
-              </a:rPr>
-              <a:t>0</a:t>
-            </a:r>
-            <a:r>
-              <a:rPr lang="en-GB" b="0" dirty="0">
-                <a:solidFill>
-                  <a:srgbClr val="CCCCCC"/>
-                </a:solidFill>
-                <a:effectLst/>
-                <a:latin typeface="Consolas" panose="020B0609020204030204" pitchFamily="49" charset="0"/>
-              </a:rPr>
-              <a:t>, </a:t>
-            </a:r>
+            <a:endParaRPr lang="en-US" b="0" dirty="0">
+              <a:solidFill>
+                <a:srgbClr val="9CDCFE"/>
+              </a:solidFill>
+              <a:effectLst/>
+              <a:latin typeface="Consolas" panose="020B0609020204030204" pitchFamily="49" charset="0"/>
+            </a:endParaRPr>
           </a:p>
           <a:p>
             <a:pPr>
               <a:lnSpc>
-                <a:spcPct val="150000"/>
+                <a:spcPts val="1425"/>
               </a:lnSpc>
+              <a:buNone/>
             </a:pPr>
             <a:r>
-              <a:rPr lang="en-GB" b="0" dirty="0">
+              <a:rPr lang="en-US" b="0" dirty="0" err="1">
                 <a:solidFill>
                   <a:srgbClr val="9CDCFE"/>
                 </a:solidFill>
                 <a:effectLst/>
                 <a:latin typeface="Consolas" panose="020B0609020204030204" pitchFamily="49" charset="0"/>
               </a:rPr>
-              <a:t>	duration</a:t>
-            </a:r>
-            <a:r>
-              <a:rPr lang="en-GB" b="0" dirty="0">
+              <a:t>wav_sound</a:t>
+            </a:r>
+            <a:r>
+              <a:rPr lang="en-US" b="0" dirty="0">
                 <a:solidFill>
                   <a:srgbClr val="CCCCCC"/>
                 </a:solidFill>
                 <a:effectLst/>
                 <a:latin typeface="Consolas" panose="020B0609020204030204" pitchFamily="49" charset="0"/>
               </a:rPr>
-              <a:t>,</a:t>
+              <a:t> </a:t>
+            </a:r>
+            <a:r>
+              <a:rPr lang="en-US" b="0" dirty="0">
+                <a:solidFill>
+                  <a:srgbClr val="D4D4D4"/>
+                </a:solidFill>
+                <a:effectLst/>
+                <a:latin typeface="Consolas" panose="020B0609020204030204" pitchFamily="49" charset="0"/>
+              </a:rPr>
+              <a:t>=</a:t>
+            </a:r>
+            <a:r>
+              <a:rPr lang="en-US" b="0" dirty="0">
+                <a:solidFill>
+                  <a:srgbClr val="CCCCCC"/>
+                </a:solidFill>
+                <a:effectLst/>
+                <a:latin typeface="Consolas" panose="020B0609020204030204" pitchFamily="49" charset="0"/>
+              </a:rPr>
+              <a:t> </a:t>
+            </a:r>
+            <a:r>
+              <a:rPr lang="en-US" b="0" dirty="0" err="1">
+                <a:solidFill>
+                  <a:srgbClr val="4EC9B0"/>
+                </a:solidFill>
+                <a:effectLst/>
+                <a:latin typeface="Consolas" panose="020B0609020204030204" pitchFamily="49" charset="0"/>
+              </a:rPr>
+              <a:t>sound</a:t>
+            </a:r>
+            <a:r>
+              <a:rPr lang="en-US" b="0" dirty="0" err="1">
+                <a:solidFill>
+                  <a:srgbClr val="CCCCCC"/>
+                </a:solidFill>
+                <a:effectLst/>
+                <a:latin typeface="Consolas" panose="020B0609020204030204" pitchFamily="49" charset="0"/>
+              </a:rPr>
+              <a:t>.</a:t>
+            </a:r>
+            <a:r>
+              <a:rPr lang="en-US" b="0" dirty="0" err="1">
+                <a:solidFill>
+                  <a:srgbClr val="4EC9B0"/>
+                </a:solidFill>
+                <a:effectLst/>
+                <a:latin typeface="Consolas" panose="020B0609020204030204" pitchFamily="49" charset="0"/>
+              </a:rPr>
+              <a:t>Sound</a:t>
+            </a:r>
+            <a:r>
+              <a:rPr lang="en-US" b="0" dirty="0">
+                <a:solidFill>
+                  <a:srgbClr val="CCCCCC"/>
+                </a:solidFill>
+                <a:effectLst/>
+                <a:latin typeface="Consolas" panose="020B0609020204030204" pitchFamily="49" charset="0"/>
+              </a:rPr>
+              <a:t>(</a:t>
+            </a:r>
+            <a:r>
+              <a:rPr lang="en-US" b="0" dirty="0">
+                <a:solidFill>
+                  <a:srgbClr val="9CDCFE"/>
+                </a:solidFill>
+                <a:effectLst/>
+                <a:latin typeface="Consolas" panose="020B0609020204030204" pitchFamily="49" charset="0"/>
+              </a:rPr>
+              <a:t>value</a:t>
+            </a:r>
+            <a:r>
+              <a:rPr lang="en-US" b="0" dirty="0">
+                <a:solidFill>
+                  <a:srgbClr val="D4D4D4"/>
+                </a:solidFill>
+                <a:effectLst/>
+                <a:latin typeface="Consolas" panose="020B0609020204030204" pitchFamily="49" charset="0"/>
+              </a:rPr>
+              <a:t>=</a:t>
+            </a:r>
+            <a:r>
+              <a:rPr lang="en-US" b="0" dirty="0" err="1">
+                <a:solidFill>
+                  <a:srgbClr val="9CDCFE"/>
+                </a:solidFill>
+                <a:effectLst/>
+                <a:latin typeface="Consolas" panose="020B0609020204030204" pitchFamily="49" charset="0"/>
+              </a:rPr>
+              <a:t>file_path</a:t>
+            </a:r>
+            <a:r>
+              <a:rPr lang="en-US" b="0" dirty="0">
+                <a:solidFill>
+                  <a:srgbClr val="CCCCCC"/>
+                </a:solidFill>
+                <a:effectLst/>
+                <a:latin typeface="Consolas" panose="020B0609020204030204" pitchFamily="49" charset="0"/>
+              </a:rPr>
+              <a:t>)</a:t>
             </a:r>
           </a:p>
           <a:p>
             <a:pPr>
               <a:lnSpc>
-                <a:spcPct val="150000"/>
+                <a:spcPts val="1425"/>
               </a:lnSpc>
+              <a:buNone/>
             </a:pPr>
-            <a:r>
-              <a:rPr lang="en-GB" dirty="0">
-                <a:solidFill>
-                  <a:srgbClr val="CCCCCC"/>
-                </a:solidFill>
-                <a:latin typeface="Consolas" panose="020B0609020204030204" pitchFamily="49" charset="0"/>
-              </a:rPr>
-              <a:t>	</a:t>
-            </a:r>
-            <a:r>
-              <a:rPr lang="en-GB" b="0" dirty="0">
-                <a:solidFill>
-                  <a:srgbClr val="4EC9B0"/>
-                </a:solidFill>
-                <a:effectLst/>
-                <a:latin typeface="Consolas" panose="020B0609020204030204" pitchFamily="49" charset="0"/>
-              </a:rPr>
-              <a:t>int</a:t>
-            </a:r>
-            <a:r>
-              <a:rPr lang="en-GB" b="0" dirty="0">
-                <a:solidFill>
-                  <a:srgbClr val="CCCCCC"/>
-                </a:solidFill>
-                <a:effectLst/>
-                <a:latin typeface="Consolas" panose="020B0609020204030204" pitchFamily="49" charset="0"/>
-              </a:rPr>
-              <a:t>(</a:t>
-            </a:r>
-            <a:r>
-              <a:rPr lang="en-GB" b="0" dirty="0" err="1">
-                <a:solidFill>
-                  <a:srgbClr val="9CDCFE"/>
-                </a:solidFill>
-                <a:effectLst/>
-                <a:latin typeface="Consolas" panose="020B0609020204030204" pitchFamily="49" charset="0"/>
-              </a:rPr>
-              <a:t>sample_rate</a:t>
-            </a:r>
-            <a:r>
-              <a:rPr lang="en-GB" b="0" dirty="0">
-                <a:solidFill>
-                  <a:srgbClr val="CCCCCC"/>
-                </a:solidFill>
-                <a:effectLst/>
-                <a:latin typeface="Consolas" panose="020B0609020204030204" pitchFamily="49" charset="0"/>
-              </a:rPr>
-              <a:t> </a:t>
-            </a:r>
-            <a:r>
-              <a:rPr lang="en-GB" b="0" dirty="0">
-                <a:solidFill>
-                  <a:srgbClr val="D4D4D4"/>
-                </a:solidFill>
-                <a:effectLst/>
-                <a:latin typeface="Consolas" panose="020B0609020204030204" pitchFamily="49" charset="0"/>
-              </a:rPr>
-              <a:t>*</a:t>
-            </a:r>
-            <a:r>
-              <a:rPr lang="en-GB" b="0" dirty="0">
-                <a:solidFill>
-                  <a:srgbClr val="CCCCCC"/>
-                </a:solidFill>
-                <a:effectLst/>
-                <a:latin typeface="Consolas" panose="020B0609020204030204" pitchFamily="49" charset="0"/>
-              </a:rPr>
-              <a:t> </a:t>
-            </a:r>
-            <a:r>
-              <a:rPr lang="en-GB" b="0" dirty="0">
-                <a:solidFill>
-                  <a:srgbClr val="9CDCFE"/>
-                </a:solidFill>
-                <a:effectLst/>
-                <a:latin typeface="Consolas" panose="020B0609020204030204" pitchFamily="49" charset="0"/>
-              </a:rPr>
-              <a:t>duration</a:t>
-            </a:r>
-            <a:r>
-              <a:rPr lang="en-GB" b="0" dirty="0">
-                <a:solidFill>
-                  <a:srgbClr val="CCCCCC"/>
-                </a:solidFill>
-                <a:effectLst/>
-                <a:latin typeface="Consolas" panose="020B0609020204030204" pitchFamily="49" charset="0"/>
-              </a:rPr>
-              <a:t>))</a:t>
-            </a:r>
+            <a:endParaRPr lang="en-US" dirty="0">
+              <a:solidFill>
+                <a:srgbClr val="CCCCCC"/>
+              </a:solidFill>
+              <a:latin typeface="Consolas" panose="020B0609020204030204" pitchFamily="49" charset="0"/>
+            </a:endParaRPr>
           </a:p>
           <a:p>
             <a:pPr>
               <a:lnSpc>
-                <a:spcPct val="150000"/>
+                <a:spcPts val="1425"/>
               </a:lnSpc>
+              <a:buNone/>
             </a:pPr>
             <a:r>
-              <a:rPr lang="en-GB" b="0" dirty="0">
+              <a:rPr lang="en-US" b="0" dirty="0" err="1">
                 <a:solidFill>
                   <a:srgbClr val="9CDCFE"/>
                 </a:solidFill>
                 <a:effectLst/>
                 <a:latin typeface="Consolas" panose="020B0609020204030204" pitchFamily="49" charset="0"/>
               </a:rPr>
-              <a:t>tone</a:t>
-            </a:r>
-            <a:r>
-              <a:rPr lang="en-GB" b="0" dirty="0">
+              <a:t>wav_sound</a:t>
+            </a:r>
+            <a:r>
+              <a:rPr lang="en-US" b="0" dirty="0" err="1">
                 <a:solidFill>
                   <a:srgbClr val="CCCCCC"/>
                 </a:solidFill>
                 <a:effectLst/>
                 <a:latin typeface="Consolas" panose="020B0609020204030204" pitchFamily="49" charset="0"/>
               </a:rPr>
-              <a:t> </a:t>
-            </a:r>
-            <a:r>
-              <a:rPr lang="en-GB" b="0" dirty="0">
-                <a:solidFill>
-                  <a:srgbClr val="D4D4D4"/>
-                </a:solidFill>
-                <a:effectLst/>
-                <a:latin typeface="Consolas" panose="020B0609020204030204" pitchFamily="49" charset="0"/>
-              </a:rPr>
-              <a:t>=</a:t>
-            </a:r>
-            <a:r>
-              <a:rPr lang="en-GB" b="0" dirty="0">
+              <a:t>.play</a:t>
+            </a:r>
+            <a:r>
+              <a:rPr lang="en-US" b="0" dirty="0">
                 <a:solidFill>
                   <a:srgbClr val="CCCCCC"/>
                 </a:solidFill>
                 <a:effectLst/>
                 <a:latin typeface="Consolas" panose="020B0609020204030204" pitchFamily="49" charset="0"/>
               </a:rPr>
-              <a:t> </a:t>
-            </a:r>
-            <a:r>
-              <a:rPr lang="en-GB" b="0" dirty="0">
-                <a:solidFill>
-                  <a:srgbClr val="9CDCFE"/>
-                </a:solidFill>
-                <a:effectLst/>
-                <a:latin typeface="Consolas" panose="020B0609020204030204" pitchFamily="49" charset="0"/>
-              </a:rPr>
-              <a:t>amplitude</a:t>
-            </a:r>
-            <a:r>
-              <a:rPr lang="en-GB" b="0" dirty="0">
-                <a:solidFill>
-                  <a:srgbClr val="CCCCCC"/>
-                </a:solidFill>
-                <a:effectLst/>
-                <a:latin typeface="Consolas" panose="020B0609020204030204" pitchFamily="49" charset="0"/>
-              </a:rPr>
-              <a:t> </a:t>
-            </a:r>
-            <a:r>
-              <a:rPr lang="en-GB" b="0" dirty="0">
-                <a:solidFill>
-                  <a:srgbClr val="D4D4D4"/>
-                </a:solidFill>
-                <a:effectLst/>
-                <a:latin typeface="Consolas" panose="020B0609020204030204" pitchFamily="49" charset="0"/>
-              </a:rPr>
-              <a:t>*</a:t>
-            </a:r>
-            <a:r>
-              <a:rPr lang="en-GB" b="0" dirty="0">
-                <a:solidFill>
-                  <a:srgbClr val="CCCCCC"/>
-                </a:solidFill>
-                <a:effectLst/>
-                <a:latin typeface="Consolas" panose="020B0609020204030204" pitchFamily="49" charset="0"/>
-              </a:rPr>
-              <a:t> </a:t>
-            </a:r>
-            <a:r>
-              <a:rPr lang="en-GB" b="0" dirty="0" err="1">
-                <a:solidFill>
-                  <a:srgbClr val="4EC9B0"/>
-                </a:solidFill>
-                <a:effectLst/>
-                <a:latin typeface="Consolas" panose="020B0609020204030204" pitchFamily="49" charset="0"/>
-              </a:rPr>
-              <a:t>np</a:t>
-            </a:r>
-            <a:r>
-              <a:rPr lang="en-GB" b="0" dirty="0" err="1">
-                <a:solidFill>
-                  <a:srgbClr val="CCCCCC"/>
-                </a:solidFill>
-                <a:effectLst/>
-                <a:latin typeface="Consolas" panose="020B0609020204030204" pitchFamily="49" charset="0"/>
-              </a:rPr>
-              <a:t>.</a:t>
-            </a:r>
-            <a:r>
-              <a:rPr lang="en-GB" b="0" dirty="0" err="1">
-                <a:solidFill>
-                  <a:srgbClr val="9CDCFE"/>
-                </a:solidFill>
-                <a:effectLst/>
-                <a:latin typeface="Consolas" panose="020B0609020204030204" pitchFamily="49" charset="0"/>
-              </a:rPr>
-              <a:t>sin</a:t>
-            </a:r>
-            <a:r>
-              <a:rPr lang="en-GB" b="0" dirty="0">
-                <a:solidFill>
-                  <a:srgbClr val="CCCCCC"/>
-                </a:solidFill>
-                <a:effectLst/>
-                <a:latin typeface="Consolas" panose="020B0609020204030204" pitchFamily="49" charset="0"/>
-              </a:rPr>
-              <a:t>(</a:t>
-            </a:r>
-            <a:r>
-              <a:rPr lang="en-GB" b="0" dirty="0">
-                <a:solidFill>
-                  <a:srgbClr val="B5CEA8"/>
-                </a:solidFill>
-                <a:effectLst/>
-                <a:latin typeface="Consolas" panose="020B0609020204030204" pitchFamily="49" charset="0"/>
-              </a:rPr>
-              <a:t>2</a:t>
-            </a:r>
-            <a:r>
-              <a:rPr lang="en-GB" b="0" dirty="0">
-                <a:solidFill>
-                  <a:srgbClr val="CCCCCC"/>
-                </a:solidFill>
-                <a:effectLst/>
-                <a:latin typeface="Consolas" panose="020B0609020204030204" pitchFamily="49" charset="0"/>
-              </a:rPr>
-              <a:t> </a:t>
-            </a:r>
-            <a:r>
-              <a:rPr lang="en-GB" b="0" dirty="0">
-                <a:solidFill>
-                  <a:srgbClr val="D4D4D4"/>
-                </a:solidFill>
-                <a:effectLst/>
-                <a:latin typeface="Consolas" panose="020B0609020204030204" pitchFamily="49" charset="0"/>
-              </a:rPr>
-              <a:t>*</a:t>
-            </a:r>
-            <a:r>
-              <a:rPr lang="en-GB" b="0" dirty="0">
-                <a:solidFill>
-                  <a:srgbClr val="CCCCCC"/>
-                </a:solidFill>
-                <a:effectLst/>
-                <a:latin typeface="Consolas" panose="020B0609020204030204" pitchFamily="49" charset="0"/>
-              </a:rPr>
-              <a:t> </a:t>
-            </a:r>
-            <a:r>
-              <a:rPr lang="en-GB" b="0" dirty="0" err="1">
-                <a:solidFill>
-                  <a:srgbClr val="4EC9B0"/>
-                </a:solidFill>
-                <a:effectLst/>
-                <a:latin typeface="Consolas" panose="020B0609020204030204" pitchFamily="49" charset="0"/>
-              </a:rPr>
-              <a:t>np</a:t>
-            </a:r>
-            <a:r>
-              <a:rPr lang="en-GB" b="0" dirty="0" err="1">
-                <a:solidFill>
-                  <a:srgbClr val="CCCCCC"/>
-                </a:solidFill>
-                <a:effectLst/>
-                <a:latin typeface="Consolas" panose="020B0609020204030204" pitchFamily="49" charset="0"/>
-              </a:rPr>
-              <a:t>.</a:t>
-            </a:r>
-            <a:r>
-              <a:rPr lang="en-GB" b="0" dirty="0" err="1">
-                <a:solidFill>
-                  <a:srgbClr val="9CDCFE"/>
-                </a:solidFill>
-                <a:effectLst/>
-                <a:latin typeface="Consolas" panose="020B0609020204030204" pitchFamily="49" charset="0"/>
-              </a:rPr>
-              <a:t>pi</a:t>
-            </a:r>
-            <a:r>
-              <a:rPr lang="en-GB" b="0" dirty="0">
-                <a:solidFill>
-                  <a:srgbClr val="CCCCCC"/>
-                </a:solidFill>
-                <a:effectLst/>
-                <a:latin typeface="Consolas" panose="020B0609020204030204" pitchFamily="49" charset="0"/>
-              </a:rPr>
-              <a:t> </a:t>
-            </a:r>
-            <a:r>
-              <a:rPr lang="en-GB" b="0" dirty="0">
-                <a:solidFill>
-                  <a:srgbClr val="D4D4D4"/>
-                </a:solidFill>
-                <a:effectLst/>
-                <a:latin typeface="Consolas" panose="020B0609020204030204" pitchFamily="49" charset="0"/>
-              </a:rPr>
-              <a:t>*</a:t>
-            </a:r>
-            <a:r>
-              <a:rPr lang="en-GB" b="0" dirty="0">
-                <a:solidFill>
-                  <a:srgbClr val="CCCCCC"/>
-                </a:solidFill>
-                <a:effectLst/>
-                <a:latin typeface="Consolas" panose="020B0609020204030204" pitchFamily="49" charset="0"/>
-              </a:rPr>
-              <a:t> </a:t>
-            </a:r>
-            <a:r>
-              <a:rPr lang="en-GB" b="0" dirty="0">
-                <a:solidFill>
-                  <a:srgbClr val="9CDCFE"/>
-                </a:solidFill>
-                <a:effectLst/>
-                <a:latin typeface="Consolas" panose="020B0609020204030204" pitchFamily="49" charset="0"/>
-              </a:rPr>
-              <a:t>frequency</a:t>
-            </a:r>
-            <a:r>
-              <a:rPr lang="en-GB" b="0" dirty="0">
-                <a:solidFill>
-                  <a:srgbClr val="CCCCCC"/>
-                </a:solidFill>
-                <a:effectLst/>
-                <a:latin typeface="Consolas" panose="020B0609020204030204" pitchFamily="49" charset="0"/>
-              </a:rPr>
-              <a:t> </a:t>
-            </a:r>
-            <a:r>
-              <a:rPr lang="en-GB" b="0" dirty="0">
-                <a:solidFill>
-                  <a:srgbClr val="D4D4D4"/>
-                </a:solidFill>
-                <a:effectLst/>
-                <a:latin typeface="Consolas" panose="020B0609020204030204" pitchFamily="49" charset="0"/>
-              </a:rPr>
-              <a:t>*</a:t>
-            </a:r>
-            <a:r>
-              <a:rPr lang="en-GB" b="0" dirty="0">
-                <a:solidFill>
-                  <a:srgbClr val="CCCCCC"/>
-                </a:solidFill>
-                <a:effectLst/>
-                <a:latin typeface="Consolas" panose="020B0609020204030204" pitchFamily="49" charset="0"/>
-              </a:rPr>
-              <a:t> </a:t>
-            </a:r>
-            <a:r>
-              <a:rPr lang="en-GB" b="0" dirty="0">
-                <a:solidFill>
-                  <a:srgbClr val="9CDCFE"/>
-                </a:solidFill>
-                <a:effectLst/>
-                <a:latin typeface="Consolas" panose="020B0609020204030204" pitchFamily="49" charset="0"/>
-              </a:rPr>
-              <a:t>t</a:t>
-            </a:r>
-            <a:r>
-              <a:rPr lang="en-GB" b="0" dirty="0">
-                <a:solidFill>
-                  <a:srgbClr val="CCCCCC"/>
-                </a:solidFill>
-                <a:effectLst/>
-                <a:latin typeface="Consolas" panose="020B0609020204030204" pitchFamily="49" charset="0"/>
-              </a:rPr>
-              <a:t>)</a:t>
+              <a:t>()</a:t>
             </a:r>
           </a:p>
           <a:p>
             <a:pPr>
               <a:lnSpc>
-                <a:spcPct val="150000"/>
+                <a:spcPts val="1425"/>
               </a:lnSpc>
+              <a:buNone/>
             </a:pPr>
-            <a:r>
-              <a:rPr lang="en-GB" b="0" dirty="0" err="1">
-                <a:solidFill>
-                  <a:srgbClr val="4EC9B0"/>
-                </a:solidFill>
-                <a:effectLst/>
-                <a:latin typeface="Consolas" panose="020B0609020204030204" pitchFamily="49" charset="0"/>
-              </a:rPr>
-              <a:t>sd</a:t>
-            </a:r>
-            <a:r>
-              <a:rPr lang="en-GB" b="0" dirty="0" err="1">
-                <a:solidFill>
-                  <a:srgbClr val="CCCCCC"/>
-                </a:solidFill>
-                <a:effectLst/>
-                <a:latin typeface="Consolas" panose="020B0609020204030204" pitchFamily="49" charset="0"/>
-              </a:rPr>
-              <a:t>.</a:t>
-            </a:r>
-            <a:r>
-              <a:rPr lang="en-GB" b="0" dirty="0" err="1">
-                <a:solidFill>
-                  <a:srgbClr val="DCDCAA"/>
-                </a:solidFill>
-                <a:effectLst/>
-                <a:latin typeface="Consolas" panose="020B0609020204030204" pitchFamily="49" charset="0"/>
-              </a:rPr>
-              <a:t>play</a:t>
-            </a:r>
-            <a:r>
-              <a:rPr lang="en-GB" b="0" dirty="0">
-                <a:solidFill>
-                  <a:srgbClr val="CCCCCC"/>
-                </a:solidFill>
-                <a:effectLst/>
-                <a:latin typeface="Consolas" panose="020B0609020204030204" pitchFamily="49" charset="0"/>
-              </a:rPr>
-              <a:t>(</a:t>
-            </a:r>
-            <a:r>
-              <a:rPr lang="en-GB" b="0" dirty="0">
-                <a:solidFill>
-                  <a:srgbClr val="9CDCFE"/>
-                </a:solidFill>
-                <a:effectLst/>
-                <a:latin typeface="Consolas" panose="020B0609020204030204" pitchFamily="49" charset="0"/>
-              </a:rPr>
-              <a:t>tone</a:t>
-            </a:r>
-            <a:r>
-              <a:rPr lang="en-GB" b="0" dirty="0">
-                <a:solidFill>
-                  <a:srgbClr val="CCCCCC"/>
-                </a:solidFill>
-                <a:effectLst/>
-                <a:latin typeface="Consolas" panose="020B0609020204030204" pitchFamily="49" charset="0"/>
-              </a:rPr>
-              <a:t>, </a:t>
-            </a:r>
-            <a:r>
-              <a:rPr lang="en-GB" b="0" dirty="0" err="1">
-                <a:solidFill>
-                  <a:srgbClr val="9CDCFE"/>
-                </a:solidFill>
-                <a:effectLst/>
-                <a:latin typeface="Consolas" panose="020B0609020204030204" pitchFamily="49" charset="0"/>
-              </a:rPr>
-              <a:t>sample_rate</a:t>
-            </a:r>
-            <a:r>
-              <a:rPr lang="en-GB" b="0" dirty="0">
-                <a:solidFill>
-                  <a:srgbClr val="CCCCCC"/>
-                </a:solidFill>
-                <a:effectLst/>
-                <a:latin typeface="Consolas" panose="020B0609020204030204" pitchFamily="49" charset="0"/>
-              </a:rPr>
-              <a:t>)</a:t>
-            </a:r>
+            <a:endParaRPr lang="en-US" b="0" dirty="0">
+              <a:solidFill>
+                <a:srgbClr val="4EC9B0"/>
+              </a:solidFill>
+              <a:effectLst/>
+              <a:latin typeface="Consolas" panose="020B0609020204030204" pitchFamily="49" charset="0"/>
+            </a:endParaRPr>
           </a:p>
           <a:p>
             <a:pPr>
               <a:lnSpc>
-                <a:spcPct val="150000"/>
+                <a:spcPts val="1425"/>
               </a:lnSpc>
+              <a:buNone/>
             </a:pPr>
             <a:r>
-              <a:rPr lang="en-GB" b="0" dirty="0" err="1">
+              <a:rPr lang="en-US" b="0" dirty="0" err="1">
                 <a:solidFill>
                   <a:srgbClr val="4EC9B0"/>
                 </a:solidFill>
                 <a:effectLst/>
                 <a:latin typeface="Consolas" panose="020B0609020204030204" pitchFamily="49" charset="0"/>
               </a:rPr>
-              <a:t>sd</a:t>
-            </a:r>
-            <a:r>
-              <a:rPr lang="en-GB" b="0" dirty="0" err="1">
+              <a:t>core</a:t>
+            </a:r>
+            <a:r>
+              <a:rPr lang="en-US" b="0" dirty="0" err="1">
                 <a:solidFill>
                   <a:srgbClr val="CCCCCC"/>
                 </a:solidFill>
@@ -19611,7 +19308,7 @@
               <a:t>.</a:t>
             </a:r>
             <a:r>
-              <a:rPr lang="en-GB" b="0" dirty="0" err="1">
+              <a:rPr lang="en-US" b="0" dirty="0" err="1">
                 <a:solidFill>
                   <a:srgbClr val="DCDCAA"/>
                 </a:solidFill>
@@ -19621,7 +19318,90 @@
               <a:t>wait</a:t>
             </a:r>
             <a:r>
-              <a:rPr lang="en-GB" b="0" dirty="0">
+              <a:rPr lang="en-US" b="0" dirty="0">
+                <a:solidFill>
+                  <a:srgbClr val="CCCCCC"/>
+                </a:solidFill>
+                <a:effectLst/>
+                <a:latin typeface="Consolas" panose="020B0609020204030204" pitchFamily="49" charset="0"/>
+              </a:rPr>
+              <a:t>(</a:t>
+            </a:r>
+            <a:r>
+              <a:rPr lang="en-US" b="0" dirty="0" err="1">
+                <a:solidFill>
+                  <a:srgbClr val="9CDCFE"/>
+                </a:solidFill>
+                <a:effectLst/>
+                <a:latin typeface="Consolas" panose="020B0609020204030204" pitchFamily="49" charset="0"/>
+              </a:rPr>
+              <a:t>wav_sound</a:t>
+            </a:r>
+            <a:r>
+              <a:rPr lang="en-US" b="0" dirty="0" err="1">
+                <a:solidFill>
+                  <a:srgbClr val="CCCCCC"/>
+                </a:solidFill>
+                <a:effectLst/>
+                <a:latin typeface="Consolas" panose="020B0609020204030204" pitchFamily="49" charset="0"/>
+              </a:rPr>
+              <a:t>.getDuration</a:t>
+            </a:r>
+            <a:r>
+              <a:rPr lang="en-US" b="0" dirty="0">
+                <a:solidFill>
+                  <a:srgbClr val="CCCCCC"/>
+                </a:solidFill>
+                <a:effectLst/>
+                <a:latin typeface="Consolas" panose="020B0609020204030204" pitchFamily="49" charset="0"/>
+              </a:rPr>
+              <a:t>())</a:t>
+            </a:r>
+          </a:p>
+          <a:p>
+            <a:pPr>
+              <a:lnSpc>
+                <a:spcPts val="1425"/>
+              </a:lnSpc>
+              <a:buNone/>
+            </a:pPr>
+            <a:endParaRPr lang="en-US" b="0" dirty="0">
+              <a:solidFill>
+                <a:srgbClr val="CCCCCC"/>
+              </a:solidFill>
+              <a:effectLst/>
+              <a:latin typeface="Consolas" panose="020B0609020204030204" pitchFamily="49" charset="0"/>
+            </a:endParaRPr>
+          </a:p>
+          <a:p>
+            <a:pPr>
+              <a:lnSpc>
+                <a:spcPts val="1425"/>
+              </a:lnSpc>
+              <a:buNone/>
+            </a:pPr>
+            <a:r>
+              <a:rPr lang="en-US" b="0" dirty="0" err="1">
+                <a:solidFill>
+                  <a:srgbClr val="9CDCFE"/>
+                </a:solidFill>
+                <a:effectLst/>
+                <a:latin typeface="Consolas" panose="020B0609020204030204" pitchFamily="49" charset="0"/>
+              </a:rPr>
+              <a:t>wav_sound</a:t>
+            </a:r>
+            <a:r>
+              <a:rPr lang="en-US" b="0" dirty="0" err="1">
+                <a:solidFill>
+                  <a:srgbClr val="CCCCCC"/>
+                </a:solidFill>
+                <a:effectLst/>
+                <a:latin typeface="Consolas" panose="020B0609020204030204" pitchFamily="49" charset="0"/>
+              </a:rPr>
+              <a:t>.stop</a:t>
+            </a:r>
+            <a:r>
+              <a:rPr lang="en-US" b="0" dirty="0">
                 <a:solidFill>
                   <a:srgbClr val="CCCCCC"/>
                 </a:solidFill>
@@ -19647,8 +19427,8 @@
         </p:nvSpPr>
         <p:spPr>
           <a:xfrm>
-            <a:off x="6309600" y="3510076"/>
-            <a:ext cx="5718811" cy="1709827"/>
+            <a:off x="6309600" y="3027010"/>
+            <a:ext cx="5718811" cy="1722651"/>
           </a:xfrm>
           <a:prstGeom prst="rect">
             <a:avLst/>
@@ -19665,85 +19445,24 @@
           <a:p>
             <a:pPr>
               <a:lnSpc>
-                <a:spcPct val="150000"/>
+                <a:spcPts val="1425"/>
               </a:lnSpc>
+              <a:buNone/>
             </a:pPr>
-            <a:r>
-              <a:rPr lang="en-GB" b="0" dirty="0">
-                <a:solidFill>
-                  <a:srgbClr val="C586C0"/>
-                </a:solidFill>
-                <a:effectLst/>
-                <a:latin typeface="Consolas" panose="020B0609020204030204" pitchFamily="49" charset="0"/>
-              </a:rPr>
-              <a:t>import</a:t>
-            </a:r>
-            <a:r>
-              <a:rPr lang="en-GB" b="0" dirty="0">
-                <a:solidFill>
-                  <a:srgbClr val="CCCCCC"/>
-                </a:solidFill>
-                <a:effectLst/>
-                <a:latin typeface="Consolas" panose="020B0609020204030204" pitchFamily="49" charset="0"/>
-              </a:rPr>
-              <a:t> </a:t>
-            </a:r>
-            <a:r>
-              <a:rPr lang="en-GB" b="0" dirty="0" err="1">
-                <a:solidFill>
-                  <a:srgbClr val="4EC9B0"/>
-                </a:solidFill>
-                <a:effectLst/>
-                <a:latin typeface="Consolas" panose="020B0609020204030204" pitchFamily="49" charset="0"/>
-              </a:rPr>
-              <a:t>soundfile</a:t>
-            </a:r>
-            <a:r>
-              <a:rPr lang="en-GB" b="0" dirty="0">
-                <a:solidFill>
-                  <a:srgbClr val="CCCCCC"/>
-                </a:solidFill>
-                <a:effectLst/>
-                <a:latin typeface="Consolas" panose="020B0609020204030204" pitchFamily="49" charset="0"/>
-              </a:rPr>
-              <a:t> </a:t>
-            </a:r>
-            <a:r>
-              <a:rPr lang="en-GB" b="0" dirty="0">
-                <a:solidFill>
-                  <a:srgbClr val="C586C0"/>
-                </a:solidFill>
-                <a:effectLst/>
-                <a:latin typeface="Consolas" panose="020B0609020204030204" pitchFamily="49" charset="0"/>
-              </a:rPr>
-              <a:t>as</a:t>
-            </a:r>
-            <a:r>
-              <a:rPr lang="en-GB" b="0" dirty="0">
-                <a:solidFill>
-                  <a:srgbClr val="CCCCCC"/>
-                </a:solidFill>
-                <a:effectLst/>
-                <a:latin typeface="Consolas" panose="020B0609020204030204" pitchFamily="49" charset="0"/>
-              </a:rPr>
-              <a:t> </a:t>
-            </a:r>
-            <a:r>
-              <a:rPr lang="en-GB" b="0" dirty="0">
-                <a:solidFill>
-                  <a:srgbClr val="4EC9B0"/>
-                </a:solidFill>
-                <a:effectLst/>
-                <a:latin typeface="Consolas" panose="020B0609020204030204" pitchFamily="49" charset="0"/>
-              </a:rPr>
-              <a:t>sf</a:t>
-            </a:r>
+            <a:endParaRPr lang="en-US" b="0" dirty="0">
+              <a:solidFill>
+                <a:srgbClr val="9CDCFE"/>
+              </a:solidFill>
+              <a:effectLst/>
+              <a:latin typeface="Consolas" panose="020B0609020204030204" pitchFamily="49" charset="0"/>
+            </a:endParaRPr>
           </a:p>
           <a:p>
             <a:pPr>
               <a:lnSpc>
-                <a:spcPct val="150000"/>
+                <a:spcPts val="1425"/>
               </a:lnSpc>
+              <a:buNone/>
             </a:pPr>
             <a:r>
               <a:rPr lang="en-US" b="0" dirty="0">
@@ -19753,7 +19472,7 @@
                 <a:effectLst/>
                 <a:latin typeface="Consolas" panose="020B0609020204030204" pitchFamily="49" charset="0"/>
               </a:rPr>
-              <a:t>data</a:t>
+              <a:t>tone</a:t>
             </a:r>
             <a:r>
               <a:rPr lang="en-US" b="0" dirty="0">
@@ -19763,31 +19482,161 @@
                 <a:effectLst/>
                 <a:latin typeface="Consolas" panose="020B0609020204030204" pitchFamily="49" charset="0"/>
               </a:rPr>
+              <a:t> </a:t>
+            </a:r>
+            <a:r>
+              <a:rPr lang="en-US" b="0" dirty="0">
+                <a:solidFill>
+                  <a:srgbClr val="D4D4D4"/>
+                </a:solidFill>
+                <a:effectLst/>
+                <a:latin typeface="Consolas" panose="020B0609020204030204" pitchFamily="49" charset="0"/>
+              </a:rPr>
+              <a:t>=</a:t>
+            </a:r>
+            <a:r>
+              <a:rPr lang="en-US" b="0" dirty="0">
+                <a:solidFill>
+                  <a:srgbClr val="CCCCCC"/>
+                </a:solidFill>
+                <a:effectLst/>
+                <a:latin typeface="Consolas" panose="020B0609020204030204" pitchFamily="49" charset="0"/>
+              </a:rPr>
+              <a:t> </a:t>
+            </a:r>
+            <a:r>
+              <a:rPr lang="en-US" b="0" dirty="0" err="1">
+                <a:solidFill>
+                  <a:srgbClr val="4EC9B0"/>
+                </a:solidFill>
+                <a:effectLst/>
+                <a:latin typeface="Consolas" panose="020B0609020204030204" pitchFamily="49" charset="0"/>
+              </a:rPr>
+              <a:t>sound</a:t>
+            </a:r>
+            <a:r>
+              <a:rPr lang="en-US" b="0" dirty="0" err="1">
+                <a:solidFill>
+                  <a:srgbClr val="CCCCCC"/>
+                </a:solidFill>
+                <a:effectLst/>
+                <a:latin typeface="Consolas" panose="020B0609020204030204" pitchFamily="49" charset="0"/>
+              </a:rPr>
+              <a:t>.</a:t>
+            </a:r>
+            <a:r>
+              <a:rPr lang="en-US" b="0" dirty="0" err="1">
+                <a:solidFill>
+                  <a:srgbClr val="4EC9B0"/>
+                </a:solidFill>
+                <a:effectLst/>
+                <a:latin typeface="Consolas" panose="020B0609020204030204" pitchFamily="49" charset="0"/>
+              </a:rPr>
+              <a:t>Sound</a:t>
+            </a:r>
+            <a:r>
+              <a:rPr lang="en-US" b="0" dirty="0">
+                <a:solidFill>
+                  <a:srgbClr val="CCCCCC"/>
+                </a:solidFill>
+                <a:effectLst/>
+                <a:latin typeface="Consolas" panose="020B0609020204030204" pitchFamily="49" charset="0"/>
+              </a:rPr>
+              <a:t>(</a:t>
+            </a:r>
+            <a:r>
+              <a:rPr lang="en-US" b="0" dirty="0">
+                <a:solidFill>
+                  <a:srgbClr val="9CDCFE"/>
+                </a:solidFill>
+                <a:effectLst/>
+                <a:latin typeface="Consolas" panose="020B0609020204030204" pitchFamily="49" charset="0"/>
+              </a:rPr>
+              <a:t>value</a:t>
+            </a:r>
+            <a:r>
+              <a:rPr lang="en-US" b="0" dirty="0">
+                <a:solidFill>
+                  <a:srgbClr val="D4D4D4"/>
+                </a:solidFill>
+                <a:effectLst/>
+                <a:latin typeface="Consolas" panose="020B0609020204030204" pitchFamily="49" charset="0"/>
+              </a:rPr>
+              <a:t>=</a:t>
+            </a:r>
+            <a:r>
+              <a:rPr lang="en-US" b="0" dirty="0">
+                <a:solidFill>
+                  <a:srgbClr val="9CDCFE"/>
+                </a:solidFill>
+                <a:effectLst/>
+                <a:latin typeface="Consolas" panose="020B0609020204030204" pitchFamily="49" charset="0"/>
+              </a:rPr>
+              <a:t>frequency</a:t>
+            </a:r>
+            <a:r>
+              <a:rPr lang="en-US" b="0" dirty="0">
+                <a:solidFill>
+                  <a:srgbClr val="CCCCCC"/>
+                </a:solidFill>
+                <a:effectLst/>
+                <a:latin typeface="Consolas" panose="020B0609020204030204" pitchFamily="49" charset="0"/>
+              </a:rPr>
               <a:t>, </a:t>
             </a:r>
             <a:r>
-              <a:rPr lang="en-US" b="0" dirty="0" err="1">
+              <a:rPr lang="en-US" b="0" dirty="0">
                 <a:solidFill>
                   <a:srgbClr val="9CDCFE"/>
                 </a:solidFill>
                 <a:effectLst/>
                 <a:latin typeface="Consolas" panose="020B0609020204030204" pitchFamily="49" charset="0"/>
               </a:rPr>
-              <a:t>sample_rate</a:t>
+              <a:t>secs</a:t>
             </a:r>
             <a:r>
               <a:rPr lang="en-US" b="0" dirty="0">
                 <a:solidFill>
+                  <a:srgbClr val="D4D4D4"/>
+                </a:solidFill>
+                <a:effectLst/>
+                <a:latin typeface="Consolas" panose="020B0609020204030204" pitchFamily="49" charset="0"/>
+              </a:rPr>
+              <a:t>=</a:t>
+            </a:r>
+            <a:r>
+              <a:rPr lang="en-US" b="0" dirty="0">
+                <a:solidFill>
+                  <a:srgbClr val="9CDCFE"/>
+                </a:solidFill>
+                <a:effectLst/>
+                <a:latin typeface="Consolas" panose="020B0609020204030204" pitchFamily="49" charset="0"/>
+              </a:rPr>
+              <a:t>duration</a:t>
+            </a:r>
+            <a:r>
+              <a:rPr lang="en-US" b="0" dirty="0">
+                <a:solidFill>
                   <a:srgbClr val="CCCCCC"/>
                 </a:solidFill>
                 <a:effectLst/>
                 <a:latin typeface="Consolas" panose="020B0609020204030204" pitchFamily="49" charset="0"/>
               </a:rPr>
-              <a:t> </a:t>
+              <a:t>, </a:t>
             </a:r>
             <a:r>
               <a:rPr lang="en-US" b="0" dirty="0">
                 <a:solidFill>
+                  <a:srgbClr val="9CDCFE"/>
+                </a:solidFill>
+                <a:effectLst/>
+                <a:latin typeface="Consolas" panose="020B0609020204030204" pitchFamily="49" charset="0"/>
+              </a:rPr>
+              <a:t>volume</a:t>
+            </a:r>
+            <a:r>
+              <a:rPr lang="en-US" b="0" dirty="0">
+                <a:solidFill>
                   <a:srgbClr val="D4D4D4"/>
                 </a:solidFill>
                 <a:effectLst/>
@@ -19798,62 +19647,12 @@
             <a:r>
               <a:rPr lang="en-US" b="0" dirty="0">
                 <a:solidFill>
-                  <a:srgbClr val="CCCCCC"/>
-                </a:solidFill>
-                <a:effectLst/>
-                <a:latin typeface="Consolas" panose="020B0609020204030204" pitchFamily="49" charset="0"/>
-              </a:rPr>
-              <a:t> </a:t>
-            </a:r>
-            <a:r>
-              <a:rPr lang="en-US" b="0" dirty="0" err="1">
-                <a:solidFill>
-                  <a:srgbClr val="4EC9B0"/>
-                </a:solidFill>
-                <a:effectLst/>
-                <a:latin typeface="Consolas" panose="020B0609020204030204" pitchFamily="49" charset="0"/>
-              </a:rPr>
-              <a:t>sf</a:t>
-            </a:r>
-            <a:r>
-              <a:rPr lang="en-US" b="0" dirty="0" err="1">
-                <a:solidFill>
-                  <a:srgbClr val="CCCCCC"/>
-                </a:solidFill>
-                <a:effectLst/>
-                <a:latin typeface="Consolas" panose="020B0609020204030204" pitchFamily="49" charset="0"/>
-              </a:rPr>
-              <a:t>.</a:t>
-            </a:r>
-            <a:r>
-              <a:rPr lang="en-US" b="0" dirty="0" err="1">
-                <a:solidFill>
-                  <a:srgbClr val="DCDCAA"/>
-                </a:solidFill>
-                <a:effectLst/>
-                <a:latin typeface="Consolas" panose="020B0609020204030204" pitchFamily="49" charset="0"/>
-              </a:rPr>
-              <a:t>read</a:t>
-            </a:r>
-            <a:r>
-              <a:rPr lang="en-US" b="0" dirty="0">
-                <a:solidFill>
-                  <a:srgbClr val="CCCCCC"/>
-                </a:solidFill>
-                <a:effectLst/>
-                <a:latin typeface="Consolas" panose="020B0609020204030204" pitchFamily="49" charset="0"/>
-              </a:rPr>
-              <a:t>(</a:t>
-            </a:r>
-            <a:r>
-              <a:rPr lang="en-US" b="0" dirty="0" err="1">
-                <a:solidFill>
                   <a:srgbClr val="9CDCFE"/>
                 </a:solidFill>
                 <a:effectLst/>
                 <a:latin typeface="Consolas" panose="020B0609020204030204" pitchFamily="49" charset="0"/>
               </a:rPr>
-              <a:t>file_path</a:t>
+              <a:t>volume</a:t>
             </a:r>
             <a:r>
               <a:rPr lang="en-US" b="0" dirty="0">
@@ -19869,105 +19668,87 @@
           <a:p>
             <a:pPr>
               <a:lnSpc>
-                <a:spcPct val="150000"/>
+                <a:spcPts val="1425"/>
               </a:lnSpc>
+              <a:buNone/>
             </a:pPr>
-            <a:r>
-              <a:rPr lang="en-US" b="0" dirty="0" err="1">
-                <a:solidFill>
-                  <a:srgbClr val="4EC9B0"/>
-                </a:solidFill>
-                <a:effectLst/>
-                <a:latin typeface="Consolas" panose="020B0609020204030204" pitchFamily="49" charset="0"/>
-              </a:rPr>
-              <a:t>sd</a:t>
-            </a:r>
-            <a:r>
-              <a:rPr lang="en-US" b="0" dirty="0" err="1">
-                <a:solidFill>
-                  <a:srgbClr val="CCCCCC"/>
-                </a:solidFill>
-                <a:effectLst/>
-                <a:latin typeface="Consolas" panose="020B0609020204030204" pitchFamily="49" charset="0"/>
-              </a:rPr>
-              <a:t>.</a:t>
-            </a:r>
-            <a:r>
-              <a:rPr lang="en-US" b="0" dirty="0" err="1">
-                <a:solidFill>
-                  <a:srgbClr val="DCDCAA"/>
-                </a:solidFill>
-                <a:effectLst/>
-                <a:latin typeface="Consolas" panose="020B0609020204030204" pitchFamily="49" charset="0"/>
-              </a:rPr>
-              <a:t>play</a:t>
-            </a:r>
-            <a:r>
-              <a:rPr lang="en-US" b="0" dirty="0">
-                <a:solidFill>
-                  <a:srgbClr val="CCCCCC"/>
-                </a:solidFill>
-                <a:effectLst/>
-                <a:latin typeface="Consolas" panose="020B0609020204030204" pitchFamily="49" charset="0"/>
-              </a:rPr>
-              <a:t>(</a:t>
-            </a:r>
-            <a:r>
-              <a:rPr lang="en-US" b="0" dirty="0">
-                <a:solidFill>
-                  <a:srgbClr val="9CDCFE"/>
-                </a:solidFill>
-                <a:effectLst/>
-                <a:latin typeface="Consolas" panose="020B0609020204030204" pitchFamily="49" charset="0"/>
-              </a:rPr>
-              <a:t>data</a:t>
-            </a:r>
-            <a:r>
-              <a:rPr lang="en-US" b="0" dirty="0">
-                <a:solidFill>
-                  <a:srgbClr val="CCCCCC"/>
-                </a:solidFill>
-                <a:effectLst/>
-                <a:latin typeface="Consolas" panose="020B0609020204030204" pitchFamily="49" charset="0"/>
-              </a:rPr>
-              <a:t>, </a:t>
-            </a:r>
-            <a:r>
-              <a:rPr lang="en-US" b="0" dirty="0" err="1">
-                <a:solidFill>
-                  <a:srgbClr val="9CDCFE"/>
-                </a:solidFill>
-                <a:effectLst/>
-                <a:latin typeface="Consolas" panose="020B0609020204030204" pitchFamily="49" charset="0"/>
-              </a:rPr>
-              <a:t>sample_rate</a:t>
-            </a:r>
-            <a:r>
-              <a:rPr lang="en-US" b="0" dirty="0">
-                <a:solidFill>
-                  <a:srgbClr val="CCCCCC"/>
-                </a:solidFill>
-                <a:effectLst/>
-                <a:latin typeface="Consolas" panose="020B0609020204030204" pitchFamily="49" charset="0"/>
-              </a:rPr>
-              <a:t>)</a:t>
-            </a:r>
+            <a:endParaRPr lang="en-US" b="0" dirty="0">
+              <a:solidFill>
+                <a:srgbClr val="CCCCCC"/>
+              </a:solidFill>
+              <a:effectLst/>
+              <a:latin typeface="Consolas" panose="020B0609020204030204" pitchFamily="49" charset="0"/>
+            </a:endParaRPr>
           </a:p>
           <a:p>
             <a:pPr>
               <a:lnSpc>
-                <a:spcPct val="150000"/>
+                <a:spcPts val="1425"/>
               </a:lnSpc>
+              <a:buNone/>
             </a:pPr>
             <a:r>
               <a:rPr lang="en-US" b="0" dirty="0" err="1">
                 <a:solidFill>
+                  <a:srgbClr val="9CDCFE"/>
+                </a:solidFill>
+                <a:effectLst/>
+                <a:latin typeface="Consolas" panose="020B0609020204030204" pitchFamily="49" charset="0"/>
+              </a:rPr>
+              <a:t>tone</a:t>
+            </a:r>
+            <a:r>
+              <a:rPr lang="en-US" b="0" dirty="0" err="1">
+                <a:solidFill>
+                  <a:srgbClr val="CCCCCC"/>
+                </a:solidFill>
+                <a:effectLst/>
+                <a:latin typeface="Consolas" panose="020B0609020204030204" pitchFamily="49" charset="0"/>
+              </a:rPr>
+              <a:t>.play</a:t>
+            </a:r>
+            <a:r>
+              <a:rPr lang="en-US" b="0" dirty="0">
+                <a:solidFill>
+                  <a:srgbClr val="CCCCCC"/>
+                </a:solidFill>
+                <a:effectLst/>
+                <a:latin typeface="Consolas" panose="020B0609020204030204" pitchFamily="49" charset="0"/>
+              </a:rPr>
+              <a:t>()</a:t>
+            </a:r>
+          </a:p>
+          <a:p>
+            <a:pPr>
+              <a:lnSpc>
+                <a:spcPts val="1425"/>
+              </a:lnSpc>
+              <a:buNone/>
+            </a:pPr>
+            <a:endParaRPr lang="en-US" b="0" dirty="0">
+              <a:solidFill>
+                <a:srgbClr val="CCCCCC"/>
+              </a:solidFill>
+              <a:effectLst/>
+              <a:latin typeface="Consolas" panose="020B0609020204030204" pitchFamily="49" charset="0"/>
+            </a:endParaRPr>
+          </a:p>
+          <a:p>
+            <a:pPr>
+              <a:lnSpc>
+                <a:spcPts val="1425"/>
+              </a:lnSpc>
+              <a:buNone/>
+            </a:pPr>
+            <a:r>
+              <a:rPr lang="en-US" b="0" dirty="0" err="1">
+                <a:solidFill>
                   <a:srgbClr val="4EC9B0"/>
                 </a:solidFill>
                 <a:effectLst/>
                 <a:latin typeface="Consolas" panose="020B0609020204030204" pitchFamily="49" charset="0"/>
               </a:rPr>
-              <a:t>sd</a:t>
+              <a:t>core</a:t>
             </a:r>
             <a:r>
               <a:rPr lang="en-US" b="0" dirty="0" err="1">
@@ -19997,8 +19778,434 @@
                 <a:effectLst/>
                 <a:latin typeface="Consolas" panose="020B0609020204030204" pitchFamily="49" charset="0"/>
               </a:rPr>
+              <a:t>(</a:t>
+            </a:r>
+            <a:r>
+              <a:rPr lang="en-US" b="0" dirty="0">
+                <a:solidFill>
+                  <a:srgbClr val="9CDCFE"/>
+                </a:solidFill>
+                <a:effectLst/>
+                <a:latin typeface="Consolas" panose="020B0609020204030204" pitchFamily="49" charset="0"/>
+              </a:rPr>
+              <a:t>duration</a:t>
+            </a:r>
+            <a:r>
+              <a:rPr lang="en-US" b="0" dirty="0">
+                <a:solidFill>
+                  <a:srgbClr val="CCCCCC"/>
+                </a:solidFill>
+                <a:effectLst/>
+                <a:latin typeface="Consolas" panose="020B0609020204030204" pitchFamily="49" charset="0"/>
+              </a:rPr>
+              <a:t>)</a:t>
+            </a:r>
+          </a:p>
+          <a:p>
+            <a:pPr>
+              <a:lnSpc>
+                <a:spcPts val="1425"/>
+              </a:lnSpc>
+              <a:buNone/>
+            </a:pPr>
+            <a:endParaRPr lang="en-US" b="0" dirty="0">
+              <a:solidFill>
+                <a:srgbClr val="CCCCCC"/>
+              </a:solidFill>
+              <a:effectLst/>
+              <a:latin typeface="Consolas" panose="020B0609020204030204" pitchFamily="49" charset="0"/>
+            </a:endParaRPr>
+          </a:p>
+          <a:p>
+            <a:pPr>
+              <a:lnSpc>
+                <a:spcPts val="1425"/>
+              </a:lnSpc>
+              <a:buNone/>
+            </a:pPr>
+            <a:r>
+              <a:rPr lang="en-US" b="0" dirty="0" err="1">
+                <a:solidFill>
+                  <a:srgbClr val="9CDCFE"/>
+                </a:solidFill>
+                <a:effectLst/>
+                <a:latin typeface="Consolas" panose="020B0609020204030204" pitchFamily="49" charset="0"/>
+              </a:rPr>
+              <a:t>tone</a:t>
+            </a:r>
+            <a:r>
+              <a:rPr lang="en-US" b="0" dirty="0" err="1">
+                <a:solidFill>
+                  <a:srgbClr val="CCCCCC"/>
+                </a:solidFill>
+                <a:effectLst/>
+                <a:latin typeface="Consolas" panose="020B0609020204030204" pitchFamily="49" charset="0"/>
+              </a:rPr>
+              <a:t>.stop</a:t>
+            </a:r>
+            <a:r>
+              <a:rPr lang="en-US" b="0" dirty="0">
+                <a:solidFill>
+                  <a:srgbClr val="CCCCCC"/>
+                </a:solidFill>
+                <a:effectLst/>
+                <a:latin typeface="Consolas" panose="020B0609020204030204" pitchFamily="49" charset="0"/>
+              </a:rPr>
               <a:t>()</a:t>
             </a:r>
+          </a:p>
+        </p:txBody>
+      </p:sp>
+      <p:sp>
+        <p:nvSpPr>
+          <p:cNvPr id="4" name="Content Placeholder 2">
+            <a:extLst>
+              <a:ext uri="{FF2B5EF4-FFF2-40B4-BE49-F238E27FC236}">
+                <a16:creationId xmlns:a16="http://schemas.microsoft.com/office/drawing/2014/main" id="{705F3E99-7F46-82E8-9DCF-2071A05C94C0}"/>
+              </a:ext>
+            </a:extLst>
+          </p:cNvPr>
+          <p:cNvSpPr txBox="1">
+            <a:spLocks/>
+          </p:cNvSpPr>
+          <p:nvPr/>
+        </p:nvSpPr>
+        <p:spPr>
+          <a:xfrm>
+            <a:off x="379561" y="4904718"/>
+            <a:ext cx="11432873" cy="1805750"/>
+          </a:xfrm>
+          <a:prstGeom prst="rect">
+            <a:avLst/>
+          </a:prstGeom>
+        </p:spPr>
+        <p:txBody>
+          <a:bodyPr vert="horz" lIns="91440" tIns="45720" rIns="91440" bIns="45720" rtlCol="0">
+            <a:normAutofit fontScale="92500"/>
+          </a:bodyPr>
+          <a:lstStyle>
+            <a:lvl1pPr marL="361950" indent="-361950" algn="l" defTabSz="914400" rtl="0" eaLnBrk="1" latinLnBrk="0" hangingPunct="1">
+              <a:lnSpc>
+                <a:spcPct val="90000"/>
+              </a:lnSpc>
+              <a:spcBef>
+                <a:spcPts val="0"/>
+              </a:spcBef>
+              <a:buFont typeface="Arial" panose="020B0604020202020204" pitchFamily="34" charset="0"/>
+              <a:buChar char="‒"/>
+              <a:defRPr sz="2400" kern="1200">
+                <a:solidFill>
+                  <a:schemeClr val="tx1"/>
+                </a:solidFill>
+                <a:latin typeface="+mn-lt"/>
+                <a:ea typeface="+mn-ea"/>
+                <a:cs typeface="+mn-cs"/>
+              </a:defRPr>
+            </a:lvl1pPr>
+            <a:lvl2pPr marL="715963" indent="-354013" algn="l" defTabSz="914400" rtl="0" eaLnBrk="1" latinLnBrk="0" hangingPunct="1">
+              <a:lnSpc>
+                <a:spcPct val="90000"/>
+              </a:lnSpc>
+              <a:spcBef>
+                <a:spcPts val="0"/>
+              </a:spcBef>
+              <a:buFont typeface="Arial" panose="020B0604020202020204" pitchFamily="34" charset="0"/>
+              <a:buChar char="‒"/>
+              <a:defRPr sz="2400" kern="1200">
+                <a:solidFill>
+                  <a:schemeClr val="tx1"/>
+                </a:solidFill>
+                <a:latin typeface="+mn-lt"/>
+                <a:ea typeface="+mn-ea"/>
+                <a:cs typeface="+mn-cs"/>
+              </a:defRPr>
+            </a:lvl2pPr>
+            <a:lvl3pPr marL="1077913" indent="-361950" algn="l" defTabSz="914400" rtl="0" eaLnBrk="1" latinLnBrk="0" hangingPunct="1">
+              <a:lnSpc>
+                <a:spcPct val="90000"/>
+              </a:lnSpc>
+              <a:spcBef>
+                <a:spcPts val="0"/>
+              </a:spcBef>
+              <a:buFont typeface="Arial" panose="020B0604020202020204" pitchFamily="34" charset="0"/>
+              <a:buChar char="‒"/>
+              <a:defRPr sz="2400" kern="1200">
+                <a:solidFill>
+                  <a:schemeClr val="tx1"/>
+                </a:solidFill>
+                <a:latin typeface="+mn-lt"/>
+                <a:ea typeface="+mn-ea"/>
+                <a:cs typeface="+mn-cs"/>
+              </a:defRPr>
+            </a:lvl3pPr>
+            <a:lvl4pPr marL="1431925" indent="-354013" algn="l" defTabSz="914400" rtl="0" eaLnBrk="1" latinLnBrk="0" hangingPunct="1">
+              <a:lnSpc>
+                <a:spcPct val="90000"/>
+              </a:lnSpc>
+              <a:spcBef>
+                <a:spcPts val="0"/>
+              </a:spcBef>
+              <a:buFont typeface="Arial" panose="020B0604020202020204" pitchFamily="34" charset="0"/>
+              <a:buChar char="‒"/>
+              <a:defRPr sz="2400" kern="1200">
+                <a:solidFill>
+                  <a:schemeClr val="tx1"/>
+                </a:solidFill>
+                <a:latin typeface="+mn-lt"/>
+                <a:ea typeface="+mn-ea"/>
+                <a:cs typeface="+mn-cs"/>
+              </a:defRPr>
+            </a:lvl4pPr>
+            <a:lvl5pPr marL="1793875" indent="-361950" algn="l" defTabSz="914400" rtl="0" eaLnBrk="1" latinLnBrk="0" hangingPunct="1">
+              <a:lnSpc>
+                <a:spcPct val="90000"/>
+              </a:lnSpc>
+              <a:spcBef>
+                <a:spcPts val="0"/>
+              </a:spcBef>
+              <a:buFont typeface="Arial" panose="020B0604020202020204" pitchFamily="34" charset="0"/>
+              <a:buChar char="‒"/>
+              <a:defRPr sz="2400" kern="1200">
+                <a:solidFill>
+                  <a:schemeClr val="tx1"/>
+                </a:solidFill>
+                <a:latin typeface="+mn-lt"/>
+                <a:ea typeface="+mn-ea"/>
+                <a:cs typeface="+mn-cs"/>
+              </a:defRPr>
+            </a:lvl5pPr>
+            <a:lvl6pPr marL="2514600" indent="-228600" algn="l" defTabSz="914400" rtl="0" eaLnBrk="1" latinLnBrk="0" hangingPunct="1">
+              <a:lnSpc>
+                <a:spcPct val="90000"/>
+              </a:lnSpc>
+              <a:spcBef>
+                <a:spcPts val="500"/>
+              </a:spcBef>
+              <a:buFont typeface="Arial"/>
+              <a:buChar char="•"/>
+              <a:defRPr sz="1800" kern="1200">
+                <a:solidFill>
+                  <a:schemeClr val="tx1"/>
+                </a:solidFill>
+                <a:latin typeface="+mn-lt"/>
+                <a:ea typeface="+mn-ea"/>
+                <a:cs typeface="+mn-cs"/>
+              </a:defRPr>
+            </a:lvl6pPr>
+            <a:lvl7pPr marL="2971800" indent="-228600" algn="l" defTabSz="914400" rtl="0" eaLnBrk="1" latinLnBrk="0" hangingPunct="1">
+              <a:lnSpc>
+                <a:spcPct val="90000"/>
+              </a:lnSpc>
+              <a:spcBef>
+                <a:spcPts val="500"/>
+              </a:spcBef>
+              <a:buFont typeface="Arial"/>
+              <a:buChar char="•"/>
+              <a:defRPr sz="1800" kern="1200">
+                <a:solidFill>
+                  <a:schemeClr val="tx1"/>
+                </a:solidFill>
+                <a:latin typeface="+mn-lt"/>
+                <a:ea typeface="+mn-ea"/>
+                <a:cs typeface="+mn-cs"/>
+              </a:defRPr>
+            </a:lvl7pPr>
+            <a:lvl8pPr marL="3429000" indent="-228600" algn="l" defTabSz="914400" rtl="0" eaLnBrk="1" latinLnBrk="0" hangingPunct="1">
+              <a:lnSpc>
+                <a:spcPct val="90000"/>
+              </a:lnSpc>
+              <a:spcBef>
+                <a:spcPts val="500"/>
+              </a:spcBef>
+              <a:buFont typeface="Arial"/>
+              <a:buChar char="•"/>
+              <a:defRPr sz="1800" kern="1200">
+                <a:solidFill>
+                  <a:schemeClr val="tx1"/>
+                </a:solidFill>
+                <a:latin typeface="+mn-lt"/>
+                <a:ea typeface="+mn-ea"/>
+                <a:cs typeface="+mn-cs"/>
+              </a:defRPr>
+            </a:lvl8pPr>
+            <a:lvl9pPr marL="3886200" indent="-228600" algn="l" defTabSz="914400" rtl="0" eaLnBrk="1" latinLnBrk="0" hangingPunct="1">
+              <a:lnSpc>
+                <a:spcPct val="90000"/>
+              </a:lnSpc>
+              <a:spcBef>
+                <a:spcPts val="500"/>
+              </a:spcBef>
+              <a:buFont typeface="Arial"/>
+              <a:buChar char="•"/>
+              <a:defRPr sz="1800" kern="1200">
+                <a:solidFill>
+                  <a:schemeClr val="tx1"/>
+                </a:solidFill>
+                <a:latin typeface="+mn-lt"/>
+                <a:ea typeface="+mn-ea"/>
+                <a:cs typeface="+mn-cs"/>
+              </a:defRPr>
+            </a:lvl9pPr>
+          </a:lstStyle>
+          <a:p>
+            <a:pPr marL="0" indent="0">
+              <a:buFont typeface="Arial" panose="020B0604020202020204" pitchFamily="34" charset="0"/>
+              <a:buNone/>
+            </a:pPr>
+            <a:r>
+              <a:rPr lang="en-US" sz="1800" dirty="0"/>
+              <a:t>Use </a:t>
+            </a:r>
+            <a:r>
+              <a:rPr lang="en-US" sz="1800" i="1" dirty="0" err="1"/>
+              <a:t>prefs.hardware</a:t>
+            </a:r>
+            <a:r>
+              <a:rPr lang="en-US" sz="1800" i="1" dirty="0"/>
+              <a:t>['</a:t>
+            </a:r>
+            <a:r>
+              <a:rPr lang="en-US" sz="1800" i="1" dirty="0" err="1"/>
+              <a:t>audioLib</a:t>
+            </a:r>
+            <a:r>
+              <a:rPr lang="en-US" sz="1800" i="1" dirty="0"/>
+              <a:t>']</a:t>
+            </a:r>
+            <a:r>
+              <a:rPr lang="en-US" sz="1800" dirty="0"/>
+              <a:t> to select the audio backend (e.g. ['</a:t>
+            </a:r>
+            <a:r>
+              <a:rPr lang="en-US" sz="1800" dirty="0" err="1"/>
+              <a:t>ptb</a:t>
+            </a:r>
+            <a:r>
+              <a:rPr lang="en-US" sz="1800" dirty="0"/>
+              <a:t>'] for </a:t>
+            </a:r>
+            <a:r>
+              <a:rPr lang="en-US" sz="1800" dirty="0" err="1"/>
+              <a:t>PsychToolbox</a:t>
+            </a:r>
+            <a:r>
+              <a:rPr lang="en-US" sz="1800" dirty="0"/>
+              <a:t>, or '</a:t>
+            </a:r>
+            <a:r>
+              <a:rPr lang="en-US" sz="1800" dirty="0" err="1"/>
+              <a:t>sounddevice</a:t>
+            </a:r>
+            <a:r>
+              <a:rPr lang="en-US" sz="1800" dirty="0"/>
+              <a:t>', '</a:t>
+            </a:r>
+            <a:r>
+              <a:rPr lang="en-US" sz="1800" dirty="0" err="1"/>
+              <a:t>pygame</a:t>
+            </a:r>
+            <a:r>
+              <a:rPr lang="en-US" sz="1800" dirty="0"/>
+              <a:t>’)</a:t>
+            </a:r>
+          </a:p>
+          <a:p>
+            <a:pPr marL="0" indent="0">
+              <a:buFont typeface="Arial" panose="020B0604020202020204" pitchFamily="34" charset="0"/>
+              <a:buNone/>
+            </a:pPr>
+            <a:endParaRPr lang="en-US" sz="1800" dirty="0"/>
+          </a:p>
+          <a:p>
+            <a:pPr marL="0" indent="0">
+              <a:buFont typeface="Arial" panose="020B0604020202020204" pitchFamily="34" charset="0"/>
+              <a:buNone/>
+            </a:pPr>
+            <a:r>
+              <a:rPr lang="en-US" sz="1800" i="1" dirty="0" err="1"/>
+              <a:t>prefs.hardware</a:t>
+            </a:r>
+            <a:r>
+              <a:rPr lang="en-US" sz="1800" i="1" dirty="0"/>
+              <a:t>['</a:t>
+            </a:r>
+            <a:r>
+              <a:rPr lang="en-US" sz="1800" i="1" dirty="0" err="1"/>
+              <a:t>audioDevice</a:t>
+            </a:r>
+            <a:r>
+              <a:rPr lang="en-US" sz="1800" i="1" dirty="0"/>
+              <a:t>']</a:t>
+            </a:r>
+            <a:r>
+              <a:rPr lang="en-US" sz="1800" dirty="0"/>
+              <a:t> to target a specific output device by name (e.g. ['Speakers (Realtek(R) Audio)’]).</a:t>
+            </a:r>
+          </a:p>
+          <a:p>
+            <a:pPr marL="0" indent="0">
+              <a:buFont typeface="Arial" panose="020B0604020202020204" pitchFamily="34" charset="0"/>
+              <a:buNone/>
+            </a:pPr>
+            <a:endParaRPr lang="en-US" sz="1800" dirty="0"/>
+          </a:p>
+          <a:p>
+            <a:pPr marL="0" indent="0">
+              <a:buFont typeface="Arial" panose="020B0604020202020204" pitchFamily="34" charset="0"/>
+              <a:buNone/>
+            </a:pPr>
+            <a:r>
+              <a:rPr lang="en-US" sz="1800" dirty="0"/>
+              <a:t>These </a:t>
+            </a:r>
+            <a:r>
+              <a:rPr lang="en-US" sz="1800" b="1" dirty="0"/>
+              <a:t>must be set before </a:t>
+            </a:r>
+            <a:r>
+              <a:rPr lang="en-US" sz="1800" dirty="0"/>
+              <a:t>creating any Sound objects.</a:t>
+            </a:r>
+          </a:p>
+          <a:p>
+            <a:pPr marL="0" indent="0">
+              <a:buFont typeface="Arial" panose="020B0604020202020204" pitchFamily="34" charset="0"/>
+              <a:buNone/>
+            </a:pPr>
+            <a:endParaRPr lang="en-US" sz="1800" dirty="0"/>
+          </a:p>
+          <a:p>
+            <a:pPr marL="0" indent="0">
+              <a:buFont typeface="Arial" panose="020B0604020202020204" pitchFamily="34" charset="0"/>
+              <a:buNone/>
+            </a:pPr>
+            <a:r>
+              <a:rPr lang="en-US" sz="1800" dirty="0"/>
+              <a:t>Audio device can be queried with </a:t>
+            </a:r>
+            <a:r>
+              <a:rPr lang="en-US" sz="1800" i="1" dirty="0" err="1"/>
+              <a:t>psychtoolbox.audio.get_devices</a:t>
+            </a:r>
+            <a:r>
+              <a:rPr lang="en-US" sz="1800" i="1" dirty="0"/>
+              <a:t>()</a:t>
+            </a:r>
+            <a:endParaRPr lang="en-GB" sz="1800" i="1" dirty="0"/>
+          </a:p>
+          <a:p>
+            <a:pPr marL="0" indent="0">
+              <a:buFont typeface="Arial" panose="020B0604020202020204" pitchFamily="34" charset="0"/>
+              <a:buNone/>
+            </a:pPr>
+            <a:endParaRPr lang="en-GB" sz="1800" dirty="0"/>
+          </a:p>
+          <a:p>
+            <a:pPr marL="361950" lvl="1" indent="0">
+              <a:buFont typeface="Arial" panose="020B0604020202020204" pitchFamily="34" charset="0"/>
+              <a:buNone/>
+            </a:pPr>
+            <a:endParaRPr lang="en-GB" sz="2000" dirty="0"/>
           </a:p>
         </p:txBody>
       </p:sp>
@@ -20308,7 +20515,15 @@
                 </a:pPr>
                 <a:r>
                   <a:rPr lang="en-GB" sz="2400" dirty="0"/>
-                  <a:t>Open PTB</a:t>
+                  <a:t>Open </a:t>
+                </a:r>
+                <a:r>
+                  <a:rPr lang="en-GB" sz="2400" dirty="0" err="1"/>
+                  <a:t>PsychoPy</a:t>
+                </a:r>
+                <a:r>
+                  <a:rPr lang="en-GB" sz="2400" dirty="0"/>
+                  <a:t> Window</a:t>
                 </a:r>
               </a:p>
             </p:txBody>
@@ -20505,7 +20720,15 @@
                 </a:pPr>
                 <a:r>
                   <a:rPr lang="en-GB" sz="2400" dirty="0"/>
-                  <a:t>Close PTB</a:t>
+                  <a:t>Close </a:t>
+                </a:r>
+                <a:r>
+                  <a:rPr lang="en-GB" sz="2400" dirty="0" err="1"/>
+                  <a:t>PsychoPy</a:t>
+                </a:r>
+                <a:r>
+                  <a:rPr lang="en-GB" sz="2400" dirty="0"/>
+                  <a:t> Window</a:t>
                 </a:r>
               </a:p>
             </p:txBody>
@@ -20573,7 +20796,15 @@
               </a:pPr>
               <a:r>
                 <a:rPr lang="en-GB" dirty="0"/>
-                <a:t>Initialize PTB + ext. devices</a:t>
+                <a:t>Initialize </a:t>
+              </a:r>
+              <a:r>
+                <a:rPr lang="en-GB" dirty="0" err="1"/>
+                <a:t>PsychoPy</a:t>
+              </a:r>
+              <a:r>
+                <a:rPr lang="en-GB" dirty="0"/>
+                <a:t> + ext. devices</a:t>
               </a:r>
               <a:endParaRPr lang="en-GB" sz="2800" dirty="0"/>
             </a:p>
@@ -20925,7 +21156,15 @@
                 </a:pPr>
                 <a:r>
                   <a:rPr lang="en-GB" sz="2400" dirty="0"/>
-                  <a:t>Open PTB</a:t>
+                  <a:t>Open </a:t>
+                </a:r>
+                <a:r>
+                  <a:rPr lang="en-GB" sz="2400" dirty="0" err="1"/>
+                  <a:t>PsychoPy</a:t>
+                </a:r>
+                <a:r>
+                  <a:rPr lang="en-GB" sz="2400" dirty="0"/>
+                  <a:t> Window</a:t>
                 </a:r>
               </a:p>
             </p:txBody>
@@ -21122,7 +21361,15 @@
                 </a:pPr>
                 <a:r>
                   <a:rPr lang="en-GB" sz="2400" dirty="0"/>
-                  <a:t>Close PTB</a:t>
+                  <a:t>Close </a:t>
+                </a:r>
+                <a:r>
+                  <a:rPr lang="en-GB" sz="2400" dirty="0" err="1"/>
+                  <a:t>PsychoPy</a:t>
+                </a:r>
+                <a:r>
+                  <a:rPr lang="en-GB" sz="2400" dirty="0"/>
+                  <a:t> Window</a:t>
                 </a:r>
               </a:p>
             </p:txBody>
@@ -21190,7 +21437,15 @@
               </a:pPr>
               <a:r>
                 <a:rPr lang="en-GB" dirty="0"/>
-                <a:t>Initialize PTB + ext. devices</a:t>
+                <a:t>Initialize </a:t>
+              </a:r>
+              <a:r>
+                <a:rPr lang="en-GB" dirty="0" err="1"/>
+                <a:t>PsychoPy</a:t>
+              </a:r>
+              <a:r>
+                <a:rPr lang="en-GB" dirty="0"/>
+                <a:t> + ext. devices</a:t>
               </a:r>
               <a:endParaRPr lang="en-GB" sz="2800" dirty="0"/>
             </a:p>
